--- a/Documents/Presentations/KociembaAlgorithmPresentation.pptx
+++ b/Documents/Presentations/KociembaAlgorithmPresentation.pptx
@@ -6,8 +6,10 @@
   </p:sldMasterIdLst>
   <p:sldIdLst>
     <p:sldId id="260" r:id="rId2"/>
-    <p:sldId id="258" r:id="rId3"/>
-    <p:sldId id="259" r:id="rId4"/>
+    <p:sldId id="261" r:id="rId3"/>
+    <p:sldId id="262" r:id="rId4"/>
+    <p:sldId id="258" r:id="rId5"/>
+    <p:sldId id="259" r:id="rId6"/>
   </p:sldIdLst>
   <p:sldSz cx="9144000" cy="6858000" type="screen4x3"/>
   <p:notesSz cx="6858000" cy="9144000"/>
@@ -5088,14 +5090,14 @@
       </p:grpSpPr>
       <p:pic>
         <p:nvPicPr>
-          <p:cNvPr id="258" name="Picture 257"/>
+          <p:cNvPr id="2" name="Picture 1"/>
           <p:cNvPicPr>
             <a:picLocks noChangeAspect="1"/>
           </p:cNvPicPr>
           <p:nvPr/>
         </p:nvPicPr>
         <p:blipFill>
-          <a:blip r:embed="rId2" cstate="print">
+          <a:blip r:embed="rId2">
             <a:extLst>
               <a:ext uri="{28A0092B-C50C-407E-A947-70E740481C1C}">
                 <a14:useLocalDpi xmlns:a14="http://schemas.microsoft.com/office/drawing/2010/main" val="0"/>
@@ -5108,24 +5110,320 @@
         </p:blipFill>
         <p:spPr>
           <a:xfrm>
-            <a:off x="14194" y="4761008"/>
-            <a:ext cx="693055" cy="578635"/>
+            <a:off x="789432" y="467463"/>
+            <a:ext cx="2667000" cy="2518458"/>
           </a:xfrm>
           <a:prstGeom prst="rect">
             <a:avLst/>
           </a:prstGeom>
         </p:spPr>
       </p:pic>
+      <p:sp>
+        <p:nvSpPr>
+          <p:cNvPr id="3" name="TextBox 2"/>
+          <p:cNvSpPr txBox="1"/>
+          <p:nvPr/>
+        </p:nvSpPr>
+        <p:spPr>
+          <a:xfrm>
+            <a:off x="1443108" y="1711889"/>
+            <a:ext cx="296876" cy="369332"/>
+          </a:xfrm>
+          <a:prstGeom prst="rect">
+            <a:avLst/>
+          </a:prstGeom>
+          <a:noFill/>
+        </p:spPr>
+        <p:txBody>
+          <a:bodyPr wrap="none" rtlCol="0">
+            <a:spAutoFit/>
+          </a:bodyPr>
+          <a:lstStyle/>
+          <a:p>
+            <a:r>
+              <a:rPr lang="en-US" b="1" dirty="0" smtClean="0"/>
+              <a:t>F</a:t>
+            </a:r>
+            <a:endParaRPr lang="en-US" b="1" dirty="0"/>
+          </a:p>
+        </p:txBody>
+      </p:sp>
+      <p:sp>
+        <p:nvSpPr>
+          <p:cNvPr id="4" name="TextBox 3"/>
+          <p:cNvSpPr txBox="1"/>
+          <p:nvPr/>
+        </p:nvSpPr>
+        <p:spPr>
+          <a:xfrm>
+            <a:off x="2429211" y="1737757"/>
+            <a:ext cx="319318" cy="369332"/>
+          </a:xfrm>
+          <a:prstGeom prst="rect">
+            <a:avLst/>
+          </a:prstGeom>
+          <a:noFill/>
+        </p:spPr>
+        <p:txBody>
+          <a:bodyPr wrap="none" rtlCol="0">
+            <a:spAutoFit/>
+          </a:bodyPr>
+          <a:lstStyle/>
+          <a:p>
+            <a:r>
+              <a:rPr lang="en-US" b="1" dirty="0"/>
+              <a:t>R</a:t>
+            </a:r>
+            <a:endParaRPr lang="en-US" b="1" dirty="0"/>
+          </a:p>
+        </p:txBody>
+      </p:sp>
+      <p:sp>
+        <p:nvSpPr>
+          <p:cNvPr id="5" name="TextBox 4"/>
+          <p:cNvSpPr txBox="1"/>
+          <p:nvPr/>
+        </p:nvSpPr>
+        <p:spPr>
+          <a:xfrm>
+            <a:off x="1956861" y="878364"/>
+            <a:ext cx="332142" cy="369332"/>
+          </a:xfrm>
+          <a:prstGeom prst="rect">
+            <a:avLst/>
+          </a:prstGeom>
+          <a:noFill/>
+        </p:spPr>
+        <p:txBody>
+          <a:bodyPr wrap="none" rtlCol="0">
+            <a:spAutoFit/>
+          </a:bodyPr>
+          <a:lstStyle/>
+          <a:p>
+            <a:r>
+              <a:rPr lang="en-US" b="1" dirty="0"/>
+              <a:t>U</a:t>
+            </a:r>
+            <a:endParaRPr lang="en-US" b="1" dirty="0"/>
+          </a:p>
+        </p:txBody>
+      </p:sp>
+      <p:sp>
+        <p:nvSpPr>
+          <p:cNvPr id="6" name="TextBox 5"/>
+          <p:cNvSpPr txBox="1"/>
+          <p:nvPr/>
+        </p:nvSpPr>
+        <p:spPr>
+          <a:xfrm>
+            <a:off x="3608422" y="1777882"/>
+            <a:ext cx="319318" cy="369332"/>
+          </a:xfrm>
+          <a:prstGeom prst="rect">
+            <a:avLst/>
+          </a:prstGeom>
+          <a:noFill/>
+        </p:spPr>
+        <p:txBody>
+          <a:bodyPr wrap="none" rtlCol="0">
+            <a:spAutoFit/>
+          </a:bodyPr>
+          <a:lstStyle/>
+          <a:p>
+            <a:r>
+              <a:rPr lang="en-US" b="1" dirty="0"/>
+              <a:t>B</a:t>
+            </a:r>
+            <a:endParaRPr lang="en-US" b="1" dirty="0"/>
+          </a:p>
+        </p:txBody>
+      </p:sp>
+      <p:sp>
+        <p:nvSpPr>
+          <p:cNvPr id="7" name="TextBox 6"/>
+          <p:cNvSpPr txBox="1"/>
+          <p:nvPr/>
+        </p:nvSpPr>
+        <p:spPr>
+          <a:xfrm>
+            <a:off x="2604896" y="2838969"/>
+            <a:ext cx="346570" cy="369332"/>
+          </a:xfrm>
+          <a:prstGeom prst="rect">
+            <a:avLst/>
+          </a:prstGeom>
+          <a:noFill/>
+        </p:spPr>
+        <p:txBody>
+          <a:bodyPr wrap="none" rtlCol="0">
+            <a:spAutoFit/>
+          </a:bodyPr>
+          <a:lstStyle/>
+          <a:p>
+            <a:r>
+              <a:rPr lang="en-US" b="1" dirty="0"/>
+              <a:t>D</a:t>
+            </a:r>
+            <a:endParaRPr lang="en-US" b="1" dirty="0"/>
+          </a:p>
+        </p:txBody>
+      </p:sp>
+      <p:sp>
+        <p:nvSpPr>
+          <p:cNvPr id="8" name="TextBox 7"/>
+          <p:cNvSpPr txBox="1"/>
+          <p:nvPr/>
+        </p:nvSpPr>
+        <p:spPr>
+          <a:xfrm>
+            <a:off x="376308" y="1718239"/>
+            <a:ext cx="285656" cy="369332"/>
+          </a:xfrm>
+          <a:prstGeom prst="rect">
+            <a:avLst/>
+          </a:prstGeom>
+          <a:noFill/>
+        </p:spPr>
+        <p:txBody>
+          <a:bodyPr wrap="none" rtlCol="0">
+            <a:spAutoFit/>
+          </a:bodyPr>
+          <a:lstStyle/>
+          <a:p>
+            <a:r>
+              <a:rPr lang="en-US" b="1" dirty="0"/>
+              <a:t>L</a:t>
+            </a:r>
+            <a:endParaRPr lang="en-US" b="1" dirty="0"/>
+          </a:p>
+        </p:txBody>
+      </p:sp>
+      <p:cxnSp>
+        <p:nvCxnSpPr>
+          <p:cNvPr id="10" name="Curved Connector 9"/>
+          <p:cNvCxnSpPr>
+            <a:stCxn id="6" idx="0"/>
+          </p:cNvCxnSpPr>
+          <p:nvPr/>
+        </p:nvCxnSpPr>
+        <p:spPr>
+          <a:xfrm rot="16200000" flipV="1">
+            <a:off x="3395108" y="1404909"/>
+            <a:ext cx="186809" cy="559138"/>
+          </a:xfrm>
+          <a:prstGeom prst="curvedConnector2">
+            <a:avLst/>
+          </a:prstGeom>
+          <a:ln w="38100">
+            <a:solidFill>
+              <a:schemeClr val="tx1"/>
+            </a:solidFill>
+            <a:tailEnd type="arrow"/>
+          </a:ln>
+        </p:spPr>
+        <p:style>
+          <a:lnRef idx="1">
+            <a:schemeClr val="accent1"/>
+          </a:lnRef>
+          <a:fillRef idx="0">
+            <a:schemeClr val="accent1"/>
+          </a:fillRef>
+          <a:effectRef idx="0">
+            <a:schemeClr val="accent1"/>
+          </a:effectRef>
+          <a:fontRef idx="minor">
+            <a:schemeClr val="tx1"/>
+          </a:fontRef>
+        </p:style>
+      </p:cxnSp>
+      <p:cxnSp>
+        <p:nvCxnSpPr>
+          <p:cNvPr id="12" name="Curved Connector 11"/>
+          <p:cNvCxnSpPr>
+            <a:stCxn id="8" idx="3"/>
+          </p:cNvCxnSpPr>
+          <p:nvPr/>
+        </p:nvCxnSpPr>
+        <p:spPr>
+          <a:xfrm flipV="1">
+            <a:off x="661964" y="1711889"/>
+            <a:ext cx="466772" cy="191016"/>
+          </a:xfrm>
+          <a:prstGeom prst="curvedConnector3">
+            <a:avLst>
+              <a:gd name="adj1" fmla="val 6467"/>
+            </a:avLst>
+          </a:prstGeom>
+          <a:ln w="38100">
+            <a:solidFill>
+              <a:schemeClr val="tx1"/>
+            </a:solidFill>
+            <a:tailEnd type="arrow"/>
+          </a:ln>
+        </p:spPr>
+        <p:style>
+          <a:lnRef idx="1">
+            <a:schemeClr val="accent1"/>
+          </a:lnRef>
+          <a:fillRef idx="0">
+            <a:schemeClr val="accent1"/>
+          </a:fillRef>
+          <a:effectRef idx="0">
+            <a:schemeClr val="accent1"/>
+          </a:effectRef>
+          <a:fontRef idx="minor">
+            <a:schemeClr val="tx1"/>
+          </a:fontRef>
+        </p:style>
+      </p:cxnSp>
+      <p:cxnSp>
+        <p:nvCxnSpPr>
+          <p:cNvPr id="18" name="Curved Connector 17"/>
+          <p:cNvCxnSpPr>
+            <a:stCxn id="7" idx="1"/>
+          </p:cNvCxnSpPr>
+          <p:nvPr/>
+        </p:nvCxnSpPr>
+        <p:spPr>
+          <a:xfrm rot="10800000">
+            <a:off x="2431612" y="2638171"/>
+            <a:ext cx="173285" cy="385465"/>
+          </a:xfrm>
+          <a:prstGeom prst="curvedConnector2">
+            <a:avLst/>
+          </a:prstGeom>
+          <a:ln w="38100">
+            <a:solidFill>
+              <a:schemeClr val="tx1"/>
+            </a:solidFill>
+            <a:tailEnd type="arrow"/>
+          </a:ln>
+        </p:spPr>
+        <p:style>
+          <a:lnRef idx="1">
+            <a:schemeClr val="accent1"/>
+          </a:lnRef>
+          <a:fillRef idx="0">
+            <a:schemeClr val="accent1"/>
+          </a:fillRef>
+          <a:effectRef idx="0">
+            <a:schemeClr val="accent1"/>
+          </a:effectRef>
+          <a:fontRef idx="minor">
+            <a:schemeClr val="tx1"/>
+          </a:fontRef>
+        </p:style>
+      </p:cxnSp>
       <p:pic>
         <p:nvPicPr>
-          <p:cNvPr id="257" name="Picture 256"/>
+          <p:cNvPr id="20" name="Picture 19"/>
           <p:cNvPicPr>
             <a:picLocks noChangeAspect="1"/>
           </p:cNvPicPr>
           <p:nvPr/>
         </p:nvPicPr>
         <p:blipFill>
-          <a:blip r:embed="rId2" cstate="print">
+          <a:blip r:embed="rId3">
             <a:extLst>
               <a:ext uri="{28A0092B-C50C-407E-A947-70E740481C1C}">
                 <a14:useLocalDpi xmlns:a14="http://schemas.microsoft.com/office/drawing/2010/main" val="0"/>
@@ -5138,8 +5436,8 @@
         </p:blipFill>
         <p:spPr>
           <a:xfrm>
-            <a:off x="8334293" y="3011800"/>
-            <a:ext cx="693055" cy="578635"/>
+            <a:off x="5289717" y="628733"/>
+            <a:ext cx="2654038" cy="2506219"/>
           </a:xfrm>
           <a:prstGeom prst="rect">
             <a:avLst/>
@@ -5148,21 +5446,24 @@
       </p:pic>
       <p:cxnSp>
         <p:nvCxnSpPr>
-          <p:cNvPr id="131" name="Straight Arrow Connector 130"/>
-          <p:cNvCxnSpPr>
-            <a:endCxn id="141" idx="0"/>
-          </p:cNvCxnSpPr>
+          <p:cNvPr id="22" name="Curved Connector 21"/>
+          <p:cNvCxnSpPr/>
           <p:nvPr/>
         </p:nvCxnSpPr>
         <p:spPr>
-          <a:xfrm flipH="1">
-            <a:off x="279980" y="838200"/>
-            <a:ext cx="3453820" cy="611970"/>
-          </a:xfrm>
-          <a:prstGeom prst="straightConnector1">
-            <a:avLst/>
-          </a:prstGeom>
-          <a:ln>
+          <a:xfrm flipV="1">
+            <a:off x="5149287" y="857333"/>
+            <a:ext cx="466772" cy="381000"/>
+          </a:xfrm>
+          <a:prstGeom prst="curvedConnector3">
+            <a:avLst>
+              <a:gd name="adj1" fmla="val -3566"/>
+            </a:avLst>
+          </a:prstGeom>
+          <a:ln w="38100">
+            <a:solidFill>
+              <a:schemeClr val="tx1"/>
+            </a:solidFill>
             <a:tailEnd type="arrow"/>
           </a:ln>
         </p:spPr>
@@ -5181,51 +5482,16 @@
           </a:fontRef>
         </p:style>
       </p:cxnSp>
-      <p:cxnSp>
-        <p:nvCxnSpPr>
-          <p:cNvPr id="132" name="Straight Arrow Connector 131"/>
-          <p:cNvCxnSpPr>
-            <a:endCxn id="133" idx="0"/>
-          </p:cNvCxnSpPr>
-          <p:nvPr/>
-        </p:nvCxnSpPr>
-        <p:spPr>
-          <a:xfrm flipH="1">
-            <a:off x="728899" y="838200"/>
-            <a:ext cx="3004902" cy="607412"/>
-          </a:xfrm>
-          <a:prstGeom prst="straightConnector1">
-            <a:avLst/>
-          </a:prstGeom>
-          <a:ln>
-            <a:tailEnd type="arrow"/>
-          </a:ln>
-        </p:spPr>
-        <p:style>
-          <a:lnRef idx="1">
-            <a:schemeClr val="accent1"/>
-          </a:lnRef>
-          <a:fillRef idx="0">
-            <a:schemeClr val="accent1"/>
-          </a:fillRef>
-          <a:effectRef idx="0">
-            <a:schemeClr val="accent1"/>
-          </a:effectRef>
-          <a:fontRef idx="minor">
-            <a:schemeClr val="tx1"/>
-          </a:fontRef>
-        </p:style>
-      </p:cxnSp>
-      <p:sp>
-        <p:nvSpPr>
-          <p:cNvPr id="133" name="TextBox 132"/>
+      <p:sp>
+        <p:nvSpPr>
+          <p:cNvPr id="30" name="TextBox 29"/>
           <p:cNvSpPr txBox="1"/>
           <p:nvPr/>
         </p:nvSpPr>
         <p:spPr>
           <a:xfrm>
-            <a:off x="569240" y="1445612"/>
-            <a:ext cx="319318" cy="369332"/>
+            <a:off x="5423941" y="305567"/>
+            <a:ext cx="2385589" cy="584775"/>
           </a:xfrm>
           <a:prstGeom prst="rect">
             <a:avLst/>
@@ -5238,3101 +5504,32 @@
           </a:bodyPr>
           <a:lstStyle/>
           <a:p>
-            <a:r>
-              <a:rPr lang="en-US" b="1" dirty="0" smtClean="0">
-                <a:solidFill>
-                  <a:srgbClr val="00B050"/>
-                </a:solidFill>
-              </a:rPr>
-              <a:t>R</a:t>
-            </a:r>
-            <a:endParaRPr lang="en-US" b="1" dirty="0">
-              <a:solidFill>
-                <a:srgbClr val="00B050"/>
-              </a:solidFill>
-            </a:endParaRPr>
-          </a:p>
-        </p:txBody>
-      </p:sp>
-      <p:sp>
-        <p:nvSpPr>
-          <p:cNvPr id="134" name="TextBox 133"/>
-          <p:cNvSpPr txBox="1"/>
-          <p:nvPr/>
-        </p:nvSpPr>
-        <p:spPr>
-          <a:xfrm>
-            <a:off x="1023589" y="1450170"/>
-            <a:ext cx="335348" cy="369332"/>
-          </a:xfrm>
-          <a:prstGeom prst="rect">
-            <a:avLst/>
-          </a:prstGeom>
-          <a:noFill/>
-        </p:spPr>
-        <p:txBody>
-          <a:bodyPr wrap="none" rtlCol="0">
-            <a:spAutoFit/>
-          </a:bodyPr>
-          <a:lstStyle/>
-          <a:p>
-            <a:r>
-              <a:rPr lang="en-US" b="1" dirty="0">
-                <a:solidFill>
-                  <a:srgbClr val="FFC000"/>
-                </a:solidFill>
-              </a:rPr>
-              <a:t>U</a:t>
-            </a:r>
-          </a:p>
-        </p:txBody>
-      </p:sp>
-      <p:sp>
-        <p:nvSpPr>
-          <p:cNvPr id="135" name="TextBox 134"/>
-          <p:cNvSpPr txBox="1"/>
-          <p:nvPr/>
-        </p:nvSpPr>
-        <p:spPr>
-          <a:xfrm>
-            <a:off x="1425257" y="1450170"/>
-            <a:ext cx="319318" cy="369332"/>
-          </a:xfrm>
-          <a:prstGeom prst="rect">
-            <a:avLst/>
-          </a:prstGeom>
-          <a:noFill/>
-        </p:spPr>
-        <p:txBody>
-          <a:bodyPr wrap="none" rtlCol="0">
-            <a:spAutoFit/>
-          </a:bodyPr>
-          <a:lstStyle/>
-          <a:p>
-            <a:r>
-              <a:rPr lang="en-US" b="1" dirty="0">
-                <a:solidFill>
-                  <a:schemeClr val="bg1"/>
-                </a:solidFill>
-              </a:rPr>
-              <a:t>B</a:t>
-            </a:r>
-          </a:p>
-        </p:txBody>
-      </p:sp>
-      <p:sp>
-        <p:nvSpPr>
-          <p:cNvPr id="136" name="TextBox 135"/>
-          <p:cNvSpPr txBox="1"/>
-          <p:nvPr/>
-        </p:nvSpPr>
-        <p:spPr>
-          <a:xfrm>
-            <a:off x="1851150" y="1450170"/>
-            <a:ext cx="285656" cy="369332"/>
-          </a:xfrm>
-          <a:prstGeom prst="rect">
-            <a:avLst/>
-          </a:prstGeom>
-          <a:noFill/>
-        </p:spPr>
-        <p:txBody>
-          <a:bodyPr wrap="none" rtlCol="0">
-            <a:spAutoFit/>
-          </a:bodyPr>
-          <a:lstStyle/>
-          <a:p>
-            <a:r>
-              <a:rPr lang="en-US" b="1" dirty="0">
-                <a:solidFill>
-                  <a:srgbClr val="0070C0"/>
-                </a:solidFill>
-              </a:rPr>
-              <a:t>L</a:t>
-            </a:r>
-          </a:p>
-        </p:txBody>
-      </p:sp>
-      <p:sp>
-        <p:nvSpPr>
-          <p:cNvPr id="137" name="TextBox 136"/>
-          <p:cNvSpPr txBox="1"/>
-          <p:nvPr/>
-        </p:nvSpPr>
-        <p:spPr>
-          <a:xfrm>
-            <a:off x="2195223" y="1450170"/>
-            <a:ext cx="346570" cy="369332"/>
-          </a:xfrm>
-          <a:prstGeom prst="rect">
-            <a:avLst/>
-          </a:prstGeom>
-          <a:noFill/>
-        </p:spPr>
-        <p:txBody>
-          <a:bodyPr wrap="none" rtlCol="0">
-            <a:spAutoFit/>
-          </a:bodyPr>
-          <a:lstStyle/>
-          <a:p>
-            <a:r>
-              <a:rPr lang="en-US" b="1" dirty="0">
-                <a:solidFill>
-                  <a:srgbClr val="FF0000"/>
-                </a:solidFill>
-              </a:rPr>
-              <a:t>D</a:t>
-            </a:r>
-          </a:p>
-        </p:txBody>
-      </p:sp>
-      <p:sp>
-        <p:nvSpPr>
-          <p:cNvPr id="138" name="TextBox 137"/>
-          <p:cNvSpPr txBox="1"/>
-          <p:nvPr/>
-        </p:nvSpPr>
-        <p:spPr>
-          <a:xfrm>
-            <a:off x="2743200" y="1450170"/>
-            <a:ext cx="359394" cy="369332"/>
-          </a:xfrm>
-          <a:prstGeom prst="rect">
-            <a:avLst/>
-          </a:prstGeom>
-          <a:noFill/>
-        </p:spPr>
-        <p:txBody>
-          <a:bodyPr wrap="none" rtlCol="0">
-            <a:spAutoFit/>
-          </a:bodyPr>
-          <a:lstStyle/>
-          <a:p>
-            <a:r>
-              <a:rPr lang="en-US" b="1" dirty="0" smtClean="0">
-                <a:solidFill>
-                  <a:srgbClr val="FFFF00"/>
-                </a:solidFill>
-              </a:rPr>
-              <a:t>F’</a:t>
-            </a:r>
-            <a:endParaRPr lang="en-US" b="1" dirty="0">
-              <a:solidFill>
-                <a:srgbClr val="FFFF00"/>
-              </a:solidFill>
-            </a:endParaRPr>
-          </a:p>
-        </p:txBody>
-      </p:sp>
-      <p:sp>
-        <p:nvSpPr>
-          <p:cNvPr id="139" name="TextBox 138"/>
-          <p:cNvSpPr txBox="1"/>
-          <p:nvPr/>
-        </p:nvSpPr>
-        <p:spPr>
-          <a:xfrm>
-            <a:off x="3200400" y="1450170"/>
-            <a:ext cx="383438" cy="369332"/>
-          </a:xfrm>
-          <a:prstGeom prst="rect">
-            <a:avLst/>
-          </a:prstGeom>
-          <a:noFill/>
-        </p:spPr>
-        <p:txBody>
-          <a:bodyPr wrap="none" rtlCol="0">
-            <a:spAutoFit/>
-          </a:bodyPr>
-          <a:lstStyle/>
-          <a:p>
-            <a:r>
-              <a:rPr lang="en-US" b="1" dirty="0" smtClean="0">
-                <a:solidFill>
-                  <a:srgbClr val="00B050"/>
-                </a:solidFill>
-              </a:rPr>
-              <a:t>R’</a:t>
-            </a:r>
-            <a:endParaRPr lang="en-US" b="1" dirty="0">
-              <a:solidFill>
-                <a:srgbClr val="00B050"/>
-              </a:solidFill>
-            </a:endParaRPr>
-          </a:p>
-        </p:txBody>
-      </p:sp>
-      <p:sp>
-        <p:nvSpPr>
-          <p:cNvPr id="140" name="TextBox 139"/>
-          <p:cNvSpPr txBox="1"/>
-          <p:nvPr/>
-        </p:nvSpPr>
-        <p:spPr>
-          <a:xfrm>
-            <a:off x="3810000" y="1445612"/>
-            <a:ext cx="394660" cy="369332"/>
-          </a:xfrm>
-          <a:prstGeom prst="rect">
-            <a:avLst/>
-          </a:prstGeom>
-          <a:noFill/>
-        </p:spPr>
-        <p:txBody>
-          <a:bodyPr wrap="none" rtlCol="0">
-            <a:spAutoFit/>
-          </a:bodyPr>
-          <a:lstStyle/>
-          <a:p>
-            <a:r>
-              <a:rPr lang="en-US" b="1" dirty="0" smtClean="0">
-                <a:solidFill>
-                  <a:srgbClr val="FFC000"/>
-                </a:solidFill>
-              </a:rPr>
-              <a:t>U’</a:t>
-            </a:r>
-            <a:endParaRPr lang="en-US" b="1" dirty="0">
-              <a:solidFill>
-                <a:srgbClr val="FFC000"/>
-              </a:solidFill>
-            </a:endParaRPr>
-          </a:p>
-        </p:txBody>
-      </p:sp>
-      <p:sp>
-        <p:nvSpPr>
-          <p:cNvPr id="141" name="TextBox 140"/>
-          <p:cNvSpPr txBox="1"/>
-          <p:nvPr/>
-        </p:nvSpPr>
-        <p:spPr>
-          <a:xfrm>
-            <a:off x="134748" y="1450170"/>
-            <a:ext cx="290464" cy="369332"/>
-          </a:xfrm>
-          <a:prstGeom prst="rect">
-            <a:avLst/>
-          </a:prstGeom>
-          <a:noFill/>
-        </p:spPr>
-        <p:txBody>
-          <a:bodyPr wrap="none" rtlCol="0">
-            <a:spAutoFit/>
-          </a:bodyPr>
-          <a:lstStyle/>
-          <a:p>
-            <a:r>
-              <a:rPr lang="en-US" b="1" dirty="0" smtClean="0">
-                <a:solidFill>
-                  <a:srgbClr val="FFFF00"/>
-                </a:solidFill>
-              </a:rPr>
-              <a:t>F</a:t>
-            </a:r>
-            <a:endParaRPr lang="en-US" b="1" dirty="0">
-              <a:solidFill>
-                <a:srgbClr val="FFFF00"/>
-              </a:solidFill>
-            </a:endParaRPr>
-          </a:p>
-        </p:txBody>
-      </p:sp>
-      <p:sp>
-        <p:nvSpPr>
-          <p:cNvPr id="142" name="TextBox 141"/>
-          <p:cNvSpPr txBox="1"/>
-          <p:nvPr/>
-        </p:nvSpPr>
-        <p:spPr>
-          <a:xfrm>
-            <a:off x="4343400" y="1450170"/>
-            <a:ext cx="383438" cy="369332"/>
-          </a:xfrm>
-          <a:prstGeom prst="rect">
-            <a:avLst/>
-          </a:prstGeom>
-          <a:noFill/>
-        </p:spPr>
-        <p:txBody>
-          <a:bodyPr wrap="none" rtlCol="0">
-            <a:spAutoFit/>
-          </a:bodyPr>
-          <a:lstStyle/>
-          <a:p>
-            <a:r>
-              <a:rPr lang="en-US" b="1" dirty="0" smtClean="0">
-                <a:solidFill>
-                  <a:schemeClr val="bg1"/>
-                </a:solidFill>
-              </a:rPr>
-              <a:t>B’</a:t>
-            </a:r>
-            <a:endParaRPr lang="en-US" b="1" dirty="0">
-              <a:solidFill>
-                <a:schemeClr val="bg1"/>
-              </a:solidFill>
-            </a:endParaRPr>
-          </a:p>
-        </p:txBody>
-      </p:sp>
-      <p:sp>
-        <p:nvSpPr>
-          <p:cNvPr id="143" name="TextBox 142"/>
-          <p:cNvSpPr txBox="1"/>
-          <p:nvPr/>
-        </p:nvSpPr>
-        <p:spPr>
-          <a:xfrm>
-            <a:off x="4928509" y="1450170"/>
-            <a:ext cx="349776" cy="369332"/>
-          </a:xfrm>
-          <a:prstGeom prst="rect">
-            <a:avLst/>
-          </a:prstGeom>
-          <a:noFill/>
-        </p:spPr>
-        <p:txBody>
-          <a:bodyPr wrap="none" rtlCol="0">
-            <a:spAutoFit/>
-          </a:bodyPr>
-          <a:lstStyle/>
-          <a:p>
-            <a:r>
-              <a:rPr lang="en-US" b="1" dirty="0" smtClean="0">
-                <a:solidFill>
-                  <a:srgbClr val="0070C0"/>
-                </a:solidFill>
-              </a:rPr>
-              <a:t>L’</a:t>
-            </a:r>
-            <a:endParaRPr lang="en-US" b="1" dirty="0">
-              <a:solidFill>
-                <a:srgbClr val="0070C0"/>
-              </a:solidFill>
-            </a:endParaRPr>
-          </a:p>
-        </p:txBody>
-      </p:sp>
-      <p:sp>
-        <p:nvSpPr>
-          <p:cNvPr id="144" name="TextBox 143"/>
-          <p:cNvSpPr txBox="1"/>
-          <p:nvPr/>
-        </p:nvSpPr>
-        <p:spPr>
-          <a:xfrm>
-            <a:off x="5334000" y="1450170"/>
-            <a:ext cx="410690" cy="369332"/>
-          </a:xfrm>
-          <a:prstGeom prst="rect">
-            <a:avLst/>
-          </a:prstGeom>
-          <a:noFill/>
-        </p:spPr>
-        <p:txBody>
-          <a:bodyPr wrap="none" rtlCol="0">
-            <a:spAutoFit/>
-          </a:bodyPr>
-          <a:lstStyle/>
-          <a:p>
-            <a:r>
-              <a:rPr lang="en-US" b="1" dirty="0" smtClean="0">
-                <a:solidFill>
-                  <a:srgbClr val="FF0000"/>
-                </a:solidFill>
-              </a:rPr>
-              <a:t>D’</a:t>
-            </a:r>
-            <a:endParaRPr lang="en-US" b="1" dirty="0">
-              <a:solidFill>
-                <a:srgbClr val="FF0000"/>
-              </a:solidFill>
-            </a:endParaRPr>
-          </a:p>
-        </p:txBody>
-      </p:sp>
-      <p:sp>
-        <p:nvSpPr>
-          <p:cNvPr id="145" name="TextBox 144"/>
-          <p:cNvSpPr txBox="1"/>
-          <p:nvPr/>
-        </p:nvSpPr>
-        <p:spPr>
-          <a:xfrm>
-            <a:off x="7518128" y="1445612"/>
-            <a:ext cx="449162" cy="369332"/>
-          </a:xfrm>
-          <a:prstGeom prst="rect">
-            <a:avLst/>
-          </a:prstGeom>
-          <a:noFill/>
-        </p:spPr>
-        <p:txBody>
-          <a:bodyPr wrap="none" rtlCol="0">
-            <a:spAutoFit/>
-          </a:bodyPr>
-          <a:lstStyle/>
-          <a:p>
-            <a:r>
-              <a:rPr lang="en-US" b="1" dirty="0" smtClean="0">
-                <a:solidFill>
-                  <a:schemeClr val="bg1"/>
-                </a:solidFill>
-              </a:rPr>
-              <a:t>B2</a:t>
-            </a:r>
-            <a:endParaRPr lang="en-US" b="1" dirty="0">
-              <a:solidFill>
-                <a:schemeClr val="bg1"/>
-              </a:solidFill>
-            </a:endParaRPr>
-          </a:p>
-        </p:txBody>
-      </p:sp>
-      <p:sp>
-        <p:nvSpPr>
-          <p:cNvPr id="146" name="TextBox 145"/>
-          <p:cNvSpPr txBox="1"/>
-          <p:nvPr/>
-        </p:nvSpPr>
-        <p:spPr>
-          <a:xfrm>
-            <a:off x="5867400" y="1450170"/>
-            <a:ext cx="425116" cy="369332"/>
-          </a:xfrm>
-          <a:prstGeom prst="rect">
-            <a:avLst/>
-          </a:prstGeom>
-          <a:noFill/>
-        </p:spPr>
-        <p:txBody>
-          <a:bodyPr wrap="none" rtlCol="0">
-            <a:spAutoFit/>
-          </a:bodyPr>
-          <a:lstStyle/>
-          <a:p>
-            <a:r>
-              <a:rPr lang="en-US" b="1" dirty="0" smtClean="0">
-                <a:solidFill>
-                  <a:srgbClr val="FFFF00"/>
-                </a:solidFill>
-              </a:rPr>
-              <a:t>F2</a:t>
-            </a:r>
-            <a:endParaRPr lang="en-US" b="1" dirty="0">
-              <a:solidFill>
-                <a:srgbClr val="FFFF00"/>
-              </a:solidFill>
-            </a:endParaRPr>
-          </a:p>
-        </p:txBody>
-      </p:sp>
-      <p:sp>
-        <p:nvSpPr>
-          <p:cNvPr id="147" name="TextBox 146"/>
-          <p:cNvSpPr txBox="1"/>
-          <p:nvPr/>
-        </p:nvSpPr>
-        <p:spPr>
-          <a:xfrm>
-            <a:off x="6400800" y="1450170"/>
-            <a:ext cx="449162" cy="369332"/>
-          </a:xfrm>
-          <a:prstGeom prst="rect">
-            <a:avLst/>
-          </a:prstGeom>
-          <a:noFill/>
-        </p:spPr>
-        <p:txBody>
-          <a:bodyPr wrap="none" rtlCol="0">
-            <a:spAutoFit/>
-          </a:bodyPr>
-          <a:lstStyle/>
-          <a:p>
-            <a:r>
-              <a:rPr lang="en-US" b="1" dirty="0" smtClean="0">
-                <a:solidFill>
-                  <a:srgbClr val="00B050"/>
-                </a:solidFill>
-              </a:rPr>
-              <a:t>R2</a:t>
-            </a:r>
-            <a:endParaRPr lang="en-US" b="1" dirty="0">
-              <a:solidFill>
-                <a:srgbClr val="00B050"/>
-              </a:solidFill>
-            </a:endParaRPr>
-          </a:p>
-        </p:txBody>
-      </p:sp>
-      <p:sp>
-        <p:nvSpPr>
-          <p:cNvPr id="148" name="TextBox 147"/>
-          <p:cNvSpPr txBox="1"/>
-          <p:nvPr/>
-        </p:nvSpPr>
-        <p:spPr>
-          <a:xfrm>
-            <a:off x="6934200" y="1450170"/>
-            <a:ext cx="461986" cy="369332"/>
-          </a:xfrm>
-          <a:prstGeom prst="rect">
-            <a:avLst/>
-          </a:prstGeom>
-          <a:noFill/>
-        </p:spPr>
-        <p:txBody>
-          <a:bodyPr wrap="none" rtlCol="0">
-            <a:spAutoFit/>
-          </a:bodyPr>
-          <a:lstStyle/>
-          <a:p>
-            <a:r>
-              <a:rPr lang="en-US" b="1" dirty="0" smtClean="0">
-                <a:solidFill>
-                  <a:srgbClr val="FFC000"/>
-                </a:solidFill>
-              </a:rPr>
-              <a:t>U2</a:t>
-            </a:r>
-            <a:endParaRPr lang="en-US" b="1" dirty="0">
-              <a:solidFill>
-                <a:srgbClr val="FFC000"/>
-              </a:solidFill>
-            </a:endParaRPr>
-          </a:p>
-        </p:txBody>
-      </p:sp>
-      <p:sp>
-        <p:nvSpPr>
-          <p:cNvPr id="149" name="TextBox 148"/>
-          <p:cNvSpPr txBox="1"/>
-          <p:nvPr/>
-        </p:nvSpPr>
-        <p:spPr>
-          <a:xfrm>
-            <a:off x="7972134" y="1445612"/>
-            <a:ext cx="415498" cy="369332"/>
-          </a:xfrm>
-          <a:prstGeom prst="rect">
-            <a:avLst/>
-          </a:prstGeom>
-          <a:noFill/>
-        </p:spPr>
-        <p:txBody>
-          <a:bodyPr wrap="none" rtlCol="0">
-            <a:spAutoFit/>
-          </a:bodyPr>
-          <a:lstStyle/>
-          <a:p>
-            <a:r>
-              <a:rPr lang="en-US" b="1" dirty="0" smtClean="0">
-                <a:solidFill>
-                  <a:srgbClr val="0070C0"/>
-                </a:solidFill>
-              </a:rPr>
-              <a:t>L2</a:t>
-            </a:r>
-            <a:endParaRPr lang="en-US" b="1" dirty="0">
-              <a:solidFill>
-                <a:srgbClr val="0070C0"/>
-              </a:solidFill>
-            </a:endParaRPr>
-          </a:p>
-        </p:txBody>
-      </p:sp>
-      <p:sp>
-        <p:nvSpPr>
-          <p:cNvPr id="150" name="TextBox 149"/>
-          <p:cNvSpPr txBox="1"/>
-          <p:nvPr/>
-        </p:nvSpPr>
-        <p:spPr>
-          <a:xfrm>
-            <a:off x="8382000" y="1450170"/>
-            <a:ext cx="476412" cy="369332"/>
-          </a:xfrm>
-          <a:prstGeom prst="rect">
-            <a:avLst/>
-          </a:prstGeom>
-          <a:noFill/>
-        </p:spPr>
-        <p:txBody>
-          <a:bodyPr wrap="none" rtlCol="0">
-            <a:spAutoFit/>
-          </a:bodyPr>
-          <a:lstStyle/>
-          <a:p>
-            <a:r>
-              <a:rPr lang="en-US" b="1" dirty="0" smtClean="0">
-                <a:solidFill>
-                  <a:srgbClr val="FF0000"/>
-                </a:solidFill>
-              </a:rPr>
-              <a:t>D2</a:t>
-            </a:r>
-            <a:endParaRPr lang="en-US" b="1" dirty="0">
-              <a:solidFill>
-                <a:srgbClr val="FF0000"/>
-              </a:solidFill>
-            </a:endParaRPr>
-          </a:p>
-        </p:txBody>
-      </p:sp>
-      <p:cxnSp>
-        <p:nvCxnSpPr>
-          <p:cNvPr id="151" name="Straight Arrow Connector 150"/>
-          <p:cNvCxnSpPr>
-            <a:endCxn id="135" idx="0"/>
-          </p:cNvCxnSpPr>
-          <p:nvPr/>
-        </p:nvCxnSpPr>
-        <p:spPr>
-          <a:xfrm flipH="1">
-            <a:off x="1584916" y="838200"/>
-            <a:ext cx="2148884" cy="611970"/>
-          </a:xfrm>
-          <a:prstGeom prst="straightConnector1">
-            <a:avLst/>
-          </a:prstGeom>
-          <a:ln>
-            <a:tailEnd type="arrow"/>
-          </a:ln>
-        </p:spPr>
-        <p:style>
-          <a:lnRef idx="1">
-            <a:schemeClr val="accent1"/>
-          </a:lnRef>
-          <a:fillRef idx="0">
-            <a:schemeClr val="accent1"/>
-          </a:fillRef>
-          <a:effectRef idx="0">
-            <a:schemeClr val="accent1"/>
-          </a:effectRef>
-          <a:fontRef idx="minor">
-            <a:schemeClr val="tx1"/>
-          </a:fontRef>
-        </p:style>
-      </p:cxnSp>
-      <p:cxnSp>
-        <p:nvCxnSpPr>
-          <p:cNvPr id="152" name="Straight Arrow Connector 151"/>
-          <p:cNvCxnSpPr>
-            <a:endCxn id="134" idx="0"/>
-          </p:cNvCxnSpPr>
-          <p:nvPr/>
-        </p:nvCxnSpPr>
-        <p:spPr>
-          <a:xfrm flipH="1">
-            <a:off x="1191263" y="838200"/>
-            <a:ext cx="2542537" cy="611970"/>
-          </a:xfrm>
-          <a:prstGeom prst="straightConnector1">
-            <a:avLst/>
-          </a:prstGeom>
-          <a:ln>
-            <a:tailEnd type="arrow"/>
-          </a:ln>
-        </p:spPr>
-        <p:style>
-          <a:lnRef idx="1">
-            <a:schemeClr val="accent1"/>
-          </a:lnRef>
-          <a:fillRef idx="0">
-            <a:schemeClr val="accent1"/>
-          </a:fillRef>
-          <a:effectRef idx="0">
-            <a:schemeClr val="accent1"/>
-          </a:effectRef>
-          <a:fontRef idx="minor">
-            <a:schemeClr val="tx1"/>
-          </a:fontRef>
-        </p:style>
-      </p:cxnSp>
-      <p:cxnSp>
-        <p:nvCxnSpPr>
-          <p:cNvPr id="153" name="Straight Arrow Connector 152"/>
-          <p:cNvCxnSpPr>
-            <a:endCxn id="136" idx="0"/>
-          </p:cNvCxnSpPr>
-          <p:nvPr/>
-        </p:nvCxnSpPr>
-        <p:spPr>
-          <a:xfrm flipH="1">
-            <a:off x="1993978" y="838200"/>
-            <a:ext cx="1739823" cy="611970"/>
-          </a:xfrm>
-          <a:prstGeom prst="straightConnector1">
-            <a:avLst/>
-          </a:prstGeom>
-          <a:ln>
-            <a:tailEnd type="arrow"/>
-          </a:ln>
-        </p:spPr>
-        <p:style>
-          <a:lnRef idx="1">
-            <a:schemeClr val="accent1"/>
-          </a:lnRef>
-          <a:fillRef idx="0">
-            <a:schemeClr val="accent1"/>
-          </a:fillRef>
-          <a:effectRef idx="0">
-            <a:schemeClr val="accent1"/>
-          </a:effectRef>
-          <a:fontRef idx="minor">
-            <a:schemeClr val="tx1"/>
-          </a:fontRef>
-        </p:style>
-      </p:cxnSp>
-      <p:cxnSp>
-        <p:nvCxnSpPr>
-          <p:cNvPr id="154" name="Straight Arrow Connector 153"/>
-          <p:cNvCxnSpPr>
-            <a:endCxn id="137" idx="0"/>
-          </p:cNvCxnSpPr>
-          <p:nvPr/>
-        </p:nvCxnSpPr>
-        <p:spPr>
-          <a:xfrm flipH="1">
-            <a:off x="2368508" y="838200"/>
-            <a:ext cx="1365293" cy="611970"/>
-          </a:xfrm>
-          <a:prstGeom prst="straightConnector1">
-            <a:avLst/>
-          </a:prstGeom>
-          <a:ln>
-            <a:tailEnd type="arrow"/>
-          </a:ln>
-        </p:spPr>
-        <p:style>
-          <a:lnRef idx="1">
-            <a:schemeClr val="accent1"/>
-          </a:lnRef>
-          <a:fillRef idx="0">
-            <a:schemeClr val="accent1"/>
-          </a:fillRef>
-          <a:effectRef idx="0">
-            <a:schemeClr val="accent1"/>
-          </a:effectRef>
-          <a:fontRef idx="minor">
-            <a:schemeClr val="tx1"/>
-          </a:fontRef>
-        </p:style>
-      </p:cxnSp>
-      <p:cxnSp>
-        <p:nvCxnSpPr>
-          <p:cNvPr id="155" name="Straight Arrow Connector 154"/>
-          <p:cNvCxnSpPr>
-            <a:endCxn id="138" idx="0"/>
-          </p:cNvCxnSpPr>
-          <p:nvPr/>
-        </p:nvCxnSpPr>
-        <p:spPr>
-          <a:xfrm flipH="1">
-            <a:off x="2922897" y="838200"/>
-            <a:ext cx="810904" cy="611970"/>
-          </a:xfrm>
-          <a:prstGeom prst="straightConnector1">
-            <a:avLst/>
-          </a:prstGeom>
-          <a:ln>
-            <a:tailEnd type="arrow"/>
-          </a:ln>
-        </p:spPr>
-        <p:style>
-          <a:lnRef idx="1">
-            <a:schemeClr val="accent1"/>
-          </a:lnRef>
-          <a:fillRef idx="0">
-            <a:schemeClr val="accent1"/>
-          </a:fillRef>
-          <a:effectRef idx="0">
-            <a:schemeClr val="accent1"/>
-          </a:effectRef>
-          <a:fontRef idx="minor">
-            <a:schemeClr val="tx1"/>
-          </a:fontRef>
-        </p:style>
-      </p:cxnSp>
-      <p:cxnSp>
-        <p:nvCxnSpPr>
-          <p:cNvPr id="156" name="Straight Arrow Connector 155"/>
-          <p:cNvCxnSpPr>
-            <a:endCxn id="139" idx="0"/>
-          </p:cNvCxnSpPr>
-          <p:nvPr/>
-        </p:nvCxnSpPr>
-        <p:spPr>
-          <a:xfrm flipH="1">
-            <a:off x="3392119" y="838200"/>
-            <a:ext cx="341681" cy="611970"/>
-          </a:xfrm>
-          <a:prstGeom prst="straightConnector1">
-            <a:avLst/>
-          </a:prstGeom>
-          <a:ln>
-            <a:tailEnd type="arrow"/>
-          </a:ln>
-        </p:spPr>
-        <p:style>
-          <a:lnRef idx="1">
-            <a:schemeClr val="accent1"/>
-          </a:lnRef>
-          <a:fillRef idx="0">
-            <a:schemeClr val="accent1"/>
-          </a:fillRef>
-          <a:effectRef idx="0">
-            <a:schemeClr val="accent1"/>
-          </a:effectRef>
-          <a:fontRef idx="minor">
-            <a:schemeClr val="tx1"/>
-          </a:fontRef>
-        </p:style>
-      </p:cxnSp>
-      <p:cxnSp>
-        <p:nvCxnSpPr>
-          <p:cNvPr id="157" name="Straight Arrow Connector 156"/>
-          <p:cNvCxnSpPr>
-            <a:endCxn id="140" idx="0"/>
-          </p:cNvCxnSpPr>
-          <p:nvPr/>
-        </p:nvCxnSpPr>
-        <p:spPr>
-          <a:xfrm>
-            <a:off x="3733800" y="838200"/>
-            <a:ext cx="273530" cy="607412"/>
-          </a:xfrm>
-          <a:prstGeom prst="straightConnector1">
-            <a:avLst/>
-          </a:prstGeom>
-          <a:ln>
-            <a:tailEnd type="arrow"/>
-          </a:ln>
-        </p:spPr>
-        <p:style>
-          <a:lnRef idx="1">
-            <a:schemeClr val="accent1"/>
-          </a:lnRef>
-          <a:fillRef idx="0">
-            <a:schemeClr val="accent1"/>
-          </a:fillRef>
-          <a:effectRef idx="0">
-            <a:schemeClr val="accent1"/>
-          </a:effectRef>
-          <a:fontRef idx="minor">
-            <a:schemeClr val="tx1"/>
-          </a:fontRef>
-        </p:style>
-      </p:cxnSp>
-      <p:cxnSp>
-        <p:nvCxnSpPr>
-          <p:cNvPr id="158" name="Straight Arrow Connector 157"/>
-          <p:cNvCxnSpPr>
-            <a:endCxn id="142" idx="0"/>
-          </p:cNvCxnSpPr>
-          <p:nvPr/>
-        </p:nvCxnSpPr>
-        <p:spPr>
-          <a:xfrm flipH="1">
-            <a:off x="4535119" y="838200"/>
-            <a:ext cx="182101" cy="611970"/>
-          </a:xfrm>
-          <a:prstGeom prst="straightConnector1">
-            <a:avLst/>
-          </a:prstGeom>
-          <a:ln>
-            <a:tailEnd type="arrow"/>
-          </a:ln>
-        </p:spPr>
-        <p:style>
-          <a:lnRef idx="1">
-            <a:schemeClr val="accent1"/>
-          </a:lnRef>
-          <a:fillRef idx="0">
-            <a:schemeClr val="accent1"/>
-          </a:fillRef>
-          <a:effectRef idx="0">
-            <a:schemeClr val="accent1"/>
-          </a:effectRef>
-          <a:fontRef idx="minor">
-            <a:schemeClr val="tx1"/>
-          </a:fontRef>
-        </p:style>
-      </p:cxnSp>
-      <p:cxnSp>
-        <p:nvCxnSpPr>
-          <p:cNvPr id="159" name="Straight Arrow Connector 158"/>
-          <p:cNvCxnSpPr>
-            <a:endCxn id="143" idx="0"/>
-          </p:cNvCxnSpPr>
-          <p:nvPr/>
-        </p:nvCxnSpPr>
-        <p:spPr>
-          <a:xfrm>
-            <a:off x="4717220" y="838200"/>
-            <a:ext cx="386177" cy="611970"/>
-          </a:xfrm>
-          <a:prstGeom prst="straightConnector1">
-            <a:avLst/>
-          </a:prstGeom>
-          <a:ln>
-            <a:tailEnd type="arrow"/>
-          </a:ln>
-        </p:spPr>
-        <p:style>
-          <a:lnRef idx="1">
-            <a:schemeClr val="accent1"/>
-          </a:lnRef>
-          <a:fillRef idx="0">
-            <a:schemeClr val="accent1"/>
-          </a:fillRef>
-          <a:effectRef idx="0">
-            <a:schemeClr val="accent1"/>
-          </a:effectRef>
-          <a:fontRef idx="minor">
-            <a:schemeClr val="tx1"/>
-          </a:fontRef>
-        </p:style>
-      </p:cxnSp>
-      <p:cxnSp>
-        <p:nvCxnSpPr>
-          <p:cNvPr id="160" name="Straight Arrow Connector 159"/>
-          <p:cNvCxnSpPr>
-            <a:endCxn id="144" idx="0"/>
-          </p:cNvCxnSpPr>
-          <p:nvPr/>
-        </p:nvCxnSpPr>
-        <p:spPr>
-          <a:xfrm>
-            <a:off x="4717220" y="838200"/>
-            <a:ext cx="822125" cy="611970"/>
-          </a:xfrm>
-          <a:prstGeom prst="straightConnector1">
-            <a:avLst/>
-          </a:prstGeom>
-          <a:ln>
-            <a:tailEnd type="arrow"/>
-          </a:ln>
-        </p:spPr>
-        <p:style>
-          <a:lnRef idx="1">
-            <a:schemeClr val="accent1"/>
-          </a:lnRef>
-          <a:fillRef idx="0">
-            <a:schemeClr val="accent1"/>
-          </a:fillRef>
-          <a:effectRef idx="0">
-            <a:schemeClr val="accent1"/>
-          </a:effectRef>
-          <a:fontRef idx="minor">
-            <a:schemeClr val="tx1"/>
-          </a:fontRef>
-        </p:style>
-      </p:cxnSp>
-      <p:cxnSp>
-        <p:nvCxnSpPr>
-          <p:cNvPr id="161" name="Straight Arrow Connector 160"/>
-          <p:cNvCxnSpPr>
-            <a:endCxn id="146" idx="0"/>
-          </p:cNvCxnSpPr>
-          <p:nvPr/>
-        </p:nvCxnSpPr>
-        <p:spPr>
-          <a:xfrm>
-            <a:off x="4717220" y="838200"/>
-            <a:ext cx="1362738" cy="611970"/>
-          </a:xfrm>
-          <a:prstGeom prst="straightConnector1">
-            <a:avLst/>
-          </a:prstGeom>
-          <a:ln>
-            <a:tailEnd type="arrow"/>
-          </a:ln>
-        </p:spPr>
-        <p:style>
-          <a:lnRef idx="1">
-            <a:schemeClr val="accent1"/>
-          </a:lnRef>
-          <a:fillRef idx="0">
-            <a:schemeClr val="accent1"/>
-          </a:fillRef>
-          <a:effectRef idx="0">
-            <a:schemeClr val="accent1"/>
-          </a:effectRef>
-          <a:fontRef idx="minor">
-            <a:schemeClr val="tx1"/>
-          </a:fontRef>
-        </p:style>
-      </p:cxnSp>
-      <p:cxnSp>
-        <p:nvCxnSpPr>
-          <p:cNvPr id="162" name="Straight Arrow Connector 161"/>
-          <p:cNvCxnSpPr>
-            <a:endCxn id="147" idx="0"/>
-          </p:cNvCxnSpPr>
-          <p:nvPr/>
-        </p:nvCxnSpPr>
-        <p:spPr>
-          <a:xfrm>
-            <a:off x="4717220" y="838200"/>
-            <a:ext cx="1908161" cy="611970"/>
-          </a:xfrm>
-          <a:prstGeom prst="straightConnector1">
-            <a:avLst/>
-          </a:prstGeom>
-          <a:ln>
-            <a:tailEnd type="arrow"/>
-          </a:ln>
-        </p:spPr>
-        <p:style>
-          <a:lnRef idx="1">
-            <a:schemeClr val="accent1"/>
-          </a:lnRef>
-          <a:fillRef idx="0">
-            <a:schemeClr val="accent1"/>
-          </a:fillRef>
-          <a:effectRef idx="0">
-            <a:schemeClr val="accent1"/>
-          </a:effectRef>
-          <a:fontRef idx="minor">
-            <a:schemeClr val="tx1"/>
-          </a:fontRef>
-        </p:style>
-      </p:cxnSp>
-      <p:cxnSp>
-        <p:nvCxnSpPr>
-          <p:cNvPr id="163" name="Straight Arrow Connector 162"/>
-          <p:cNvCxnSpPr>
-            <a:endCxn id="148" idx="0"/>
-          </p:cNvCxnSpPr>
-          <p:nvPr/>
-        </p:nvCxnSpPr>
-        <p:spPr>
-          <a:xfrm>
-            <a:off x="4717220" y="838200"/>
-            <a:ext cx="2447973" cy="611970"/>
-          </a:xfrm>
-          <a:prstGeom prst="straightConnector1">
-            <a:avLst/>
-          </a:prstGeom>
-          <a:ln>
-            <a:tailEnd type="arrow"/>
-          </a:ln>
-        </p:spPr>
-        <p:style>
-          <a:lnRef idx="1">
-            <a:schemeClr val="accent1"/>
-          </a:lnRef>
-          <a:fillRef idx="0">
-            <a:schemeClr val="accent1"/>
-          </a:fillRef>
-          <a:effectRef idx="0">
-            <a:schemeClr val="accent1"/>
-          </a:effectRef>
-          <a:fontRef idx="minor">
-            <a:schemeClr val="tx1"/>
-          </a:fontRef>
-        </p:style>
-      </p:cxnSp>
-      <p:cxnSp>
-        <p:nvCxnSpPr>
-          <p:cNvPr id="164" name="Straight Arrow Connector 163"/>
-          <p:cNvCxnSpPr>
-            <a:endCxn id="145" idx="0"/>
-          </p:cNvCxnSpPr>
-          <p:nvPr/>
-        </p:nvCxnSpPr>
-        <p:spPr>
-          <a:xfrm>
-            <a:off x="4717220" y="838200"/>
-            <a:ext cx="3025489" cy="607412"/>
-          </a:xfrm>
-          <a:prstGeom prst="straightConnector1">
-            <a:avLst/>
-          </a:prstGeom>
-          <a:ln>
-            <a:tailEnd type="arrow"/>
-          </a:ln>
-        </p:spPr>
-        <p:style>
-          <a:lnRef idx="1">
-            <a:schemeClr val="accent1"/>
-          </a:lnRef>
-          <a:fillRef idx="0">
-            <a:schemeClr val="accent1"/>
-          </a:fillRef>
-          <a:effectRef idx="0">
-            <a:schemeClr val="accent1"/>
-          </a:effectRef>
-          <a:fontRef idx="minor">
-            <a:schemeClr val="tx1"/>
-          </a:fontRef>
-        </p:style>
-      </p:cxnSp>
-      <p:cxnSp>
-        <p:nvCxnSpPr>
-          <p:cNvPr id="165" name="Straight Arrow Connector 164"/>
-          <p:cNvCxnSpPr>
-            <a:endCxn id="149" idx="0"/>
-          </p:cNvCxnSpPr>
-          <p:nvPr/>
-        </p:nvCxnSpPr>
-        <p:spPr>
-          <a:xfrm>
-            <a:off x="4717220" y="838200"/>
-            <a:ext cx="3462663" cy="607412"/>
-          </a:xfrm>
-          <a:prstGeom prst="straightConnector1">
-            <a:avLst/>
-          </a:prstGeom>
-          <a:ln>
-            <a:tailEnd type="arrow"/>
-          </a:ln>
-        </p:spPr>
-        <p:style>
-          <a:lnRef idx="1">
-            <a:schemeClr val="accent1"/>
-          </a:lnRef>
-          <a:fillRef idx="0">
-            <a:schemeClr val="accent1"/>
-          </a:fillRef>
-          <a:effectRef idx="0">
-            <a:schemeClr val="accent1"/>
-          </a:effectRef>
-          <a:fontRef idx="minor">
-            <a:schemeClr val="tx1"/>
-          </a:fontRef>
-        </p:style>
-      </p:cxnSp>
-      <p:cxnSp>
-        <p:nvCxnSpPr>
-          <p:cNvPr id="166" name="Straight Arrow Connector 165"/>
-          <p:cNvCxnSpPr>
-            <a:endCxn id="150" idx="0"/>
-          </p:cNvCxnSpPr>
-          <p:nvPr/>
-        </p:nvCxnSpPr>
-        <p:spPr>
-          <a:xfrm>
-            <a:off x="4717220" y="838200"/>
-            <a:ext cx="3902986" cy="611970"/>
-          </a:xfrm>
-          <a:prstGeom prst="straightConnector1">
-            <a:avLst/>
-          </a:prstGeom>
-          <a:ln>
-            <a:tailEnd type="arrow"/>
-          </a:ln>
-        </p:spPr>
-        <p:style>
-          <a:lnRef idx="1">
-            <a:schemeClr val="accent1"/>
-          </a:lnRef>
-          <a:fillRef idx="0">
-            <a:schemeClr val="accent1"/>
-          </a:fillRef>
-          <a:effectRef idx="0">
-            <a:schemeClr val="accent1"/>
-          </a:effectRef>
-          <a:fontRef idx="minor">
-            <a:schemeClr val="tx1"/>
-          </a:fontRef>
-        </p:style>
-      </p:cxnSp>
-      <p:sp>
-        <p:nvSpPr>
-          <p:cNvPr id="168" name="TextBox 167"/>
-          <p:cNvSpPr txBox="1"/>
-          <p:nvPr/>
-        </p:nvSpPr>
-        <p:spPr>
-          <a:xfrm>
-            <a:off x="1056944" y="1889986"/>
-            <a:ext cx="268638" cy="400110"/>
-          </a:xfrm>
-          <a:prstGeom prst="rect">
-            <a:avLst/>
-          </a:prstGeom>
-          <a:noFill/>
-        </p:spPr>
-        <p:txBody>
-          <a:bodyPr wrap="square" rtlCol="0">
-            <a:spAutoFit/>
-          </a:bodyPr>
-          <a:lstStyle/>
-          <a:p>
-            <a:r>
-              <a:rPr lang="en-US" sz="2000" b="1" dirty="0" smtClean="0"/>
-              <a:t>.</a:t>
-            </a:r>
-            <a:endParaRPr lang="en-US" sz="2000" b="1" dirty="0"/>
-          </a:p>
-        </p:txBody>
-      </p:sp>
-      <p:sp>
-        <p:nvSpPr>
-          <p:cNvPr id="169" name="TextBox 168"/>
-          <p:cNvSpPr txBox="1"/>
-          <p:nvPr/>
-        </p:nvSpPr>
-        <p:spPr>
-          <a:xfrm>
-            <a:off x="1448193" y="1889986"/>
-            <a:ext cx="268638" cy="400110"/>
-          </a:xfrm>
-          <a:prstGeom prst="rect">
-            <a:avLst/>
-          </a:prstGeom>
-          <a:noFill/>
-        </p:spPr>
-        <p:txBody>
-          <a:bodyPr wrap="square" rtlCol="0">
-            <a:spAutoFit/>
-          </a:bodyPr>
-          <a:lstStyle/>
-          <a:p>
-            <a:r>
-              <a:rPr lang="en-US" sz="2000" b="1" dirty="0" smtClean="0"/>
-              <a:t>.</a:t>
-            </a:r>
-            <a:endParaRPr lang="en-US" sz="2000" b="1" dirty="0"/>
-          </a:p>
-        </p:txBody>
-      </p:sp>
-      <p:sp>
-        <p:nvSpPr>
-          <p:cNvPr id="170" name="TextBox 169"/>
-          <p:cNvSpPr txBox="1"/>
-          <p:nvPr/>
-        </p:nvSpPr>
-        <p:spPr>
-          <a:xfrm>
-            <a:off x="1872571" y="1889986"/>
-            <a:ext cx="268638" cy="400110"/>
-          </a:xfrm>
-          <a:prstGeom prst="rect">
-            <a:avLst/>
-          </a:prstGeom>
-          <a:noFill/>
-        </p:spPr>
-        <p:txBody>
-          <a:bodyPr wrap="square" rtlCol="0">
-            <a:spAutoFit/>
-          </a:bodyPr>
-          <a:lstStyle/>
-          <a:p>
-            <a:r>
-              <a:rPr lang="en-US" sz="2000" b="1" dirty="0" smtClean="0"/>
-              <a:t>.</a:t>
-            </a:r>
-            <a:endParaRPr lang="en-US" sz="2000" b="1" dirty="0"/>
-          </a:p>
-        </p:txBody>
-      </p:sp>
-      <p:sp>
-        <p:nvSpPr>
-          <p:cNvPr id="171" name="TextBox 170"/>
-          <p:cNvSpPr txBox="1"/>
-          <p:nvPr/>
-        </p:nvSpPr>
-        <p:spPr>
-          <a:xfrm>
-            <a:off x="2760825" y="1889986"/>
-            <a:ext cx="268638" cy="400110"/>
-          </a:xfrm>
-          <a:prstGeom prst="rect">
-            <a:avLst/>
-          </a:prstGeom>
-          <a:noFill/>
-        </p:spPr>
-        <p:txBody>
-          <a:bodyPr wrap="square" rtlCol="0">
-            <a:spAutoFit/>
-          </a:bodyPr>
-          <a:lstStyle/>
-          <a:p>
-            <a:r>
-              <a:rPr lang="en-US" sz="2000" b="1" dirty="0" smtClean="0"/>
-              <a:t>.</a:t>
-            </a:r>
-            <a:endParaRPr lang="en-US" sz="2000" b="1" dirty="0"/>
-          </a:p>
-        </p:txBody>
-      </p:sp>
-      <p:sp>
-        <p:nvSpPr>
-          <p:cNvPr id="172" name="TextBox 171"/>
-          <p:cNvSpPr txBox="1"/>
-          <p:nvPr/>
-        </p:nvSpPr>
-        <p:spPr>
-          <a:xfrm>
-            <a:off x="2226174" y="1889986"/>
-            <a:ext cx="268638" cy="400110"/>
-          </a:xfrm>
-          <a:prstGeom prst="rect">
-            <a:avLst/>
-          </a:prstGeom>
-          <a:noFill/>
-        </p:spPr>
-        <p:txBody>
-          <a:bodyPr wrap="square" rtlCol="0">
-            <a:spAutoFit/>
-          </a:bodyPr>
-          <a:lstStyle/>
-          <a:p>
-            <a:r>
-              <a:rPr lang="en-US" sz="2000" b="1" dirty="0" smtClean="0"/>
-              <a:t>.</a:t>
-            </a:r>
-            <a:endParaRPr lang="en-US" sz="2000" b="1" dirty="0"/>
-          </a:p>
-        </p:txBody>
-      </p:sp>
-      <p:sp>
-        <p:nvSpPr>
-          <p:cNvPr id="173" name="TextBox 172"/>
-          <p:cNvSpPr txBox="1"/>
-          <p:nvPr/>
-        </p:nvSpPr>
-        <p:spPr>
-          <a:xfrm>
-            <a:off x="3837253" y="1889986"/>
-            <a:ext cx="268638" cy="400110"/>
-          </a:xfrm>
-          <a:prstGeom prst="rect">
-            <a:avLst/>
-          </a:prstGeom>
-          <a:noFill/>
-        </p:spPr>
-        <p:txBody>
-          <a:bodyPr wrap="square" rtlCol="0">
-            <a:spAutoFit/>
-          </a:bodyPr>
-          <a:lstStyle/>
-          <a:p>
-            <a:r>
-              <a:rPr lang="en-US" sz="2000" b="1" dirty="0" smtClean="0"/>
-              <a:t>.</a:t>
-            </a:r>
-            <a:endParaRPr lang="en-US" sz="2000" b="1" dirty="0"/>
-          </a:p>
-        </p:txBody>
-      </p:sp>
-      <p:sp>
-        <p:nvSpPr>
-          <p:cNvPr id="174" name="TextBox 173"/>
-          <p:cNvSpPr txBox="1"/>
-          <p:nvPr/>
-        </p:nvSpPr>
-        <p:spPr>
-          <a:xfrm>
-            <a:off x="3236153" y="1896207"/>
-            <a:ext cx="268638" cy="400110"/>
-          </a:xfrm>
-          <a:prstGeom prst="rect">
-            <a:avLst/>
-          </a:prstGeom>
-          <a:noFill/>
-        </p:spPr>
-        <p:txBody>
-          <a:bodyPr wrap="square" rtlCol="0">
-            <a:spAutoFit/>
-          </a:bodyPr>
-          <a:lstStyle/>
-          <a:p>
-            <a:r>
-              <a:rPr lang="en-US" sz="2000" b="1" dirty="0" smtClean="0"/>
-              <a:t>.</a:t>
-            </a:r>
-            <a:endParaRPr lang="en-US" sz="2000" b="1" dirty="0"/>
-          </a:p>
-        </p:txBody>
-      </p:sp>
-      <p:sp>
-        <p:nvSpPr>
-          <p:cNvPr id="175" name="TextBox 174"/>
-          <p:cNvSpPr txBox="1"/>
-          <p:nvPr/>
-        </p:nvSpPr>
-        <p:spPr>
-          <a:xfrm>
-            <a:off x="4395991" y="1889986"/>
-            <a:ext cx="268638" cy="400110"/>
-          </a:xfrm>
-          <a:prstGeom prst="rect">
-            <a:avLst/>
-          </a:prstGeom>
-          <a:noFill/>
-        </p:spPr>
-        <p:txBody>
-          <a:bodyPr wrap="square" rtlCol="0">
-            <a:spAutoFit/>
-          </a:bodyPr>
-          <a:lstStyle/>
-          <a:p>
-            <a:r>
-              <a:rPr lang="en-US" sz="2000" b="1" dirty="0" smtClean="0"/>
-              <a:t>.</a:t>
-            </a:r>
-            <a:endParaRPr lang="en-US" sz="2000" b="1" dirty="0"/>
-          </a:p>
-        </p:txBody>
-      </p:sp>
-      <p:sp>
-        <p:nvSpPr>
-          <p:cNvPr id="176" name="TextBox 175"/>
-          <p:cNvSpPr txBox="1"/>
-          <p:nvPr/>
-        </p:nvSpPr>
-        <p:spPr>
-          <a:xfrm>
-            <a:off x="4989042" y="1889986"/>
-            <a:ext cx="268638" cy="400110"/>
-          </a:xfrm>
-          <a:prstGeom prst="rect">
-            <a:avLst/>
-          </a:prstGeom>
-          <a:noFill/>
-        </p:spPr>
-        <p:txBody>
-          <a:bodyPr wrap="square" rtlCol="0">
-            <a:spAutoFit/>
-          </a:bodyPr>
-          <a:lstStyle/>
-          <a:p>
-            <a:r>
-              <a:rPr lang="en-US" sz="2000" b="1" dirty="0" smtClean="0"/>
-              <a:t>.</a:t>
-            </a:r>
-            <a:endParaRPr lang="en-US" sz="2000" b="1" dirty="0"/>
-          </a:p>
-        </p:txBody>
-      </p:sp>
-      <p:sp>
-        <p:nvSpPr>
-          <p:cNvPr id="177" name="TextBox 176"/>
-          <p:cNvSpPr txBox="1"/>
-          <p:nvPr/>
-        </p:nvSpPr>
-        <p:spPr>
-          <a:xfrm>
-            <a:off x="5393953" y="1889985"/>
-            <a:ext cx="268638" cy="400110"/>
-          </a:xfrm>
-          <a:prstGeom prst="rect">
-            <a:avLst/>
-          </a:prstGeom>
-          <a:noFill/>
-        </p:spPr>
-        <p:txBody>
-          <a:bodyPr wrap="square" rtlCol="0">
-            <a:spAutoFit/>
-          </a:bodyPr>
-          <a:lstStyle/>
-          <a:p>
-            <a:r>
-              <a:rPr lang="en-US" sz="2000" b="1" dirty="0" smtClean="0"/>
-              <a:t>.</a:t>
-            </a:r>
-            <a:endParaRPr lang="en-US" sz="2000" b="1" dirty="0"/>
-          </a:p>
-        </p:txBody>
-      </p:sp>
-      <p:sp>
-        <p:nvSpPr>
-          <p:cNvPr id="178" name="TextBox 177"/>
-          <p:cNvSpPr txBox="1"/>
-          <p:nvPr/>
-        </p:nvSpPr>
-        <p:spPr>
-          <a:xfrm>
-            <a:off x="6482245" y="1889986"/>
-            <a:ext cx="268638" cy="400110"/>
-          </a:xfrm>
-          <a:prstGeom prst="rect">
-            <a:avLst/>
-          </a:prstGeom>
-          <a:noFill/>
-        </p:spPr>
-        <p:txBody>
-          <a:bodyPr wrap="square" rtlCol="0">
-            <a:spAutoFit/>
-          </a:bodyPr>
-          <a:lstStyle/>
-          <a:p>
-            <a:r>
-              <a:rPr lang="en-US" sz="2000" b="1" dirty="0" smtClean="0"/>
-              <a:t>.</a:t>
-            </a:r>
-            <a:endParaRPr lang="en-US" sz="2000" b="1" dirty="0"/>
-          </a:p>
-        </p:txBody>
-      </p:sp>
-      <p:sp>
-        <p:nvSpPr>
-          <p:cNvPr id="179" name="TextBox 178"/>
-          <p:cNvSpPr txBox="1"/>
-          <p:nvPr/>
-        </p:nvSpPr>
-        <p:spPr>
-          <a:xfrm>
-            <a:off x="5936823" y="1889986"/>
-            <a:ext cx="268638" cy="400110"/>
-          </a:xfrm>
-          <a:prstGeom prst="rect">
-            <a:avLst/>
-          </a:prstGeom>
-          <a:noFill/>
-        </p:spPr>
-        <p:txBody>
-          <a:bodyPr wrap="square" rtlCol="0">
-            <a:spAutoFit/>
-          </a:bodyPr>
-          <a:lstStyle/>
-          <a:p>
-            <a:r>
-              <a:rPr lang="en-US" sz="2000" b="1" dirty="0" smtClean="0"/>
-              <a:t>.</a:t>
-            </a:r>
-            <a:endParaRPr lang="en-US" sz="2000" b="1" dirty="0"/>
-          </a:p>
-        </p:txBody>
-      </p:sp>
-      <p:sp>
-        <p:nvSpPr>
-          <p:cNvPr id="180" name="TextBox 179"/>
-          <p:cNvSpPr txBox="1"/>
-          <p:nvPr/>
-        </p:nvSpPr>
-        <p:spPr>
-          <a:xfrm>
-            <a:off x="7026065" y="1896966"/>
-            <a:ext cx="268638" cy="400110"/>
-          </a:xfrm>
-          <a:prstGeom prst="rect">
-            <a:avLst/>
-          </a:prstGeom>
-          <a:noFill/>
-        </p:spPr>
-        <p:txBody>
-          <a:bodyPr wrap="square" rtlCol="0">
-            <a:spAutoFit/>
-          </a:bodyPr>
-          <a:lstStyle/>
-          <a:p>
-            <a:r>
-              <a:rPr lang="en-US" sz="2000" b="1" dirty="0" smtClean="0"/>
-              <a:t>.</a:t>
-            </a:r>
-            <a:endParaRPr lang="en-US" sz="2000" b="1" dirty="0"/>
-          </a:p>
-        </p:txBody>
-      </p:sp>
-      <p:sp>
-        <p:nvSpPr>
-          <p:cNvPr id="181" name="TextBox 180"/>
-          <p:cNvSpPr txBox="1"/>
-          <p:nvPr/>
-        </p:nvSpPr>
-        <p:spPr>
-          <a:xfrm>
-            <a:off x="7599573" y="1889985"/>
-            <a:ext cx="268638" cy="400110"/>
-          </a:xfrm>
-          <a:prstGeom prst="rect">
-            <a:avLst/>
-          </a:prstGeom>
-          <a:noFill/>
-        </p:spPr>
-        <p:txBody>
-          <a:bodyPr wrap="square" rtlCol="0">
-            <a:spAutoFit/>
-          </a:bodyPr>
-          <a:lstStyle/>
-          <a:p>
-            <a:r>
-              <a:rPr lang="en-US" sz="2000" b="1" dirty="0" smtClean="0"/>
-              <a:t>.</a:t>
-            </a:r>
-            <a:endParaRPr lang="en-US" sz="2000" b="1" dirty="0"/>
-          </a:p>
-        </p:txBody>
-      </p:sp>
-      <p:cxnSp>
-        <p:nvCxnSpPr>
-          <p:cNvPr id="183" name="Straight Arrow Connector 182"/>
-          <p:cNvCxnSpPr/>
-          <p:nvPr/>
-        </p:nvCxnSpPr>
-        <p:spPr>
-          <a:xfrm>
-            <a:off x="8680821" y="2423786"/>
-            <a:ext cx="0" cy="243214"/>
-          </a:xfrm>
-          <a:prstGeom prst="straightConnector1">
-            <a:avLst/>
-          </a:prstGeom>
-          <a:ln>
-            <a:tailEnd type="arrow"/>
-          </a:ln>
-        </p:spPr>
-        <p:style>
-          <a:lnRef idx="1">
-            <a:schemeClr val="accent1"/>
-          </a:lnRef>
-          <a:fillRef idx="0">
-            <a:schemeClr val="accent1"/>
-          </a:fillRef>
-          <a:effectRef idx="0">
-            <a:schemeClr val="accent1"/>
-          </a:effectRef>
-          <a:fontRef idx="minor">
-            <a:schemeClr val="tx1"/>
-          </a:fontRef>
-        </p:style>
-      </p:cxnSp>
-      <p:sp>
-        <p:nvSpPr>
-          <p:cNvPr id="185" name="TextBox 184"/>
-          <p:cNvSpPr txBox="1"/>
-          <p:nvPr/>
-        </p:nvSpPr>
-        <p:spPr>
-          <a:xfrm>
-            <a:off x="8457042" y="2667000"/>
-            <a:ext cx="476412" cy="369332"/>
-          </a:xfrm>
-          <a:prstGeom prst="rect">
-            <a:avLst/>
-          </a:prstGeom>
-          <a:noFill/>
-        </p:spPr>
-        <p:txBody>
-          <a:bodyPr wrap="none" rtlCol="0">
-            <a:spAutoFit/>
-          </a:bodyPr>
-          <a:lstStyle/>
-          <a:p>
-            <a:r>
-              <a:rPr lang="en-US" b="1" dirty="0" smtClean="0">
-                <a:solidFill>
-                  <a:srgbClr val="FF0000"/>
-                </a:solidFill>
-              </a:rPr>
-              <a:t>D2</a:t>
-            </a:r>
-            <a:endParaRPr lang="en-US" b="1" dirty="0">
-              <a:solidFill>
-                <a:srgbClr val="FF0000"/>
-              </a:solidFill>
-            </a:endParaRPr>
-          </a:p>
-        </p:txBody>
-      </p:sp>
-      <p:cxnSp>
-        <p:nvCxnSpPr>
-          <p:cNvPr id="186" name="Straight Connector 185"/>
-          <p:cNvCxnSpPr/>
-          <p:nvPr/>
-        </p:nvCxnSpPr>
-        <p:spPr>
-          <a:xfrm>
-            <a:off x="8371602" y="3011800"/>
-            <a:ext cx="652541" cy="544179"/>
-          </a:xfrm>
-          <a:prstGeom prst="line">
-            <a:avLst/>
-          </a:prstGeom>
-          <a:ln w="76200">
-            <a:solidFill>
-              <a:srgbClr val="FF0000"/>
-            </a:solidFill>
-          </a:ln>
-        </p:spPr>
-        <p:style>
-          <a:lnRef idx="1">
-            <a:schemeClr val="accent1"/>
-          </a:lnRef>
-          <a:fillRef idx="0">
-            <a:schemeClr val="accent1"/>
-          </a:fillRef>
-          <a:effectRef idx="0">
-            <a:schemeClr val="accent1"/>
-          </a:effectRef>
-          <a:fontRef idx="minor">
-            <a:schemeClr val="tx1"/>
-          </a:fontRef>
-        </p:style>
-      </p:cxnSp>
-      <p:cxnSp>
-        <p:nvCxnSpPr>
-          <p:cNvPr id="187" name="Straight Connector 186"/>
-          <p:cNvCxnSpPr/>
-          <p:nvPr/>
-        </p:nvCxnSpPr>
-        <p:spPr>
-          <a:xfrm flipV="1">
-            <a:off x="8411730" y="3036333"/>
-            <a:ext cx="612413" cy="519646"/>
-          </a:xfrm>
-          <a:prstGeom prst="line">
-            <a:avLst/>
-          </a:prstGeom>
-          <a:ln w="76200">
-            <a:solidFill>
-              <a:srgbClr val="FF0000"/>
-            </a:solidFill>
-          </a:ln>
-        </p:spPr>
-        <p:style>
-          <a:lnRef idx="1">
-            <a:schemeClr val="accent1"/>
-          </a:lnRef>
-          <a:fillRef idx="0">
-            <a:schemeClr val="accent1"/>
-          </a:fillRef>
-          <a:effectRef idx="0">
-            <a:schemeClr val="accent1"/>
-          </a:effectRef>
-          <a:fontRef idx="minor">
-            <a:schemeClr val="tx1"/>
-          </a:fontRef>
-        </p:style>
-      </p:cxnSp>
-      <p:cxnSp>
-        <p:nvCxnSpPr>
-          <p:cNvPr id="188" name="Straight Arrow Connector 187"/>
-          <p:cNvCxnSpPr/>
-          <p:nvPr/>
-        </p:nvCxnSpPr>
-        <p:spPr>
-          <a:xfrm flipH="1">
-            <a:off x="279980" y="2360581"/>
-            <a:ext cx="10623" cy="306419"/>
-          </a:xfrm>
-          <a:prstGeom prst="straightConnector1">
-            <a:avLst/>
-          </a:prstGeom>
-          <a:ln>
-            <a:tailEnd type="arrow"/>
-          </a:ln>
-        </p:spPr>
-        <p:style>
-          <a:lnRef idx="1">
-            <a:schemeClr val="accent1"/>
-          </a:lnRef>
-          <a:fillRef idx="0">
-            <a:schemeClr val="accent1"/>
-          </a:fillRef>
-          <a:effectRef idx="0">
-            <a:schemeClr val="accent1"/>
-          </a:effectRef>
-          <a:fontRef idx="minor">
-            <a:schemeClr val="tx1"/>
-          </a:fontRef>
-        </p:style>
-      </p:cxnSp>
-      <p:sp>
-        <p:nvSpPr>
-          <p:cNvPr id="189" name="TextBox 188"/>
-          <p:cNvSpPr txBox="1"/>
-          <p:nvPr/>
-        </p:nvSpPr>
-        <p:spPr>
-          <a:xfrm>
-            <a:off x="134748" y="2700826"/>
-            <a:ext cx="295274" cy="369332"/>
-          </a:xfrm>
-          <a:prstGeom prst="rect">
-            <a:avLst/>
-          </a:prstGeom>
-          <a:noFill/>
-        </p:spPr>
-        <p:txBody>
-          <a:bodyPr wrap="none" rtlCol="0">
-            <a:spAutoFit/>
-          </a:bodyPr>
-          <a:lstStyle/>
-          <a:p>
-            <a:r>
-              <a:rPr lang="en-US" b="1" dirty="0" smtClean="0">
-                <a:solidFill>
-                  <a:srgbClr val="FFFF00"/>
-                </a:solidFill>
-              </a:rPr>
-              <a:t>F</a:t>
-            </a:r>
-            <a:endParaRPr lang="en-US" b="1" dirty="0">
-              <a:solidFill>
-                <a:srgbClr val="FFFF00"/>
-              </a:solidFill>
-            </a:endParaRPr>
-          </a:p>
-        </p:txBody>
-      </p:sp>
-      <p:cxnSp>
-        <p:nvCxnSpPr>
-          <p:cNvPr id="190" name="Straight Arrow Connector 189"/>
-          <p:cNvCxnSpPr/>
-          <p:nvPr/>
-        </p:nvCxnSpPr>
-        <p:spPr>
-          <a:xfrm flipH="1">
-            <a:off x="269357" y="3070158"/>
-            <a:ext cx="10623" cy="306419"/>
-          </a:xfrm>
-          <a:prstGeom prst="straightConnector1">
-            <a:avLst/>
-          </a:prstGeom>
-          <a:ln>
-            <a:tailEnd type="arrow"/>
-          </a:ln>
-        </p:spPr>
-        <p:style>
-          <a:lnRef idx="1">
-            <a:schemeClr val="accent1"/>
-          </a:lnRef>
-          <a:fillRef idx="0">
-            <a:schemeClr val="accent1"/>
-          </a:fillRef>
-          <a:effectRef idx="0">
-            <a:schemeClr val="accent1"/>
-          </a:effectRef>
-          <a:fontRef idx="minor">
-            <a:schemeClr val="tx1"/>
-          </a:fontRef>
-        </p:style>
-      </p:cxnSp>
-      <p:cxnSp>
-        <p:nvCxnSpPr>
-          <p:cNvPr id="191" name="Straight Arrow Connector 190"/>
-          <p:cNvCxnSpPr/>
-          <p:nvPr/>
-        </p:nvCxnSpPr>
-        <p:spPr>
-          <a:xfrm flipH="1">
-            <a:off x="274668" y="3745909"/>
-            <a:ext cx="10623" cy="306419"/>
-          </a:xfrm>
-          <a:prstGeom prst="straightConnector1">
-            <a:avLst/>
-          </a:prstGeom>
-          <a:ln>
-            <a:tailEnd type="arrow"/>
-          </a:ln>
-        </p:spPr>
-        <p:style>
-          <a:lnRef idx="1">
-            <a:schemeClr val="accent1"/>
-          </a:lnRef>
-          <a:fillRef idx="0">
-            <a:schemeClr val="accent1"/>
-          </a:fillRef>
-          <a:effectRef idx="0">
-            <a:schemeClr val="accent1"/>
-          </a:effectRef>
-          <a:fontRef idx="minor">
-            <a:schemeClr val="tx1"/>
-          </a:fontRef>
-        </p:style>
-      </p:cxnSp>
-      <p:sp>
-        <p:nvSpPr>
-          <p:cNvPr id="192" name="TextBox 191"/>
-          <p:cNvSpPr txBox="1"/>
-          <p:nvPr/>
-        </p:nvSpPr>
-        <p:spPr>
-          <a:xfrm>
-            <a:off x="134748" y="3376577"/>
-            <a:ext cx="295274" cy="369332"/>
-          </a:xfrm>
-          <a:prstGeom prst="rect">
-            <a:avLst/>
-          </a:prstGeom>
-          <a:noFill/>
-        </p:spPr>
-        <p:txBody>
-          <a:bodyPr wrap="none" rtlCol="0">
-            <a:spAutoFit/>
-          </a:bodyPr>
-          <a:lstStyle/>
-          <a:p>
-            <a:r>
-              <a:rPr lang="en-US" b="1" dirty="0" smtClean="0">
-                <a:solidFill>
-                  <a:srgbClr val="FFFF00"/>
-                </a:solidFill>
-              </a:rPr>
-              <a:t>F</a:t>
-            </a:r>
-            <a:endParaRPr lang="en-US" b="1" dirty="0">
-              <a:solidFill>
-                <a:srgbClr val="FFFF00"/>
-              </a:solidFill>
-            </a:endParaRPr>
-          </a:p>
-        </p:txBody>
-      </p:sp>
-      <p:sp>
-        <p:nvSpPr>
-          <p:cNvPr id="193" name="TextBox 192"/>
-          <p:cNvSpPr txBox="1"/>
-          <p:nvPr/>
-        </p:nvSpPr>
-        <p:spPr>
-          <a:xfrm>
-            <a:off x="134748" y="4052328"/>
-            <a:ext cx="295274" cy="369332"/>
-          </a:xfrm>
-          <a:prstGeom prst="rect">
-            <a:avLst/>
-          </a:prstGeom>
-          <a:noFill/>
-        </p:spPr>
-        <p:txBody>
-          <a:bodyPr wrap="none" rtlCol="0">
-            <a:spAutoFit/>
-          </a:bodyPr>
-          <a:lstStyle/>
-          <a:p>
-            <a:r>
-              <a:rPr lang="en-US" b="1" dirty="0" smtClean="0">
-                <a:solidFill>
-                  <a:srgbClr val="FFFF00"/>
-                </a:solidFill>
-              </a:rPr>
-              <a:t>F</a:t>
-            </a:r>
-            <a:endParaRPr lang="en-US" b="1" dirty="0">
-              <a:solidFill>
-                <a:srgbClr val="FFFF00"/>
-              </a:solidFill>
-            </a:endParaRPr>
-          </a:p>
-        </p:txBody>
-      </p:sp>
-      <p:cxnSp>
-        <p:nvCxnSpPr>
-          <p:cNvPr id="194" name="Straight Arrow Connector 193"/>
-          <p:cNvCxnSpPr/>
-          <p:nvPr/>
-        </p:nvCxnSpPr>
-        <p:spPr>
-          <a:xfrm flipH="1">
-            <a:off x="269357" y="4421659"/>
-            <a:ext cx="10623" cy="306419"/>
-          </a:xfrm>
-          <a:prstGeom prst="straightConnector1">
-            <a:avLst/>
-          </a:prstGeom>
-          <a:ln>
-            <a:tailEnd type="arrow"/>
-          </a:ln>
-        </p:spPr>
-        <p:style>
-          <a:lnRef idx="1">
-            <a:schemeClr val="accent1"/>
-          </a:lnRef>
-          <a:fillRef idx="0">
-            <a:schemeClr val="accent1"/>
-          </a:fillRef>
-          <a:effectRef idx="0">
-            <a:schemeClr val="accent1"/>
-          </a:effectRef>
-          <a:fontRef idx="minor">
-            <a:schemeClr val="tx1"/>
-          </a:fontRef>
-        </p:style>
-      </p:cxnSp>
-      <p:cxnSp>
-        <p:nvCxnSpPr>
-          <p:cNvPr id="196" name="Straight Connector 195"/>
-          <p:cNvCxnSpPr/>
-          <p:nvPr/>
-        </p:nvCxnSpPr>
-        <p:spPr>
-          <a:xfrm flipV="1">
-            <a:off x="45776" y="4752611"/>
-            <a:ext cx="612413" cy="519646"/>
-          </a:xfrm>
-          <a:prstGeom prst="line">
-            <a:avLst/>
-          </a:prstGeom>
-          <a:ln w="76200">
-            <a:solidFill>
-              <a:srgbClr val="FF0000"/>
-            </a:solidFill>
-          </a:ln>
-        </p:spPr>
-        <p:style>
-          <a:lnRef idx="1">
-            <a:schemeClr val="accent1"/>
-          </a:lnRef>
-          <a:fillRef idx="0">
-            <a:schemeClr val="accent1"/>
-          </a:fillRef>
-          <a:effectRef idx="0">
-            <a:schemeClr val="accent1"/>
-          </a:effectRef>
-          <a:fontRef idx="minor">
-            <a:schemeClr val="tx1"/>
-          </a:fontRef>
-        </p:style>
-      </p:cxnSp>
-      <p:cxnSp>
-        <p:nvCxnSpPr>
-          <p:cNvPr id="197" name="Straight Connector 196"/>
-          <p:cNvCxnSpPr/>
-          <p:nvPr/>
-        </p:nvCxnSpPr>
-        <p:spPr>
-          <a:xfrm>
-            <a:off x="14194" y="4728078"/>
-            <a:ext cx="652541" cy="544179"/>
-          </a:xfrm>
-          <a:prstGeom prst="line">
-            <a:avLst/>
-          </a:prstGeom>
-          <a:ln w="76200">
-            <a:solidFill>
-              <a:srgbClr val="FF0000"/>
-            </a:solidFill>
-          </a:ln>
-        </p:spPr>
-        <p:style>
-          <a:lnRef idx="1">
-            <a:schemeClr val="accent1"/>
-          </a:lnRef>
-          <a:fillRef idx="0">
-            <a:schemeClr val="accent1"/>
-          </a:fillRef>
-          <a:effectRef idx="0">
-            <a:schemeClr val="accent1"/>
-          </a:effectRef>
-          <a:fontRef idx="minor">
-            <a:schemeClr val="tx1"/>
-          </a:fontRef>
-        </p:style>
-      </p:cxnSp>
-      <p:cxnSp>
-        <p:nvCxnSpPr>
-          <p:cNvPr id="198" name="Straight Arrow Connector 197"/>
-          <p:cNvCxnSpPr/>
-          <p:nvPr/>
-        </p:nvCxnSpPr>
-        <p:spPr>
-          <a:xfrm>
-            <a:off x="290603" y="2360581"/>
-            <a:ext cx="375093" cy="306419"/>
-          </a:xfrm>
-          <a:prstGeom prst="straightConnector1">
-            <a:avLst/>
-          </a:prstGeom>
-          <a:ln>
-            <a:tailEnd type="arrow"/>
-          </a:ln>
-        </p:spPr>
-        <p:style>
-          <a:lnRef idx="1">
-            <a:schemeClr val="accent1"/>
-          </a:lnRef>
-          <a:fillRef idx="0">
-            <a:schemeClr val="accent1"/>
-          </a:fillRef>
-          <a:effectRef idx="0">
-            <a:schemeClr val="accent1"/>
-          </a:effectRef>
-          <a:fontRef idx="minor">
-            <a:schemeClr val="tx1"/>
-          </a:fontRef>
-        </p:style>
-      </p:cxnSp>
-      <p:sp>
-        <p:nvSpPr>
-          <p:cNvPr id="199" name="TextBox 198"/>
-          <p:cNvSpPr txBox="1"/>
-          <p:nvPr/>
-        </p:nvSpPr>
-        <p:spPr>
-          <a:xfrm>
-            <a:off x="780823" y="2667114"/>
-            <a:ext cx="335348" cy="369332"/>
-          </a:xfrm>
-          <a:prstGeom prst="rect">
-            <a:avLst/>
-          </a:prstGeom>
-          <a:noFill/>
-        </p:spPr>
-        <p:txBody>
-          <a:bodyPr wrap="none" rtlCol="0">
-            <a:spAutoFit/>
-          </a:bodyPr>
-          <a:lstStyle/>
-          <a:p>
-            <a:r>
-              <a:rPr lang="en-US" b="1" dirty="0">
-                <a:solidFill>
-                  <a:srgbClr val="FFC000"/>
-                </a:solidFill>
-              </a:rPr>
-              <a:t>U</a:t>
-            </a:r>
-          </a:p>
-        </p:txBody>
-      </p:sp>
-      <p:sp>
-        <p:nvSpPr>
-          <p:cNvPr id="200" name="TextBox 199"/>
-          <p:cNvSpPr txBox="1"/>
-          <p:nvPr/>
-        </p:nvSpPr>
-        <p:spPr>
-          <a:xfrm>
-            <a:off x="1395250" y="3038701"/>
-            <a:ext cx="425116" cy="369332"/>
-          </a:xfrm>
-          <a:prstGeom prst="rect">
-            <a:avLst/>
-          </a:prstGeom>
-          <a:noFill/>
-        </p:spPr>
-        <p:txBody>
-          <a:bodyPr wrap="none" rtlCol="0">
-            <a:spAutoFit/>
-          </a:bodyPr>
-          <a:lstStyle/>
-          <a:p>
-            <a:r>
-              <a:rPr lang="en-US" b="1" dirty="0" smtClean="0">
-                <a:solidFill>
-                  <a:srgbClr val="FFFF00"/>
-                </a:solidFill>
-              </a:rPr>
-              <a:t>F2</a:t>
-            </a:r>
-            <a:endParaRPr lang="en-US" b="1" dirty="0">
-              <a:solidFill>
-                <a:srgbClr val="FFFF00"/>
-              </a:solidFill>
-            </a:endParaRPr>
-          </a:p>
-        </p:txBody>
-      </p:sp>
-      <p:sp>
-        <p:nvSpPr>
-          <p:cNvPr id="201" name="TextBox 200"/>
-          <p:cNvSpPr txBox="1"/>
-          <p:nvPr/>
-        </p:nvSpPr>
-        <p:spPr>
-          <a:xfrm>
-            <a:off x="748763" y="3414590"/>
-            <a:ext cx="415498" cy="369332"/>
-          </a:xfrm>
-          <a:prstGeom prst="rect">
-            <a:avLst/>
-          </a:prstGeom>
-          <a:noFill/>
-        </p:spPr>
-        <p:txBody>
-          <a:bodyPr wrap="none" rtlCol="0">
-            <a:spAutoFit/>
-          </a:bodyPr>
-          <a:lstStyle/>
-          <a:p>
-            <a:r>
-              <a:rPr lang="en-US" b="1" dirty="0" smtClean="0">
-                <a:solidFill>
-                  <a:srgbClr val="0070C0"/>
-                </a:solidFill>
-              </a:rPr>
-              <a:t>L2</a:t>
-            </a:r>
-            <a:endParaRPr lang="en-US" b="1" dirty="0">
-              <a:solidFill>
-                <a:srgbClr val="0070C0"/>
-              </a:solidFill>
-            </a:endParaRPr>
-          </a:p>
-        </p:txBody>
-      </p:sp>
-      <p:sp>
-        <p:nvSpPr>
-          <p:cNvPr id="202" name="TextBox 201"/>
-          <p:cNvSpPr txBox="1"/>
-          <p:nvPr/>
-        </p:nvSpPr>
-        <p:spPr>
-          <a:xfrm>
-            <a:off x="1348529" y="3714452"/>
-            <a:ext cx="461986" cy="369332"/>
-          </a:xfrm>
-          <a:prstGeom prst="rect">
-            <a:avLst/>
-          </a:prstGeom>
-          <a:noFill/>
-        </p:spPr>
-        <p:txBody>
-          <a:bodyPr wrap="none" rtlCol="0">
-            <a:spAutoFit/>
-          </a:bodyPr>
-          <a:lstStyle/>
-          <a:p>
-            <a:r>
-              <a:rPr lang="en-US" b="1" dirty="0" smtClean="0">
-                <a:solidFill>
-                  <a:srgbClr val="FFC000"/>
-                </a:solidFill>
-              </a:rPr>
-              <a:t>U2</a:t>
-            </a:r>
-            <a:endParaRPr lang="en-US" b="1" dirty="0">
-              <a:solidFill>
-                <a:srgbClr val="FFC000"/>
-              </a:solidFill>
-            </a:endParaRPr>
-          </a:p>
-        </p:txBody>
-      </p:sp>
-      <p:sp>
-        <p:nvSpPr>
-          <p:cNvPr id="203" name="TextBox 202"/>
-          <p:cNvSpPr txBox="1"/>
-          <p:nvPr/>
-        </p:nvSpPr>
-        <p:spPr>
-          <a:xfrm>
-            <a:off x="732733" y="4107001"/>
-            <a:ext cx="449162" cy="369332"/>
-          </a:xfrm>
-          <a:prstGeom prst="rect">
-            <a:avLst/>
-          </a:prstGeom>
-          <a:noFill/>
-        </p:spPr>
-        <p:txBody>
-          <a:bodyPr wrap="none" rtlCol="0">
-            <a:spAutoFit/>
-          </a:bodyPr>
-          <a:lstStyle/>
-          <a:p>
-            <a:r>
-              <a:rPr lang="en-US" b="1" dirty="0" smtClean="0">
-                <a:solidFill>
-                  <a:schemeClr val="bg1"/>
-                </a:solidFill>
-              </a:rPr>
-              <a:t>B2</a:t>
-            </a:r>
-            <a:endParaRPr lang="en-US" b="1" dirty="0">
-              <a:solidFill>
-                <a:schemeClr val="bg1"/>
-              </a:solidFill>
-            </a:endParaRPr>
-          </a:p>
-        </p:txBody>
-      </p:sp>
-      <p:sp>
-        <p:nvSpPr>
-          <p:cNvPr id="204" name="TextBox 203"/>
-          <p:cNvSpPr txBox="1"/>
-          <p:nvPr/>
-        </p:nvSpPr>
-        <p:spPr>
-          <a:xfrm>
-            <a:off x="1414036" y="4391676"/>
-            <a:ext cx="349776" cy="369332"/>
-          </a:xfrm>
-          <a:prstGeom prst="rect">
-            <a:avLst/>
-          </a:prstGeom>
-          <a:noFill/>
-        </p:spPr>
-        <p:txBody>
-          <a:bodyPr wrap="none" rtlCol="0">
-            <a:spAutoFit/>
-          </a:bodyPr>
-          <a:lstStyle/>
-          <a:p>
-            <a:r>
-              <a:rPr lang="en-US" b="1" dirty="0" smtClean="0">
-                <a:solidFill>
-                  <a:srgbClr val="0070C0"/>
-                </a:solidFill>
-              </a:rPr>
-              <a:t>L’</a:t>
-            </a:r>
-            <a:endParaRPr lang="en-US" b="1" dirty="0">
-              <a:solidFill>
-                <a:srgbClr val="0070C0"/>
-              </a:solidFill>
-            </a:endParaRPr>
-          </a:p>
-        </p:txBody>
-      </p:sp>
-      <p:sp>
-        <p:nvSpPr>
-          <p:cNvPr id="205" name="TextBox 204"/>
-          <p:cNvSpPr txBox="1"/>
-          <p:nvPr/>
-        </p:nvSpPr>
-        <p:spPr>
-          <a:xfrm>
-            <a:off x="780823" y="4808944"/>
-            <a:ext cx="335348" cy="369332"/>
-          </a:xfrm>
-          <a:prstGeom prst="rect">
-            <a:avLst/>
-          </a:prstGeom>
-          <a:noFill/>
-        </p:spPr>
-        <p:txBody>
-          <a:bodyPr wrap="none" rtlCol="0">
-            <a:spAutoFit/>
-          </a:bodyPr>
-          <a:lstStyle/>
-          <a:p>
-            <a:r>
-              <a:rPr lang="en-US" b="1" dirty="0">
-                <a:solidFill>
-                  <a:srgbClr val="FFC000"/>
-                </a:solidFill>
-              </a:rPr>
-              <a:t>U</a:t>
-            </a:r>
-          </a:p>
-        </p:txBody>
-      </p:sp>
-      <p:sp>
-        <p:nvSpPr>
-          <p:cNvPr id="206" name="TextBox 205"/>
-          <p:cNvSpPr txBox="1"/>
-          <p:nvPr/>
-        </p:nvSpPr>
-        <p:spPr>
-          <a:xfrm>
-            <a:off x="1358937" y="5074800"/>
-            <a:ext cx="449162" cy="369332"/>
-          </a:xfrm>
-          <a:prstGeom prst="rect">
-            <a:avLst/>
-          </a:prstGeom>
-          <a:noFill/>
-        </p:spPr>
-        <p:txBody>
-          <a:bodyPr wrap="none" rtlCol="0">
-            <a:spAutoFit/>
-          </a:bodyPr>
-          <a:lstStyle/>
-          <a:p>
-            <a:r>
-              <a:rPr lang="en-US" b="1" dirty="0" smtClean="0">
-                <a:solidFill>
-                  <a:srgbClr val="00B050"/>
-                </a:solidFill>
-              </a:rPr>
-              <a:t>R2</a:t>
-            </a:r>
-            <a:endParaRPr lang="en-US" b="1" dirty="0">
-              <a:solidFill>
-                <a:srgbClr val="00B050"/>
-              </a:solidFill>
-            </a:endParaRPr>
-          </a:p>
-        </p:txBody>
-      </p:sp>
-      <p:sp>
-        <p:nvSpPr>
-          <p:cNvPr id="207" name="TextBox 206"/>
-          <p:cNvSpPr txBox="1"/>
-          <p:nvPr/>
-        </p:nvSpPr>
-        <p:spPr>
-          <a:xfrm>
-            <a:off x="813400" y="5467016"/>
-            <a:ext cx="295274" cy="369332"/>
-          </a:xfrm>
-          <a:prstGeom prst="rect">
-            <a:avLst/>
-          </a:prstGeom>
-          <a:noFill/>
-        </p:spPr>
-        <p:txBody>
-          <a:bodyPr wrap="none" rtlCol="0">
-            <a:spAutoFit/>
-          </a:bodyPr>
-          <a:lstStyle/>
-          <a:p>
-            <a:r>
-              <a:rPr lang="en-US" b="1" dirty="0" smtClean="0">
-                <a:solidFill>
-                  <a:srgbClr val="FFFF00"/>
-                </a:solidFill>
-              </a:rPr>
-              <a:t>F</a:t>
-            </a:r>
-            <a:endParaRPr lang="en-US" b="1" dirty="0">
-              <a:solidFill>
-                <a:srgbClr val="FFFF00"/>
-              </a:solidFill>
-            </a:endParaRPr>
-          </a:p>
-        </p:txBody>
-      </p:sp>
-      <p:sp>
-        <p:nvSpPr>
-          <p:cNvPr id="208" name="TextBox 207"/>
-          <p:cNvSpPr txBox="1"/>
-          <p:nvPr/>
-        </p:nvSpPr>
-        <p:spPr>
-          <a:xfrm>
-            <a:off x="1387791" y="5884705"/>
-            <a:ext cx="383438" cy="369332"/>
-          </a:xfrm>
-          <a:prstGeom prst="rect">
-            <a:avLst/>
-          </a:prstGeom>
-          <a:noFill/>
-        </p:spPr>
-        <p:txBody>
-          <a:bodyPr wrap="none" rtlCol="0">
-            <a:spAutoFit/>
-          </a:bodyPr>
-          <a:lstStyle/>
-          <a:p>
-            <a:r>
-              <a:rPr lang="en-US" b="1" dirty="0" smtClean="0">
-                <a:solidFill>
-                  <a:schemeClr val="bg1"/>
-                </a:solidFill>
-              </a:rPr>
-              <a:t>B’</a:t>
-            </a:r>
-            <a:endParaRPr lang="en-US" b="1" dirty="0">
-              <a:solidFill>
-                <a:schemeClr val="bg1"/>
-              </a:solidFill>
-            </a:endParaRPr>
-          </a:p>
-        </p:txBody>
-      </p:sp>
-      <p:cxnSp>
-        <p:nvCxnSpPr>
-          <p:cNvPr id="209" name="Straight Arrow Connector 208"/>
-          <p:cNvCxnSpPr>
-            <a:stCxn id="199" idx="2"/>
-            <a:endCxn id="200" idx="1"/>
-          </p:cNvCxnSpPr>
-          <p:nvPr/>
-        </p:nvCxnSpPr>
-        <p:spPr>
-          <a:xfrm>
-            <a:off x="948497" y="3036446"/>
-            <a:ext cx="446753" cy="186921"/>
-          </a:xfrm>
-          <a:prstGeom prst="straightConnector1">
-            <a:avLst/>
-          </a:prstGeom>
-          <a:ln>
-            <a:tailEnd type="arrow"/>
-          </a:ln>
-        </p:spPr>
-        <p:style>
-          <a:lnRef idx="1">
-            <a:schemeClr val="accent1"/>
-          </a:lnRef>
-          <a:fillRef idx="0">
-            <a:schemeClr val="accent1"/>
-          </a:fillRef>
-          <a:effectRef idx="0">
-            <a:schemeClr val="accent1"/>
-          </a:effectRef>
-          <a:fontRef idx="minor">
-            <a:schemeClr val="tx1"/>
-          </a:fontRef>
-        </p:style>
-      </p:cxnSp>
-      <p:cxnSp>
-        <p:nvCxnSpPr>
-          <p:cNvPr id="210" name="Straight Arrow Connector 209"/>
-          <p:cNvCxnSpPr>
-            <a:stCxn id="200" idx="2"/>
-            <a:endCxn id="201" idx="3"/>
-          </p:cNvCxnSpPr>
-          <p:nvPr/>
-        </p:nvCxnSpPr>
-        <p:spPr>
-          <a:xfrm flipH="1">
-            <a:off x="1164261" y="3408033"/>
-            <a:ext cx="443547" cy="191223"/>
-          </a:xfrm>
-          <a:prstGeom prst="straightConnector1">
-            <a:avLst/>
-          </a:prstGeom>
-          <a:ln>
-            <a:tailEnd type="arrow"/>
-          </a:ln>
-        </p:spPr>
-        <p:style>
-          <a:lnRef idx="1">
-            <a:schemeClr val="accent1"/>
-          </a:lnRef>
-          <a:fillRef idx="0">
-            <a:schemeClr val="accent1"/>
-          </a:fillRef>
-          <a:effectRef idx="0">
-            <a:schemeClr val="accent1"/>
-          </a:effectRef>
-          <a:fontRef idx="minor">
-            <a:schemeClr val="tx1"/>
-          </a:fontRef>
-        </p:style>
-      </p:cxnSp>
-      <p:cxnSp>
-        <p:nvCxnSpPr>
-          <p:cNvPr id="211" name="Straight Arrow Connector 210"/>
-          <p:cNvCxnSpPr>
-            <a:stCxn id="201" idx="2"/>
-            <a:endCxn id="202" idx="1"/>
-          </p:cNvCxnSpPr>
-          <p:nvPr/>
-        </p:nvCxnSpPr>
-        <p:spPr>
-          <a:xfrm>
-            <a:off x="956512" y="3783922"/>
-            <a:ext cx="392017" cy="115196"/>
-          </a:xfrm>
-          <a:prstGeom prst="straightConnector1">
-            <a:avLst/>
-          </a:prstGeom>
-          <a:ln>
-            <a:tailEnd type="arrow"/>
-          </a:ln>
-        </p:spPr>
-        <p:style>
-          <a:lnRef idx="1">
-            <a:schemeClr val="accent1"/>
-          </a:lnRef>
-          <a:fillRef idx="0">
-            <a:schemeClr val="accent1"/>
-          </a:fillRef>
-          <a:effectRef idx="0">
-            <a:schemeClr val="accent1"/>
-          </a:effectRef>
-          <a:fontRef idx="minor">
-            <a:schemeClr val="tx1"/>
-          </a:fontRef>
-        </p:style>
-      </p:cxnSp>
-      <p:cxnSp>
-        <p:nvCxnSpPr>
-          <p:cNvPr id="212" name="Straight Arrow Connector 211"/>
-          <p:cNvCxnSpPr>
-            <a:stCxn id="202" idx="2"/>
-            <a:endCxn id="203" idx="3"/>
-          </p:cNvCxnSpPr>
-          <p:nvPr/>
-        </p:nvCxnSpPr>
-        <p:spPr>
-          <a:xfrm flipH="1">
-            <a:off x="1181895" y="4083784"/>
-            <a:ext cx="397627" cy="207883"/>
-          </a:xfrm>
-          <a:prstGeom prst="straightConnector1">
-            <a:avLst/>
-          </a:prstGeom>
-          <a:ln>
-            <a:tailEnd type="arrow"/>
-          </a:ln>
-        </p:spPr>
-        <p:style>
-          <a:lnRef idx="1">
-            <a:schemeClr val="accent1"/>
-          </a:lnRef>
-          <a:fillRef idx="0">
-            <a:schemeClr val="accent1"/>
-          </a:fillRef>
-          <a:effectRef idx="0">
-            <a:schemeClr val="accent1"/>
-          </a:effectRef>
-          <a:fontRef idx="minor">
-            <a:schemeClr val="tx1"/>
-          </a:fontRef>
-        </p:style>
-      </p:cxnSp>
-      <p:cxnSp>
-        <p:nvCxnSpPr>
-          <p:cNvPr id="213" name="Straight Arrow Connector 212"/>
-          <p:cNvCxnSpPr>
-            <a:stCxn id="203" idx="2"/>
-            <a:endCxn id="204" idx="1"/>
-          </p:cNvCxnSpPr>
-          <p:nvPr/>
-        </p:nvCxnSpPr>
-        <p:spPr>
-          <a:xfrm>
-            <a:off x="957314" y="4476333"/>
-            <a:ext cx="456722" cy="100009"/>
-          </a:xfrm>
-          <a:prstGeom prst="straightConnector1">
-            <a:avLst/>
-          </a:prstGeom>
-          <a:ln>
-            <a:tailEnd type="arrow"/>
-          </a:ln>
-        </p:spPr>
-        <p:style>
-          <a:lnRef idx="1">
-            <a:schemeClr val="accent1"/>
-          </a:lnRef>
-          <a:fillRef idx="0">
-            <a:schemeClr val="accent1"/>
-          </a:fillRef>
-          <a:effectRef idx="0">
-            <a:schemeClr val="accent1"/>
-          </a:effectRef>
-          <a:fontRef idx="minor">
-            <a:schemeClr val="tx1"/>
-          </a:fontRef>
-        </p:style>
-      </p:cxnSp>
-      <p:cxnSp>
-        <p:nvCxnSpPr>
-          <p:cNvPr id="214" name="Straight Arrow Connector 213"/>
-          <p:cNvCxnSpPr>
-            <a:stCxn id="204" idx="2"/>
-            <a:endCxn id="205" idx="3"/>
-          </p:cNvCxnSpPr>
-          <p:nvPr/>
-        </p:nvCxnSpPr>
-        <p:spPr>
-          <a:xfrm flipH="1">
-            <a:off x="1116171" y="4761008"/>
-            <a:ext cx="472753" cy="232602"/>
-          </a:xfrm>
-          <a:prstGeom prst="straightConnector1">
-            <a:avLst/>
-          </a:prstGeom>
-          <a:ln>
-            <a:tailEnd type="arrow"/>
-          </a:ln>
-        </p:spPr>
-        <p:style>
-          <a:lnRef idx="1">
-            <a:schemeClr val="accent1"/>
-          </a:lnRef>
-          <a:fillRef idx="0">
-            <a:schemeClr val="accent1"/>
-          </a:fillRef>
-          <a:effectRef idx="0">
-            <a:schemeClr val="accent1"/>
-          </a:effectRef>
-          <a:fontRef idx="minor">
-            <a:schemeClr val="tx1"/>
-          </a:fontRef>
-        </p:style>
-      </p:cxnSp>
-      <p:cxnSp>
-        <p:nvCxnSpPr>
-          <p:cNvPr id="215" name="Straight Arrow Connector 214"/>
-          <p:cNvCxnSpPr>
-            <a:stCxn id="205" idx="2"/>
-            <a:endCxn id="206" idx="1"/>
-          </p:cNvCxnSpPr>
-          <p:nvPr/>
-        </p:nvCxnSpPr>
-        <p:spPr>
-          <a:xfrm>
-            <a:off x="948497" y="5178276"/>
-            <a:ext cx="410440" cy="81190"/>
-          </a:xfrm>
-          <a:prstGeom prst="straightConnector1">
-            <a:avLst/>
-          </a:prstGeom>
-          <a:ln>
-            <a:tailEnd type="arrow"/>
-          </a:ln>
-        </p:spPr>
-        <p:style>
-          <a:lnRef idx="1">
-            <a:schemeClr val="accent1"/>
-          </a:lnRef>
-          <a:fillRef idx="0">
-            <a:schemeClr val="accent1"/>
-          </a:fillRef>
-          <a:effectRef idx="0">
-            <a:schemeClr val="accent1"/>
-          </a:effectRef>
-          <a:fontRef idx="minor">
-            <a:schemeClr val="tx1"/>
-          </a:fontRef>
-        </p:style>
-      </p:cxnSp>
-      <p:cxnSp>
-        <p:nvCxnSpPr>
-          <p:cNvPr id="216" name="Straight Arrow Connector 215"/>
-          <p:cNvCxnSpPr>
-            <a:stCxn id="206" idx="2"/>
-            <a:endCxn id="207" idx="3"/>
-          </p:cNvCxnSpPr>
-          <p:nvPr/>
-        </p:nvCxnSpPr>
-        <p:spPr>
-          <a:xfrm flipH="1">
-            <a:off x="1108674" y="5444132"/>
-            <a:ext cx="474844" cy="207550"/>
-          </a:xfrm>
-          <a:prstGeom prst="straightConnector1">
-            <a:avLst/>
-          </a:prstGeom>
-          <a:ln>
-            <a:tailEnd type="arrow"/>
-          </a:ln>
-        </p:spPr>
-        <p:style>
-          <a:lnRef idx="1">
-            <a:schemeClr val="accent1"/>
-          </a:lnRef>
-          <a:fillRef idx="0">
-            <a:schemeClr val="accent1"/>
-          </a:fillRef>
-          <a:effectRef idx="0">
-            <a:schemeClr val="accent1"/>
-          </a:effectRef>
-          <a:fontRef idx="minor">
-            <a:schemeClr val="tx1"/>
-          </a:fontRef>
-        </p:style>
-      </p:cxnSp>
-      <p:cxnSp>
-        <p:nvCxnSpPr>
-          <p:cNvPr id="217" name="Straight Arrow Connector 216"/>
-          <p:cNvCxnSpPr>
-            <a:stCxn id="207" idx="2"/>
-            <a:endCxn id="208" idx="1"/>
-          </p:cNvCxnSpPr>
-          <p:nvPr/>
-        </p:nvCxnSpPr>
-        <p:spPr>
-          <a:xfrm>
-            <a:off x="961037" y="5836348"/>
-            <a:ext cx="426754" cy="233023"/>
-          </a:xfrm>
-          <a:prstGeom prst="straightConnector1">
-            <a:avLst/>
-          </a:prstGeom>
-          <a:ln>
-            <a:tailEnd type="arrow"/>
-          </a:ln>
-        </p:spPr>
-        <p:style>
-          <a:lnRef idx="1">
-            <a:schemeClr val="accent1"/>
-          </a:lnRef>
-          <a:fillRef idx="0">
-            <a:schemeClr val="accent1"/>
-          </a:fillRef>
-          <a:effectRef idx="0">
-            <a:schemeClr val="accent1"/>
-          </a:effectRef>
-          <a:fontRef idx="minor">
-            <a:schemeClr val="tx1"/>
-          </a:fontRef>
-        </p:style>
-      </p:cxnSp>
-      <p:sp>
-        <p:nvSpPr>
-          <p:cNvPr id="219" name="Oval 218"/>
-          <p:cNvSpPr/>
-          <p:nvPr/>
-        </p:nvSpPr>
-        <p:spPr>
-          <a:xfrm>
-            <a:off x="1811305" y="5621434"/>
-            <a:ext cx="1083839" cy="1168492"/>
-          </a:xfrm>
-          <a:prstGeom prst="ellipse">
-            <a:avLst/>
-          </a:prstGeom>
-          <a:noFill/>
-          <a:ln w="57150">
-            <a:solidFill>
-              <a:srgbClr val="00B050"/>
-            </a:solidFill>
-          </a:ln>
-        </p:spPr>
-        <p:style>
-          <a:lnRef idx="2">
-            <a:schemeClr val="accent1">
-              <a:shade val="50000"/>
-            </a:schemeClr>
-          </a:lnRef>
-          <a:fillRef idx="1">
-            <a:schemeClr val="accent1"/>
-          </a:fillRef>
-          <a:effectRef idx="0">
-            <a:schemeClr val="accent1"/>
-          </a:effectRef>
-          <a:fontRef idx="minor">
-            <a:schemeClr val="lt1"/>
-          </a:fontRef>
-        </p:style>
-        <p:txBody>
-          <a:bodyPr rtlCol="0" anchor="ctr"/>
-          <a:lstStyle/>
-          <a:p>
             <a:pPr algn="ctr"/>
-            <a:endParaRPr lang="en-US"/>
-          </a:p>
-        </p:txBody>
-      </p:sp>
-      <p:sp>
-        <p:nvSpPr>
-          <p:cNvPr id="223" name="TextBox 222"/>
-          <p:cNvSpPr txBox="1"/>
-          <p:nvPr/>
-        </p:nvSpPr>
-        <p:spPr>
-          <a:xfrm>
-            <a:off x="666735" y="1889986"/>
-            <a:ext cx="268638" cy="400110"/>
-          </a:xfrm>
-          <a:prstGeom prst="rect">
-            <a:avLst/>
-          </a:prstGeom>
-          <a:noFill/>
-        </p:spPr>
-        <p:txBody>
-          <a:bodyPr wrap="square" rtlCol="0">
-            <a:spAutoFit/>
-          </a:bodyPr>
-          <a:lstStyle/>
-          <a:p>
-            <a:r>
-              <a:rPr lang="en-US" sz="2000" b="1" dirty="0" smtClean="0"/>
-              <a:t>.</a:t>
-            </a:r>
-            <a:endParaRPr lang="en-US" sz="2000" b="1" dirty="0"/>
-          </a:p>
-        </p:txBody>
-      </p:sp>
-      <p:sp>
-        <p:nvSpPr>
-          <p:cNvPr id="224" name="TextBox 223"/>
-          <p:cNvSpPr txBox="1"/>
-          <p:nvPr/>
-        </p:nvSpPr>
-        <p:spPr>
-          <a:xfrm>
-            <a:off x="8037549" y="1888937"/>
-            <a:ext cx="268638" cy="400110"/>
-          </a:xfrm>
-          <a:prstGeom prst="rect">
-            <a:avLst/>
-          </a:prstGeom>
-          <a:noFill/>
-        </p:spPr>
-        <p:txBody>
-          <a:bodyPr wrap="square" rtlCol="0">
-            <a:spAutoFit/>
-          </a:bodyPr>
-          <a:lstStyle/>
-          <a:p>
-            <a:r>
-              <a:rPr lang="en-US" sz="2000" b="1" dirty="0" smtClean="0"/>
-              <a:t>.</a:t>
-            </a:r>
-            <a:endParaRPr lang="en-US" sz="2000" b="1" dirty="0"/>
-          </a:p>
-        </p:txBody>
-      </p:sp>
-      <p:sp>
-        <p:nvSpPr>
-          <p:cNvPr id="225" name="TextBox 224"/>
-          <p:cNvSpPr txBox="1"/>
-          <p:nvPr/>
-        </p:nvSpPr>
-        <p:spPr>
-          <a:xfrm>
-            <a:off x="290748" y="218623"/>
-            <a:ext cx="2898037" cy="830997"/>
-          </a:xfrm>
-          <a:prstGeom prst="rect">
-            <a:avLst/>
-          </a:prstGeom>
-          <a:noFill/>
-        </p:spPr>
-        <p:txBody>
-          <a:bodyPr wrap="none" rtlCol="0">
-            <a:spAutoFit/>
-          </a:bodyPr>
-          <a:lstStyle/>
-          <a:p>
-            <a:r>
-              <a:rPr lang="en-US" sz="2400" b="1" dirty="0" smtClean="0"/>
-              <a:t>Kociemba Two-Phase</a:t>
-            </a:r>
-          </a:p>
-          <a:p>
-            <a:r>
-              <a:rPr lang="en-US" sz="2400" b="1" dirty="0" smtClean="0"/>
-              <a:t> Algorithm</a:t>
-            </a:r>
-            <a:endParaRPr lang="en-US" sz="2400" b="1" dirty="0"/>
-          </a:p>
-        </p:txBody>
-      </p:sp>
-      <p:sp>
-        <p:nvSpPr>
-          <p:cNvPr id="226" name="TextBox 225"/>
-          <p:cNvSpPr txBox="1"/>
-          <p:nvPr/>
-        </p:nvSpPr>
-        <p:spPr>
-          <a:xfrm>
-            <a:off x="6285168" y="309828"/>
-            <a:ext cx="1168910" cy="461665"/>
-          </a:xfrm>
-          <a:prstGeom prst="rect">
-            <a:avLst/>
-          </a:prstGeom>
-          <a:noFill/>
-        </p:spPr>
-        <p:txBody>
-          <a:bodyPr wrap="none" rtlCol="0">
-            <a:spAutoFit/>
-          </a:bodyPr>
-          <a:lstStyle/>
-          <a:p>
-            <a:r>
-              <a:rPr lang="en-US" sz="2400" b="1" dirty="0" smtClean="0"/>
-              <a:t>Phase 1</a:t>
-            </a:r>
-            <a:endParaRPr lang="en-US" sz="2400" b="1" dirty="0"/>
-          </a:p>
-        </p:txBody>
-      </p:sp>
-      <p:sp>
-        <p:nvSpPr>
-          <p:cNvPr id="227" name="TextBox 226"/>
-          <p:cNvSpPr txBox="1"/>
-          <p:nvPr/>
-        </p:nvSpPr>
-        <p:spPr>
-          <a:xfrm>
-            <a:off x="3715188" y="3801456"/>
-            <a:ext cx="5034035" cy="1754326"/>
-          </a:xfrm>
-          <a:prstGeom prst="rect">
-            <a:avLst/>
-          </a:prstGeom>
-          <a:noFill/>
-        </p:spPr>
-        <p:txBody>
-          <a:bodyPr wrap="square" rtlCol="0">
-            <a:spAutoFit/>
-          </a:bodyPr>
-          <a:lstStyle/>
-          <a:p>
-            <a:r>
-              <a:rPr lang="en-US" dirty="0" smtClean="0"/>
-              <a:t>Phase 1</a:t>
-            </a:r>
-          </a:p>
-          <a:p>
-            <a:pPr marL="285750" indent="-285750">
-              <a:buFont typeface="Arial" panose="020B0604020202020204" pitchFamily="34" charset="0"/>
-              <a:buChar char="•"/>
-            </a:pPr>
-            <a:r>
-              <a:rPr lang="en-US" dirty="0" smtClean="0"/>
-              <a:t>43,252,003,274,489,856,000 possible starting orientations</a:t>
-            </a:r>
-          </a:p>
-          <a:p>
-            <a:pPr marL="285750" indent="-285750">
-              <a:buFont typeface="Arial" panose="020B0604020202020204" pitchFamily="34" charset="0"/>
-              <a:buChar char="•"/>
-            </a:pPr>
-            <a:r>
-              <a:rPr lang="en-US" dirty="0" smtClean="0"/>
-              <a:t>All 18 possible moves are used</a:t>
-            </a:r>
-          </a:p>
-          <a:p>
-            <a:pPr marL="285750" indent="-285750">
-              <a:buFont typeface="Arial" panose="020B0604020202020204" pitchFamily="34" charset="0"/>
-              <a:buChar char="•"/>
-            </a:pPr>
-            <a:r>
-              <a:rPr lang="en-US" dirty="0" smtClean="0"/>
-              <a:t>Uses pruning and symmetries</a:t>
-            </a:r>
-          </a:p>
-          <a:p>
-            <a:pPr marL="285750" indent="-285750">
-              <a:buFont typeface="Arial" panose="020B0604020202020204" pitchFamily="34" charset="0"/>
-              <a:buChar char="•"/>
-            </a:pPr>
-            <a:r>
-              <a:rPr lang="en-US" dirty="0" smtClean="0"/>
-              <a:t>2,217,093,120 possible phase 1 solutions</a:t>
-            </a:r>
-          </a:p>
-        </p:txBody>
-      </p:sp>
-      <p:sp>
-        <p:nvSpPr>
-          <p:cNvPr id="234" name="TextBox 233"/>
-          <p:cNvSpPr txBox="1"/>
-          <p:nvPr/>
-        </p:nvSpPr>
-        <p:spPr>
-          <a:xfrm>
-            <a:off x="3094130" y="6400800"/>
-            <a:ext cx="6112571" cy="338554"/>
-          </a:xfrm>
-          <a:prstGeom prst="rect">
-            <a:avLst/>
-          </a:prstGeom>
-          <a:noFill/>
-        </p:spPr>
-        <p:txBody>
-          <a:bodyPr wrap="none" rtlCol="0">
-            <a:spAutoFit/>
-          </a:bodyPr>
-          <a:lstStyle/>
-          <a:p>
-            <a:r>
-              <a:rPr lang="en-US" sz="1600" dirty="0" smtClean="0"/>
-              <a:t>Phase 1 Solution: </a:t>
-            </a:r>
-            <a:r>
-              <a:rPr lang="en-US" sz="1600" b="1" dirty="0" smtClean="0"/>
-              <a:t>F, U, F2, L2, U2, B2, L’, U, R2, F, B’ </a:t>
-            </a:r>
-            <a:r>
-              <a:rPr lang="en-US" sz="1600" dirty="0" smtClean="0"/>
-              <a:t>(11 moves)</a:t>
-            </a:r>
-            <a:endParaRPr lang="en-US" sz="1600" dirty="0"/>
+            <a:r>
+              <a:rPr lang="en-US" b="1" dirty="0" smtClean="0"/>
+              <a:t>F </a:t>
+            </a:r>
+          </a:p>
+          <a:p>
+            <a:pPr algn="ctr"/>
+            <a:r>
+              <a:rPr lang="en-US" sz="1400" b="1" dirty="0" smtClean="0"/>
+              <a:t>F Face Twisted Clockwise</a:t>
+            </a:r>
+            <a:endParaRPr lang="en-US" sz="1400" b="1" dirty="0"/>
           </a:p>
         </p:txBody>
       </p:sp>
       <p:pic>
         <p:nvPicPr>
-          <p:cNvPr id="238" name="Picture 237"/>
+          <p:cNvPr id="31" name="Picture 30"/>
           <p:cNvPicPr>
             <a:picLocks noChangeAspect="1"/>
           </p:cNvPicPr>
           <p:nvPr/>
         </p:nvPicPr>
         <p:blipFill>
-          <a:blip r:embed="rId3" cstate="print">
+          <a:blip r:embed="rId4">
             <a:extLst>
               <a:ext uri="{28A0092B-C50C-407E-A947-70E740481C1C}">
                 <a14:useLocalDpi xmlns:a14="http://schemas.microsoft.com/office/drawing/2010/main" val="0"/>
@@ -8345,24 +5542,100 @@
         </p:blipFill>
         <p:spPr>
           <a:xfrm>
-            <a:off x="3601951" y="81995"/>
-            <a:ext cx="1326558" cy="1107550"/>
+            <a:off x="756536" y="3683000"/>
+            <a:ext cx="2699896" cy="2549522"/>
           </a:xfrm>
           <a:prstGeom prst="rect">
             <a:avLst/>
           </a:prstGeom>
         </p:spPr>
       </p:pic>
+      <p:cxnSp>
+        <p:nvCxnSpPr>
+          <p:cNvPr id="33" name="Curved Connector 32"/>
+          <p:cNvCxnSpPr/>
+          <p:nvPr/>
+        </p:nvCxnSpPr>
+        <p:spPr>
+          <a:xfrm rot="16200000" flipV="1">
+            <a:off x="3148005" y="4067463"/>
+            <a:ext cx="457198" cy="399476"/>
+          </a:xfrm>
+          <a:prstGeom prst="curvedConnector3">
+            <a:avLst>
+              <a:gd name="adj1" fmla="val 100000"/>
+            </a:avLst>
+          </a:prstGeom>
+          <a:ln w="38100">
+            <a:solidFill>
+              <a:schemeClr val="tx1"/>
+            </a:solidFill>
+            <a:tailEnd type="arrow"/>
+          </a:ln>
+        </p:spPr>
+        <p:style>
+          <a:lnRef idx="1">
+            <a:schemeClr val="accent1"/>
+          </a:lnRef>
+          <a:fillRef idx="0">
+            <a:schemeClr val="accent1"/>
+          </a:fillRef>
+          <a:effectRef idx="0">
+            <a:schemeClr val="accent1"/>
+          </a:effectRef>
+          <a:fontRef idx="minor">
+            <a:schemeClr val="tx1"/>
+          </a:fontRef>
+        </p:style>
+      </p:cxnSp>
+      <p:sp>
+        <p:nvSpPr>
+          <p:cNvPr id="41" name="TextBox 40"/>
+          <p:cNvSpPr txBox="1"/>
+          <p:nvPr/>
+        </p:nvSpPr>
+        <p:spPr>
+          <a:xfrm>
+            <a:off x="568244" y="3148419"/>
+            <a:ext cx="3076483" cy="584775"/>
+          </a:xfrm>
+          <a:prstGeom prst="rect">
+            <a:avLst/>
+          </a:prstGeom>
+          <a:noFill/>
+        </p:spPr>
+        <p:txBody>
+          <a:bodyPr wrap="none" rtlCol="0">
+            <a:spAutoFit/>
+          </a:bodyPr>
+          <a:lstStyle/>
+          <a:p>
+            <a:pPr algn="ctr"/>
+            <a:r>
+              <a:rPr lang="en-US" b="1" dirty="0" smtClean="0"/>
+              <a:t>R’ </a:t>
+            </a:r>
+          </a:p>
+          <a:p>
+            <a:pPr algn="ctr"/>
+            <a:r>
+              <a:rPr lang="en-US" sz="1400" b="1" dirty="0" smtClean="0"/>
+              <a:t>R Face Twisted Counterclockwise</a:t>
+            </a:r>
+            <a:endParaRPr lang="en-US" sz="1400" b="1" dirty="0"/>
+          </a:p>
+        </p:txBody>
+      </p:sp>
       <p:pic>
         <p:nvPicPr>
-          <p:cNvPr id="239" name="Picture 238"/>
+          <p:cNvPr id="42" name="Picture 41"/>
           <p:cNvPicPr>
             <a:picLocks noChangeAspect="1"/>
           </p:cNvPicPr>
           <p:nvPr/>
         </p:nvPicPr>
         <p:blipFill>
-          <a:blip r:embed="rId4" cstate="print">
+          <a:blip r:embed="rId5">
             <a:extLst>
               <a:ext uri="{28A0092B-C50C-407E-A947-70E740481C1C}">
                 <a14:useLocalDpi xmlns:a14="http://schemas.microsoft.com/office/drawing/2010/main" val="0"/>
@@ -8375,78 +5648,56 @@
         </p:blipFill>
         <p:spPr>
           <a:xfrm>
-            <a:off x="48986" y="1772599"/>
-            <a:ext cx="611860" cy="587982"/>
+            <a:off x="5203177" y="3622932"/>
+            <a:ext cx="2827118" cy="2669658"/>
           </a:xfrm>
           <a:prstGeom prst="rect">
             <a:avLst/>
           </a:prstGeom>
         </p:spPr>
       </p:pic>
-      <p:pic>
-        <p:nvPicPr>
-          <p:cNvPr id="240" name="Picture 239"/>
-          <p:cNvPicPr>
-            <a:picLocks noChangeAspect="1"/>
-          </p:cNvPicPr>
-          <p:nvPr/>
-        </p:nvPicPr>
-        <p:blipFill>
-          <a:blip r:embed="rId5" cstate="print">
-            <a:extLst>
-              <a:ext uri="{28A0092B-C50C-407E-A947-70E740481C1C}">
-                <a14:useLocalDpi xmlns:a14="http://schemas.microsoft.com/office/drawing/2010/main" val="0"/>
-              </a:ext>
-            </a:extLst>
-          </a:blip>
-          <a:stretch>
-            <a:fillRect/>
-          </a:stretch>
-        </p:blipFill>
-        <p:spPr>
-          <a:xfrm>
-            <a:off x="8378030" y="1836039"/>
-            <a:ext cx="634435" cy="602949"/>
-          </a:xfrm>
-          <a:prstGeom prst="rect">
-            <a:avLst/>
-          </a:prstGeom>
-        </p:spPr>
-      </p:pic>
-      <p:pic>
-        <p:nvPicPr>
-          <p:cNvPr id="241" name="Picture 240"/>
-          <p:cNvPicPr>
-            <a:picLocks noChangeAspect="1"/>
-          </p:cNvPicPr>
-          <p:nvPr/>
-        </p:nvPicPr>
-        <p:blipFill>
-          <a:blip r:embed="rId6" cstate="print">
-            <a:extLst>
-              <a:ext uri="{28A0092B-C50C-407E-A947-70E740481C1C}">
-                <a14:useLocalDpi xmlns:a14="http://schemas.microsoft.com/office/drawing/2010/main" val="0"/>
-              </a:ext>
-            </a:extLst>
-          </a:blip>
-          <a:stretch>
-            <a:fillRect/>
-          </a:stretch>
-        </p:blipFill>
-        <p:spPr>
-          <a:xfrm>
-            <a:off x="1889202" y="5753069"/>
-            <a:ext cx="958612" cy="905221"/>
-          </a:xfrm>
-          <a:prstGeom prst="rect">
-            <a:avLst/>
-          </a:prstGeom>
-        </p:spPr>
-      </p:pic>
+      <p:sp>
+        <p:nvSpPr>
+          <p:cNvPr id="43" name="TextBox 42"/>
+          <p:cNvSpPr txBox="1"/>
+          <p:nvPr/>
+        </p:nvSpPr>
+        <p:spPr>
+          <a:xfrm>
+            <a:off x="5319747" y="3098225"/>
+            <a:ext cx="2593980" cy="584775"/>
+          </a:xfrm>
+          <a:prstGeom prst="rect">
+            <a:avLst/>
+          </a:prstGeom>
+          <a:noFill/>
+        </p:spPr>
+        <p:txBody>
+          <a:bodyPr wrap="none" rtlCol="0">
+            <a:spAutoFit/>
+          </a:bodyPr>
+          <a:lstStyle/>
+          <a:p>
+            <a:pPr algn="ctr"/>
+            <a:r>
+              <a:rPr lang="en-US" b="1" dirty="0" smtClean="0"/>
+              <a:t>U2</a:t>
+            </a:r>
+          </a:p>
+          <a:p>
+            <a:pPr algn="ctr"/>
+            <a:r>
+              <a:rPr lang="en-US" sz="1400" b="1" dirty="0" smtClean="0"/>
+              <a:t>U Face Twisted 180 Degrees</a:t>
+            </a:r>
+            <a:endParaRPr lang="en-US" sz="1400" b="1" dirty="0"/>
+          </a:p>
+        </p:txBody>
+      </p:sp>
     </p:spTree>
     <p:extLst>
       <p:ext uri="{BB962C8B-B14F-4D97-AF65-F5344CB8AC3E}">
-        <p14:creationId xmlns:p14="http://schemas.microsoft.com/office/powerpoint/2010/main" val="4216591346"/>
+        <p14:creationId xmlns:p14="http://schemas.microsoft.com/office/powerpoint/2010/main" val="3234918812"/>
       </p:ext>
     </p:extLst>
   </p:cSld>
@@ -8473,9 +5724,55 @@
           <a:chExt cx="0" cy="0"/>
         </a:xfrm>
       </p:grpSpPr>
+      <p:sp>
+        <p:nvSpPr>
+          <p:cNvPr id="2" name="TextBox 1"/>
+          <p:cNvSpPr txBox="1"/>
+          <p:nvPr/>
+        </p:nvSpPr>
+        <p:spPr>
+          <a:xfrm>
+            <a:off x="2133600" y="228600"/>
+            <a:ext cx="4985660" cy="646331"/>
+          </a:xfrm>
+          <a:prstGeom prst="rect">
+            <a:avLst/>
+          </a:prstGeom>
+          <a:noFill/>
+        </p:spPr>
+        <p:txBody>
+          <a:bodyPr wrap="none" rtlCol="0">
+            <a:spAutoFit/>
+          </a:bodyPr>
+          <a:lstStyle/>
+          <a:p>
+            <a:r>
+              <a:rPr lang="en-US" sz="3600" b="1" dirty="0" smtClean="0">
+                <a:effectLst>
+                  <a:outerShdw blurRad="38100" dist="38100" dir="2700000" algn="tl">
+                    <a:srgbClr val="000000">
+                      <a:alpha val="43137"/>
+                    </a:srgbClr>
+                  </a:outerShdw>
+                </a:effectLst>
+              </a:rPr>
+              <a:t>Cube Representation</a:t>
+            </a:r>
+            <a:endParaRPr lang="en-US" sz="3600" b="1" dirty="0">
+              <a:effectLst>
+                <a:outerShdw blurRad="38100" dist="38100" dir="2700000" algn="tl">
+                  <a:srgbClr val="000000">
+                    <a:alpha val="43137"/>
+                  </a:srgbClr>
+                </a:outerShdw>
+              </a:effectLst>
+            </a:endParaRPr>
+          </a:p>
+        </p:txBody>
+      </p:sp>
       <p:pic>
         <p:nvPicPr>
-          <p:cNvPr id="169" name="Picture 168"/>
+          <p:cNvPr id="3" name="Picture 2"/>
           <p:cNvPicPr>
             <a:picLocks noChangeAspect="1"/>
           </p:cNvPicPr>
@@ -8495,8 +5792,8 @@
         </p:blipFill>
         <p:spPr>
           <a:xfrm>
-            <a:off x="53283" y="4756659"/>
-            <a:ext cx="651793" cy="615491"/>
+            <a:off x="1903145" y="4114800"/>
+            <a:ext cx="1563725" cy="1476632"/>
           </a:xfrm>
           <a:prstGeom prst="rect">
             <a:avLst/>
@@ -8505,7 +5802,541 @@
       </p:pic>
       <p:pic>
         <p:nvPicPr>
-          <p:cNvPr id="168" name="Picture 167"/>
+          <p:cNvPr id="4" name="Picture 3"/>
+          <p:cNvPicPr>
+            <a:picLocks noChangeAspect="1"/>
+          </p:cNvPicPr>
+          <p:nvPr/>
+        </p:nvPicPr>
+        <p:blipFill>
+          <a:blip r:embed="rId3" cstate="print">
+            <a:extLst>
+              <a:ext uri="{28A0092B-C50C-407E-A947-70E740481C1C}">
+                <a14:useLocalDpi xmlns:a14="http://schemas.microsoft.com/office/drawing/2010/main" val="0"/>
+              </a:ext>
+            </a:extLst>
+          </a:blip>
+          <a:stretch>
+            <a:fillRect/>
+          </a:stretch>
+        </p:blipFill>
+        <p:spPr>
+          <a:xfrm>
+            <a:off x="4373463" y="5222344"/>
+            <a:ext cx="1570137" cy="1482686"/>
+          </a:xfrm>
+          <a:prstGeom prst="rect">
+            <a:avLst/>
+          </a:prstGeom>
+        </p:spPr>
+      </p:pic>
+      <p:pic>
+        <p:nvPicPr>
+          <p:cNvPr id="5" name="Picture 4"/>
+          <p:cNvPicPr>
+            <a:picLocks noChangeAspect="1"/>
+          </p:cNvPicPr>
+          <p:nvPr/>
+        </p:nvPicPr>
+        <p:blipFill>
+          <a:blip r:embed="rId4" cstate="print">
+            <a:extLst>
+              <a:ext uri="{28A0092B-C50C-407E-A947-70E740481C1C}">
+                <a14:useLocalDpi xmlns:a14="http://schemas.microsoft.com/office/drawing/2010/main" val="0"/>
+              </a:ext>
+            </a:extLst>
+          </a:blip>
+          <a:stretch>
+            <a:fillRect/>
+          </a:stretch>
+        </p:blipFill>
+        <p:spPr>
+          <a:xfrm>
+            <a:off x="357489" y="5109931"/>
+            <a:ext cx="1545657" cy="1459570"/>
+          </a:xfrm>
+          <a:prstGeom prst="rect">
+            <a:avLst/>
+          </a:prstGeom>
+        </p:spPr>
+      </p:pic>
+      <p:sp>
+        <p:nvSpPr>
+          <p:cNvPr id="6" name="TextBox 5"/>
+          <p:cNvSpPr txBox="1"/>
+          <p:nvPr/>
+        </p:nvSpPr>
+        <p:spPr>
+          <a:xfrm>
+            <a:off x="3466871" y="4683839"/>
+            <a:ext cx="4329812" cy="584775"/>
+          </a:xfrm>
+          <a:prstGeom prst="rect">
+            <a:avLst/>
+          </a:prstGeom>
+          <a:noFill/>
+        </p:spPr>
+        <p:txBody>
+          <a:bodyPr wrap="square" rtlCol="0">
+            <a:spAutoFit/>
+          </a:bodyPr>
+          <a:lstStyle/>
+          <a:p>
+            <a:r>
+              <a:rPr lang="en-US" sz="1600" dirty="0" smtClean="0"/>
+              <a:t>Middle Facelets Determines Face Color </a:t>
+            </a:r>
+          </a:p>
+          <a:p>
+            <a:r>
+              <a:rPr lang="en-US" sz="1600" dirty="0" smtClean="0"/>
+              <a:t>(U = Orange, R = Green, F = Yellow, etc.)</a:t>
+            </a:r>
+            <a:endParaRPr lang="en-US" sz="1600" dirty="0"/>
+          </a:p>
+        </p:txBody>
+      </p:sp>
+      <p:sp>
+        <p:nvSpPr>
+          <p:cNvPr id="7" name="TextBox 6"/>
+          <p:cNvSpPr txBox="1"/>
+          <p:nvPr/>
+        </p:nvSpPr>
+        <p:spPr>
+          <a:xfrm>
+            <a:off x="5926558" y="5671299"/>
+            <a:ext cx="2728169" cy="584775"/>
+          </a:xfrm>
+          <a:prstGeom prst="rect">
+            <a:avLst/>
+          </a:prstGeom>
+          <a:noFill/>
+        </p:spPr>
+        <p:txBody>
+          <a:bodyPr wrap="square" rtlCol="0">
+            <a:spAutoFit/>
+          </a:bodyPr>
+          <a:lstStyle/>
+          <a:p>
+            <a:pPr algn="ctr"/>
+            <a:r>
+              <a:rPr lang="en-US" sz="1600" dirty="0" smtClean="0"/>
+              <a:t>8 Corner </a:t>
+            </a:r>
+            <a:r>
+              <a:rPr lang="en-US" sz="1600" dirty="0" err="1" smtClean="0"/>
+              <a:t>Cubies</a:t>
+            </a:r>
+            <a:r>
+              <a:rPr lang="en-US" sz="1600" dirty="0" smtClean="0"/>
+              <a:t> Location and Orientation</a:t>
+            </a:r>
+            <a:endParaRPr lang="en-US" sz="1600" dirty="0"/>
+          </a:p>
+        </p:txBody>
+      </p:sp>
+      <p:sp>
+        <p:nvSpPr>
+          <p:cNvPr id="8" name="TextBox 7"/>
+          <p:cNvSpPr txBox="1"/>
+          <p:nvPr/>
+        </p:nvSpPr>
+        <p:spPr>
+          <a:xfrm>
+            <a:off x="1752600" y="5671300"/>
+            <a:ext cx="2723284" cy="584775"/>
+          </a:xfrm>
+          <a:prstGeom prst="rect">
+            <a:avLst/>
+          </a:prstGeom>
+          <a:noFill/>
+        </p:spPr>
+        <p:txBody>
+          <a:bodyPr wrap="square" rtlCol="0">
+            <a:spAutoFit/>
+          </a:bodyPr>
+          <a:lstStyle/>
+          <a:p>
+            <a:pPr algn="ctr"/>
+            <a:r>
+              <a:rPr lang="en-US" sz="1600" dirty="0" smtClean="0"/>
+              <a:t>12 Corner </a:t>
+            </a:r>
+            <a:r>
+              <a:rPr lang="en-US" sz="1600" dirty="0" err="1" smtClean="0"/>
+              <a:t>Cubies</a:t>
+            </a:r>
+            <a:r>
+              <a:rPr lang="en-US" sz="1600" dirty="0" smtClean="0"/>
+              <a:t> Location and Orientation</a:t>
+            </a:r>
+            <a:endParaRPr lang="en-US" sz="1600" dirty="0"/>
+          </a:p>
+        </p:txBody>
+      </p:sp>
+      <p:pic>
+        <p:nvPicPr>
+          <p:cNvPr id="9" name="Picture 8"/>
+          <p:cNvPicPr>
+            <a:picLocks noChangeAspect="1"/>
+          </p:cNvPicPr>
+          <p:nvPr/>
+        </p:nvPicPr>
+        <p:blipFill>
+          <a:blip r:embed="rId5" cstate="print">
+            <a:extLst>
+              <a:ext uri="{28A0092B-C50C-407E-A947-70E740481C1C}">
+                <a14:useLocalDpi xmlns:a14="http://schemas.microsoft.com/office/drawing/2010/main" val="0"/>
+              </a:ext>
+            </a:extLst>
+          </a:blip>
+          <a:stretch>
+            <a:fillRect/>
+          </a:stretch>
+        </p:blipFill>
+        <p:spPr>
+          <a:xfrm>
+            <a:off x="5209331" y="927384"/>
+            <a:ext cx="1163021" cy="1098245"/>
+          </a:xfrm>
+          <a:prstGeom prst="rect">
+            <a:avLst/>
+          </a:prstGeom>
+        </p:spPr>
+      </p:pic>
+      <p:pic>
+        <p:nvPicPr>
+          <p:cNvPr id="10" name="Picture 9"/>
+          <p:cNvPicPr>
+            <a:picLocks noChangeAspect="1"/>
+          </p:cNvPicPr>
+          <p:nvPr/>
+        </p:nvPicPr>
+        <p:blipFill>
+          <a:blip r:embed="rId6" cstate="print">
+            <a:extLst>
+              <a:ext uri="{28A0092B-C50C-407E-A947-70E740481C1C}">
+                <a14:useLocalDpi xmlns:a14="http://schemas.microsoft.com/office/drawing/2010/main" val="0"/>
+              </a:ext>
+            </a:extLst>
+          </a:blip>
+          <a:stretch>
+            <a:fillRect/>
+          </a:stretch>
+        </p:blipFill>
+        <p:spPr>
+          <a:xfrm>
+            <a:off x="6243465" y="927384"/>
+            <a:ext cx="1206755" cy="1139544"/>
+          </a:xfrm>
+          <a:prstGeom prst="rect">
+            <a:avLst/>
+          </a:prstGeom>
+        </p:spPr>
+      </p:pic>
+      <p:pic>
+        <p:nvPicPr>
+          <p:cNvPr id="11" name="Picture 10"/>
+          <p:cNvPicPr>
+            <a:picLocks noChangeAspect="1"/>
+          </p:cNvPicPr>
+          <p:nvPr/>
+        </p:nvPicPr>
+        <p:blipFill>
+          <a:blip r:embed="rId7" cstate="print">
+            <a:extLst>
+              <a:ext uri="{28A0092B-C50C-407E-A947-70E740481C1C}">
+                <a14:useLocalDpi xmlns:a14="http://schemas.microsoft.com/office/drawing/2010/main" val="0"/>
+              </a:ext>
+            </a:extLst>
+          </a:blip>
+          <a:stretch>
+            <a:fillRect/>
+          </a:stretch>
+        </p:blipFill>
+        <p:spPr>
+          <a:xfrm>
+            <a:off x="7310103" y="927384"/>
+            <a:ext cx="1231985" cy="1163368"/>
+          </a:xfrm>
+          <a:prstGeom prst="rect">
+            <a:avLst/>
+          </a:prstGeom>
+        </p:spPr>
+      </p:pic>
+      <p:pic>
+        <p:nvPicPr>
+          <p:cNvPr id="12" name="Picture 11"/>
+          <p:cNvPicPr>
+            <a:picLocks noChangeAspect="1"/>
+          </p:cNvPicPr>
+          <p:nvPr/>
+        </p:nvPicPr>
+        <p:blipFill>
+          <a:blip r:embed="rId8" cstate="print">
+            <a:extLst>
+              <a:ext uri="{28A0092B-C50C-407E-A947-70E740481C1C}">
+                <a14:useLocalDpi xmlns:a14="http://schemas.microsoft.com/office/drawing/2010/main" val="0"/>
+              </a:ext>
+            </a:extLst>
+          </a:blip>
+          <a:stretch>
+            <a:fillRect/>
+          </a:stretch>
+        </p:blipFill>
+        <p:spPr>
+          <a:xfrm>
+            <a:off x="5646270" y="1978525"/>
+            <a:ext cx="1174561" cy="1109143"/>
+          </a:xfrm>
+          <a:prstGeom prst="rect">
+            <a:avLst/>
+          </a:prstGeom>
+        </p:spPr>
+      </p:pic>
+      <p:pic>
+        <p:nvPicPr>
+          <p:cNvPr id="13" name="Picture 12"/>
+          <p:cNvPicPr>
+            <a:picLocks noChangeAspect="1"/>
+          </p:cNvPicPr>
+          <p:nvPr/>
+        </p:nvPicPr>
+        <p:blipFill>
+          <a:blip r:embed="rId9" cstate="print">
+            <a:extLst>
+              <a:ext uri="{28A0092B-C50C-407E-A947-70E740481C1C}">
+                <a14:useLocalDpi xmlns:a14="http://schemas.microsoft.com/office/drawing/2010/main" val="0"/>
+              </a:ext>
+            </a:extLst>
+          </a:blip>
+          <a:stretch>
+            <a:fillRect/>
+          </a:stretch>
+        </p:blipFill>
+        <p:spPr>
+          <a:xfrm>
+            <a:off x="6820831" y="1978525"/>
+            <a:ext cx="1192795" cy="1126361"/>
+          </a:xfrm>
+          <a:prstGeom prst="rect">
+            <a:avLst/>
+          </a:prstGeom>
+        </p:spPr>
+      </p:pic>
+      <p:pic>
+        <p:nvPicPr>
+          <p:cNvPr id="14" name="Picture 13"/>
+          <p:cNvPicPr>
+            <a:picLocks noChangeAspect="1"/>
+          </p:cNvPicPr>
+          <p:nvPr/>
+        </p:nvPicPr>
+        <p:blipFill>
+          <a:blip r:embed="rId10" cstate="print">
+            <a:extLst>
+              <a:ext uri="{28A0092B-C50C-407E-A947-70E740481C1C}">
+                <a14:useLocalDpi xmlns:a14="http://schemas.microsoft.com/office/drawing/2010/main" val="0"/>
+              </a:ext>
+            </a:extLst>
+          </a:blip>
+          <a:stretch>
+            <a:fillRect/>
+          </a:stretch>
+        </p:blipFill>
+        <p:spPr>
+          <a:xfrm>
+            <a:off x="2094219" y="2167875"/>
+            <a:ext cx="1241781" cy="1172619"/>
+          </a:xfrm>
+          <a:prstGeom prst="rect">
+            <a:avLst/>
+          </a:prstGeom>
+        </p:spPr>
+      </p:pic>
+      <p:pic>
+        <p:nvPicPr>
+          <p:cNvPr id="15" name="Picture 14"/>
+          <p:cNvPicPr>
+            <a:picLocks noChangeAspect="1"/>
+          </p:cNvPicPr>
+          <p:nvPr/>
+        </p:nvPicPr>
+        <p:blipFill>
+          <a:blip r:embed="rId11" cstate="print">
+            <a:extLst>
+              <a:ext uri="{28A0092B-C50C-407E-A947-70E740481C1C}">
+                <a14:useLocalDpi xmlns:a14="http://schemas.microsoft.com/office/drawing/2010/main" val="0"/>
+              </a:ext>
+            </a:extLst>
+          </a:blip>
+          <a:stretch>
+            <a:fillRect/>
+          </a:stretch>
+        </p:blipFill>
+        <p:spPr>
+          <a:xfrm>
+            <a:off x="2094219" y="985338"/>
+            <a:ext cx="1241781" cy="1172619"/>
+          </a:xfrm>
+          <a:prstGeom prst="rect">
+            <a:avLst/>
+          </a:prstGeom>
+        </p:spPr>
+      </p:pic>
+      <p:pic>
+        <p:nvPicPr>
+          <p:cNvPr id="16" name="Picture 15"/>
+          <p:cNvPicPr>
+            <a:picLocks noChangeAspect="1"/>
+          </p:cNvPicPr>
+          <p:nvPr/>
+        </p:nvPicPr>
+        <p:blipFill>
+          <a:blip r:embed="rId5" cstate="print">
+            <a:extLst>
+              <a:ext uri="{28A0092B-C50C-407E-A947-70E740481C1C}">
+                <a14:useLocalDpi xmlns:a14="http://schemas.microsoft.com/office/drawing/2010/main" val="0"/>
+              </a:ext>
+            </a:extLst>
+          </a:blip>
+          <a:stretch>
+            <a:fillRect/>
+          </a:stretch>
+        </p:blipFill>
+        <p:spPr>
+          <a:xfrm>
+            <a:off x="931198" y="1005207"/>
+            <a:ext cx="1163021" cy="1098245"/>
+          </a:xfrm>
+          <a:prstGeom prst="rect">
+            <a:avLst/>
+          </a:prstGeom>
+        </p:spPr>
+      </p:pic>
+      <p:pic>
+        <p:nvPicPr>
+          <p:cNvPr id="17" name="Picture 16"/>
+          <p:cNvPicPr>
+            <a:picLocks noChangeAspect="1"/>
+          </p:cNvPicPr>
+          <p:nvPr/>
+        </p:nvPicPr>
+        <p:blipFill>
+          <a:blip r:embed="rId9" cstate="print">
+            <a:extLst>
+              <a:ext uri="{28A0092B-C50C-407E-A947-70E740481C1C}">
+                <a14:useLocalDpi xmlns:a14="http://schemas.microsoft.com/office/drawing/2010/main" val="0"/>
+              </a:ext>
+            </a:extLst>
+          </a:blip>
+          <a:stretch>
+            <a:fillRect/>
+          </a:stretch>
+        </p:blipFill>
+        <p:spPr>
+          <a:xfrm>
+            <a:off x="901424" y="2191003"/>
+            <a:ext cx="1192795" cy="1126361"/>
+          </a:xfrm>
+          <a:prstGeom prst="rect">
+            <a:avLst/>
+          </a:prstGeom>
+        </p:spPr>
+      </p:pic>
+      <p:sp>
+        <p:nvSpPr>
+          <p:cNvPr id="18" name="TextBox 17"/>
+          <p:cNvSpPr txBox="1"/>
+          <p:nvPr/>
+        </p:nvSpPr>
+        <p:spPr>
+          <a:xfrm>
+            <a:off x="1387242" y="3340494"/>
+            <a:ext cx="1492716" cy="461665"/>
+          </a:xfrm>
+          <a:prstGeom prst="rect">
+            <a:avLst/>
+          </a:prstGeom>
+          <a:noFill/>
+        </p:spPr>
+        <p:txBody>
+          <a:bodyPr wrap="none" rtlCol="0">
+            <a:spAutoFit/>
+          </a:bodyPr>
+          <a:lstStyle/>
+          <a:p>
+            <a:r>
+              <a:rPr lang="en-US" sz="2400" b="1" dirty="0" smtClean="0"/>
+              <a:t>Location</a:t>
+            </a:r>
+            <a:endParaRPr lang="en-US" sz="2400" b="1" dirty="0"/>
+          </a:p>
+        </p:txBody>
+      </p:sp>
+      <p:sp>
+        <p:nvSpPr>
+          <p:cNvPr id="19" name="TextBox 18"/>
+          <p:cNvSpPr txBox="1"/>
+          <p:nvPr/>
+        </p:nvSpPr>
+        <p:spPr>
+          <a:xfrm>
+            <a:off x="5926558" y="3340494"/>
+            <a:ext cx="1840568" cy="461665"/>
+          </a:xfrm>
+          <a:prstGeom prst="rect">
+            <a:avLst/>
+          </a:prstGeom>
+          <a:noFill/>
+        </p:spPr>
+        <p:txBody>
+          <a:bodyPr wrap="none" rtlCol="0">
+            <a:spAutoFit/>
+          </a:bodyPr>
+          <a:lstStyle/>
+          <a:p>
+            <a:r>
+              <a:rPr lang="en-US" sz="2400" b="1" dirty="0" smtClean="0"/>
+              <a:t>Orientation</a:t>
+            </a:r>
+            <a:endParaRPr lang="en-US" sz="2400" b="1" dirty="0"/>
+          </a:p>
+        </p:txBody>
+      </p:sp>
+    </p:spTree>
+    <p:extLst>
+      <p:ext uri="{BB962C8B-B14F-4D97-AF65-F5344CB8AC3E}">
+        <p14:creationId xmlns:p14="http://schemas.microsoft.com/office/powerpoint/2010/main" val="4067974951"/>
+      </p:ext>
+    </p:extLst>
+  </p:cSld>
+  <p:clrMapOvr>
+    <a:masterClrMapping/>
+  </p:clrMapOvr>
+</p:sld>
+</file>
+
+<file path=ppt/slides/slide4.xml><?xml version="1.0" encoding="utf-8"?>
+<p:sld xmlns:a="http://schemas.openxmlformats.org/drawingml/2006/main" xmlns:r="http://schemas.openxmlformats.org/officeDocument/2006/relationships" xmlns:p="http://schemas.openxmlformats.org/presentationml/2006/main">
+  <p:cSld>
+    <p:spTree>
+      <p:nvGrpSpPr>
+        <p:cNvPr id="1" name=""/>
+        <p:cNvGrpSpPr/>
+        <p:nvPr/>
+      </p:nvGrpSpPr>
+      <p:grpSpPr>
+        <a:xfrm>
+          <a:off x="0" y="0"/>
+          <a:ext cx="0" cy="0"/>
+          <a:chOff x="0" y="0"/>
+          <a:chExt cx="0" cy="0"/>
+        </a:xfrm>
+      </p:grpSpPr>
+      <p:pic>
+        <p:nvPicPr>
+          <p:cNvPr id="258" name="Picture 257"/>
           <p:cNvPicPr>
             <a:picLocks noChangeAspect="1"/>
           </p:cNvPicPr>
@@ -8525,6 +6356,3423 @@
         </p:blipFill>
         <p:spPr>
           <a:xfrm>
+            <a:off x="14194" y="4761008"/>
+            <a:ext cx="693055" cy="578635"/>
+          </a:xfrm>
+          <a:prstGeom prst="rect">
+            <a:avLst/>
+          </a:prstGeom>
+        </p:spPr>
+      </p:pic>
+      <p:pic>
+        <p:nvPicPr>
+          <p:cNvPr id="257" name="Picture 256"/>
+          <p:cNvPicPr>
+            <a:picLocks noChangeAspect="1"/>
+          </p:cNvPicPr>
+          <p:nvPr/>
+        </p:nvPicPr>
+        <p:blipFill>
+          <a:blip r:embed="rId2" cstate="print">
+            <a:extLst>
+              <a:ext uri="{28A0092B-C50C-407E-A947-70E740481C1C}">
+                <a14:useLocalDpi xmlns:a14="http://schemas.microsoft.com/office/drawing/2010/main" val="0"/>
+              </a:ext>
+            </a:extLst>
+          </a:blip>
+          <a:stretch>
+            <a:fillRect/>
+          </a:stretch>
+        </p:blipFill>
+        <p:spPr>
+          <a:xfrm>
+            <a:off x="8334293" y="3011800"/>
+            <a:ext cx="693055" cy="578635"/>
+          </a:xfrm>
+          <a:prstGeom prst="rect">
+            <a:avLst/>
+          </a:prstGeom>
+        </p:spPr>
+      </p:pic>
+      <p:cxnSp>
+        <p:nvCxnSpPr>
+          <p:cNvPr id="131" name="Straight Arrow Connector 130"/>
+          <p:cNvCxnSpPr>
+            <a:endCxn id="141" idx="0"/>
+          </p:cNvCxnSpPr>
+          <p:nvPr/>
+        </p:nvCxnSpPr>
+        <p:spPr>
+          <a:xfrm flipH="1">
+            <a:off x="279980" y="838200"/>
+            <a:ext cx="3453820" cy="611970"/>
+          </a:xfrm>
+          <a:prstGeom prst="straightConnector1">
+            <a:avLst/>
+          </a:prstGeom>
+          <a:ln>
+            <a:tailEnd type="arrow"/>
+          </a:ln>
+        </p:spPr>
+        <p:style>
+          <a:lnRef idx="1">
+            <a:schemeClr val="accent1"/>
+          </a:lnRef>
+          <a:fillRef idx="0">
+            <a:schemeClr val="accent1"/>
+          </a:fillRef>
+          <a:effectRef idx="0">
+            <a:schemeClr val="accent1"/>
+          </a:effectRef>
+          <a:fontRef idx="minor">
+            <a:schemeClr val="tx1"/>
+          </a:fontRef>
+        </p:style>
+      </p:cxnSp>
+      <p:cxnSp>
+        <p:nvCxnSpPr>
+          <p:cNvPr id="132" name="Straight Arrow Connector 131"/>
+          <p:cNvCxnSpPr>
+            <a:endCxn id="133" idx="0"/>
+          </p:cNvCxnSpPr>
+          <p:nvPr/>
+        </p:nvCxnSpPr>
+        <p:spPr>
+          <a:xfrm flipH="1">
+            <a:off x="728899" y="838200"/>
+            <a:ext cx="3004902" cy="607412"/>
+          </a:xfrm>
+          <a:prstGeom prst="straightConnector1">
+            <a:avLst/>
+          </a:prstGeom>
+          <a:ln>
+            <a:tailEnd type="arrow"/>
+          </a:ln>
+        </p:spPr>
+        <p:style>
+          <a:lnRef idx="1">
+            <a:schemeClr val="accent1"/>
+          </a:lnRef>
+          <a:fillRef idx="0">
+            <a:schemeClr val="accent1"/>
+          </a:fillRef>
+          <a:effectRef idx="0">
+            <a:schemeClr val="accent1"/>
+          </a:effectRef>
+          <a:fontRef idx="minor">
+            <a:schemeClr val="tx1"/>
+          </a:fontRef>
+        </p:style>
+      </p:cxnSp>
+      <p:sp>
+        <p:nvSpPr>
+          <p:cNvPr id="133" name="TextBox 132"/>
+          <p:cNvSpPr txBox="1"/>
+          <p:nvPr/>
+        </p:nvSpPr>
+        <p:spPr>
+          <a:xfrm>
+            <a:off x="569240" y="1445612"/>
+            <a:ext cx="319318" cy="369332"/>
+          </a:xfrm>
+          <a:prstGeom prst="rect">
+            <a:avLst/>
+          </a:prstGeom>
+          <a:noFill/>
+        </p:spPr>
+        <p:txBody>
+          <a:bodyPr wrap="none" rtlCol="0">
+            <a:spAutoFit/>
+          </a:bodyPr>
+          <a:lstStyle/>
+          <a:p>
+            <a:r>
+              <a:rPr lang="en-US" b="1" dirty="0" smtClean="0">
+                <a:solidFill>
+                  <a:srgbClr val="00B050"/>
+                </a:solidFill>
+              </a:rPr>
+              <a:t>R</a:t>
+            </a:r>
+            <a:endParaRPr lang="en-US" b="1" dirty="0">
+              <a:solidFill>
+                <a:srgbClr val="00B050"/>
+              </a:solidFill>
+            </a:endParaRPr>
+          </a:p>
+        </p:txBody>
+      </p:sp>
+      <p:sp>
+        <p:nvSpPr>
+          <p:cNvPr id="134" name="TextBox 133"/>
+          <p:cNvSpPr txBox="1"/>
+          <p:nvPr/>
+        </p:nvSpPr>
+        <p:spPr>
+          <a:xfrm>
+            <a:off x="1023589" y="1450170"/>
+            <a:ext cx="335348" cy="369332"/>
+          </a:xfrm>
+          <a:prstGeom prst="rect">
+            <a:avLst/>
+          </a:prstGeom>
+          <a:noFill/>
+        </p:spPr>
+        <p:txBody>
+          <a:bodyPr wrap="none" rtlCol="0">
+            <a:spAutoFit/>
+          </a:bodyPr>
+          <a:lstStyle/>
+          <a:p>
+            <a:r>
+              <a:rPr lang="en-US" b="1" dirty="0">
+                <a:solidFill>
+                  <a:srgbClr val="FFC000"/>
+                </a:solidFill>
+              </a:rPr>
+              <a:t>U</a:t>
+            </a:r>
+          </a:p>
+        </p:txBody>
+      </p:sp>
+      <p:sp>
+        <p:nvSpPr>
+          <p:cNvPr id="135" name="TextBox 134"/>
+          <p:cNvSpPr txBox="1"/>
+          <p:nvPr/>
+        </p:nvSpPr>
+        <p:spPr>
+          <a:xfrm>
+            <a:off x="1425257" y="1450170"/>
+            <a:ext cx="319318" cy="369332"/>
+          </a:xfrm>
+          <a:prstGeom prst="rect">
+            <a:avLst/>
+          </a:prstGeom>
+          <a:noFill/>
+        </p:spPr>
+        <p:txBody>
+          <a:bodyPr wrap="none" rtlCol="0">
+            <a:spAutoFit/>
+          </a:bodyPr>
+          <a:lstStyle/>
+          <a:p>
+            <a:r>
+              <a:rPr lang="en-US" b="1" dirty="0">
+                <a:solidFill>
+                  <a:schemeClr val="bg1"/>
+                </a:solidFill>
+              </a:rPr>
+              <a:t>B</a:t>
+            </a:r>
+          </a:p>
+        </p:txBody>
+      </p:sp>
+      <p:sp>
+        <p:nvSpPr>
+          <p:cNvPr id="136" name="TextBox 135"/>
+          <p:cNvSpPr txBox="1"/>
+          <p:nvPr/>
+        </p:nvSpPr>
+        <p:spPr>
+          <a:xfrm>
+            <a:off x="1851150" y="1450170"/>
+            <a:ext cx="285656" cy="369332"/>
+          </a:xfrm>
+          <a:prstGeom prst="rect">
+            <a:avLst/>
+          </a:prstGeom>
+          <a:noFill/>
+        </p:spPr>
+        <p:txBody>
+          <a:bodyPr wrap="none" rtlCol="0">
+            <a:spAutoFit/>
+          </a:bodyPr>
+          <a:lstStyle/>
+          <a:p>
+            <a:r>
+              <a:rPr lang="en-US" b="1" dirty="0">
+                <a:solidFill>
+                  <a:srgbClr val="0070C0"/>
+                </a:solidFill>
+              </a:rPr>
+              <a:t>L</a:t>
+            </a:r>
+          </a:p>
+        </p:txBody>
+      </p:sp>
+      <p:sp>
+        <p:nvSpPr>
+          <p:cNvPr id="137" name="TextBox 136"/>
+          <p:cNvSpPr txBox="1"/>
+          <p:nvPr/>
+        </p:nvSpPr>
+        <p:spPr>
+          <a:xfrm>
+            <a:off x="2195223" y="1450170"/>
+            <a:ext cx="346570" cy="369332"/>
+          </a:xfrm>
+          <a:prstGeom prst="rect">
+            <a:avLst/>
+          </a:prstGeom>
+          <a:noFill/>
+        </p:spPr>
+        <p:txBody>
+          <a:bodyPr wrap="none" rtlCol="0">
+            <a:spAutoFit/>
+          </a:bodyPr>
+          <a:lstStyle/>
+          <a:p>
+            <a:r>
+              <a:rPr lang="en-US" b="1" dirty="0">
+                <a:solidFill>
+                  <a:srgbClr val="FF0000"/>
+                </a:solidFill>
+              </a:rPr>
+              <a:t>D</a:t>
+            </a:r>
+          </a:p>
+        </p:txBody>
+      </p:sp>
+      <p:sp>
+        <p:nvSpPr>
+          <p:cNvPr id="138" name="TextBox 137"/>
+          <p:cNvSpPr txBox="1"/>
+          <p:nvPr/>
+        </p:nvSpPr>
+        <p:spPr>
+          <a:xfrm>
+            <a:off x="2743200" y="1450170"/>
+            <a:ext cx="359394" cy="369332"/>
+          </a:xfrm>
+          <a:prstGeom prst="rect">
+            <a:avLst/>
+          </a:prstGeom>
+          <a:noFill/>
+        </p:spPr>
+        <p:txBody>
+          <a:bodyPr wrap="none" rtlCol="0">
+            <a:spAutoFit/>
+          </a:bodyPr>
+          <a:lstStyle/>
+          <a:p>
+            <a:r>
+              <a:rPr lang="en-US" b="1" dirty="0" smtClean="0">
+                <a:solidFill>
+                  <a:srgbClr val="FFFF00"/>
+                </a:solidFill>
+              </a:rPr>
+              <a:t>F’</a:t>
+            </a:r>
+            <a:endParaRPr lang="en-US" b="1" dirty="0">
+              <a:solidFill>
+                <a:srgbClr val="FFFF00"/>
+              </a:solidFill>
+            </a:endParaRPr>
+          </a:p>
+        </p:txBody>
+      </p:sp>
+      <p:sp>
+        <p:nvSpPr>
+          <p:cNvPr id="139" name="TextBox 138"/>
+          <p:cNvSpPr txBox="1"/>
+          <p:nvPr/>
+        </p:nvSpPr>
+        <p:spPr>
+          <a:xfrm>
+            <a:off x="3200400" y="1450170"/>
+            <a:ext cx="383438" cy="369332"/>
+          </a:xfrm>
+          <a:prstGeom prst="rect">
+            <a:avLst/>
+          </a:prstGeom>
+          <a:noFill/>
+        </p:spPr>
+        <p:txBody>
+          <a:bodyPr wrap="none" rtlCol="0">
+            <a:spAutoFit/>
+          </a:bodyPr>
+          <a:lstStyle/>
+          <a:p>
+            <a:r>
+              <a:rPr lang="en-US" b="1" dirty="0" smtClean="0">
+                <a:solidFill>
+                  <a:srgbClr val="00B050"/>
+                </a:solidFill>
+              </a:rPr>
+              <a:t>R’</a:t>
+            </a:r>
+            <a:endParaRPr lang="en-US" b="1" dirty="0">
+              <a:solidFill>
+                <a:srgbClr val="00B050"/>
+              </a:solidFill>
+            </a:endParaRPr>
+          </a:p>
+        </p:txBody>
+      </p:sp>
+      <p:sp>
+        <p:nvSpPr>
+          <p:cNvPr id="140" name="TextBox 139"/>
+          <p:cNvSpPr txBox="1"/>
+          <p:nvPr/>
+        </p:nvSpPr>
+        <p:spPr>
+          <a:xfrm>
+            <a:off x="3810000" y="1445612"/>
+            <a:ext cx="394660" cy="369332"/>
+          </a:xfrm>
+          <a:prstGeom prst="rect">
+            <a:avLst/>
+          </a:prstGeom>
+          <a:noFill/>
+        </p:spPr>
+        <p:txBody>
+          <a:bodyPr wrap="none" rtlCol="0">
+            <a:spAutoFit/>
+          </a:bodyPr>
+          <a:lstStyle/>
+          <a:p>
+            <a:r>
+              <a:rPr lang="en-US" b="1" dirty="0" smtClean="0">
+                <a:solidFill>
+                  <a:srgbClr val="FFC000"/>
+                </a:solidFill>
+              </a:rPr>
+              <a:t>U’</a:t>
+            </a:r>
+            <a:endParaRPr lang="en-US" b="1" dirty="0">
+              <a:solidFill>
+                <a:srgbClr val="FFC000"/>
+              </a:solidFill>
+            </a:endParaRPr>
+          </a:p>
+        </p:txBody>
+      </p:sp>
+      <p:sp>
+        <p:nvSpPr>
+          <p:cNvPr id="141" name="TextBox 140"/>
+          <p:cNvSpPr txBox="1"/>
+          <p:nvPr/>
+        </p:nvSpPr>
+        <p:spPr>
+          <a:xfrm>
+            <a:off x="134748" y="1450170"/>
+            <a:ext cx="290464" cy="369332"/>
+          </a:xfrm>
+          <a:prstGeom prst="rect">
+            <a:avLst/>
+          </a:prstGeom>
+          <a:noFill/>
+        </p:spPr>
+        <p:txBody>
+          <a:bodyPr wrap="none" rtlCol="0">
+            <a:spAutoFit/>
+          </a:bodyPr>
+          <a:lstStyle/>
+          <a:p>
+            <a:r>
+              <a:rPr lang="en-US" b="1" dirty="0" smtClean="0">
+                <a:solidFill>
+                  <a:srgbClr val="FFFF00"/>
+                </a:solidFill>
+              </a:rPr>
+              <a:t>F</a:t>
+            </a:r>
+            <a:endParaRPr lang="en-US" b="1" dirty="0">
+              <a:solidFill>
+                <a:srgbClr val="FFFF00"/>
+              </a:solidFill>
+            </a:endParaRPr>
+          </a:p>
+        </p:txBody>
+      </p:sp>
+      <p:sp>
+        <p:nvSpPr>
+          <p:cNvPr id="142" name="TextBox 141"/>
+          <p:cNvSpPr txBox="1"/>
+          <p:nvPr/>
+        </p:nvSpPr>
+        <p:spPr>
+          <a:xfrm>
+            <a:off x="4343400" y="1450170"/>
+            <a:ext cx="383438" cy="369332"/>
+          </a:xfrm>
+          <a:prstGeom prst="rect">
+            <a:avLst/>
+          </a:prstGeom>
+          <a:noFill/>
+        </p:spPr>
+        <p:txBody>
+          <a:bodyPr wrap="none" rtlCol="0">
+            <a:spAutoFit/>
+          </a:bodyPr>
+          <a:lstStyle/>
+          <a:p>
+            <a:r>
+              <a:rPr lang="en-US" b="1" dirty="0" smtClean="0">
+                <a:solidFill>
+                  <a:schemeClr val="bg1"/>
+                </a:solidFill>
+              </a:rPr>
+              <a:t>B’</a:t>
+            </a:r>
+            <a:endParaRPr lang="en-US" b="1" dirty="0">
+              <a:solidFill>
+                <a:schemeClr val="bg1"/>
+              </a:solidFill>
+            </a:endParaRPr>
+          </a:p>
+        </p:txBody>
+      </p:sp>
+      <p:sp>
+        <p:nvSpPr>
+          <p:cNvPr id="143" name="TextBox 142"/>
+          <p:cNvSpPr txBox="1"/>
+          <p:nvPr/>
+        </p:nvSpPr>
+        <p:spPr>
+          <a:xfrm>
+            <a:off x="4928509" y="1450170"/>
+            <a:ext cx="349776" cy="369332"/>
+          </a:xfrm>
+          <a:prstGeom prst="rect">
+            <a:avLst/>
+          </a:prstGeom>
+          <a:noFill/>
+        </p:spPr>
+        <p:txBody>
+          <a:bodyPr wrap="none" rtlCol="0">
+            <a:spAutoFit/>
+          </a:bodyPr>
+          <a:lstStyle/>
+          <a:p>
+            <a:r>
+              <a:rPr lang="en-US" b="1" dirty="0" smtClean="0">
+                <a:solidFill>
+                  <a:srgbClr val="0070C0"/>
+                </a:solidFill>
+              </a:rPr>
+              <a:t>L’</a:t>
+            </a:r>
+            <a:endParaRPr lang="en-US" b="1" dirty="0">
+              <a:solidFill>
+                <a:srgbClr val="0070C0"/>
+              </a:solidFill>
+            </a:endParaRPr>
+          </a:p>
+        </p:txBody>
+      </p:sp>
+      <p:sp>
+        <p:nvSpPr>
+          <p:cNvPr id="144" name="TextBox 143"/>
+          <p:cNvSpPr txBox="1"/>
+          <p:nvPr/>
+        </p:nvSpPr>
+        <p:spPr>
+          <a:xfrm>
+            <a:off x="5334000" y="1450170"/>
+            <a:ext cx="410690" cy="369332"/>
+          </a:xfrm>
+          <a:prstGeom prst="rect">
+            <a:avLst/>
+          </a:prstGeom>
+          <a:noFill/>
+        </p:spPr>
+        <p:txBody>
+          <a:bodyPr wrap="none" rtlCol="0">
+            <a:spAutoFit/>
+          </a:bodyPr>
+          <a:lstStyle/>
+          <a:p>
+            <a:r>
+              <a:rPr lang="en-US" b="1" dirty="0" smtClean="0">
+                <a:solidFill>
+                  <a:srgbClr val="FF0000"/>
+                </a:solidFill>
+              </a:rPr>
+              <a:t>D’</a:t>
+            </a:r>
+            <a:endParaRPr lang="en-US" b="1" dirty="0">
+              <a:solidFill>
+                <a:srgbClr val="FF0000"/>
+              </a:solidFill>
+            </a:endParaRPr>
+          </a:p>
+        </p:txBody>
+      </p:sp>
+      <p:sp>
+        <p:nvSpPr>
+          <p:cNvPr id="145" name="TextBox 144"/>
+          <p:cNvSpPr txBox="1"/>
+          <p:nvPr/>
+        </p:nvSpPr>
+        <p:spPr>
+          <a:xfrm>
+            <a:off x="7518128" y="1445612"/>
+            <a:ext cx="449162" cy="369332"/>
+          </a:xfrm>
+          <a:prstGeom prst="rect">
+            <a:avLst/>
+          </a:prstGeom>
+          <a:noFill/>
+        </p:spPr>
+        <p:txBody>
+          <a:bodyPr wrap="none" rtlCol="0">
+            <a:spAutoFit/>
+          </a:bodyPr>
+          <a:lstStyle/>
+          <a:p>
+            <a:r>
+              <a:rPr lang="en-US" b="1" dirty="0" smtClean="0">
+                <a:solidFill>
+                  <a:schemeClr val="bg1"/>
+                </a:solidFill>
+              </a:rPr>
+              <a:t>B2</a:t>
+            </a:r>
+            <a:endParaRPr lang="en-US" b="1" dirty="0">
+              <a:solidFill>
+                <a:schemeClr val="bg1"/>
+              </a:solidFill>
+            </a:endParaRPr>
+          </a:p>
+        </p:txBody>
+      </p:sp>
+      <p:sp>
+        <p:nvSpPr>
+          <p:cNvPr id="146" name="TextBox 145"/>
+          <p:cNvSpPr txBox="1"/>
+          <p:nvPr/>
+        </p:nvSpPr>
+        <p:spPr>
+          <a:xfrm>
+            <a:off x="5867400" y="1450170"/>
+            <a:ext cx="425116" cy="369332"/>
+          </a:xfrm>
+          <a:prstGeom prst="rect">
+            <a:avLst/>
+          </a:prstGeom>
+          <a:noFill/>
+        </p:spPr>
+        <p:txBody>
+          <a:bodyPr wrap="none" rtlCol="0">
+            <a:spAutoFit/>
+          </a:bodyPr>
+          <a:lstStyle/>
+          <a:p>
+            <a:r>
+              <a:rPr lang="en-US" b="1" dirty="0" smtClean="0">
+                <a:solidFill>
+                  <a:srgbClr val="FFFF00"/>
+                </a:solidFill>
+              </a:rPr>
+              <a:t>F2</a:t>
+            </a:r>
+            <a:endParaRPr lang="en-US" b="1" dirty="0">
+              <a:solidFill>
+                <a:srgbClr val="FFFF00"/>
+              </a:solidFill>
+            </a:endParaRPr>
+          </a:p>
+        </p:txBody>
+      </p:sp>
+      <p:sp>
+        <p:nvSpPr>
+          <p:cNvPr id="147" name="TextBox 146"/>
+          <p:cNvSpPr txBox="1"/>
+          <p:nvPr/>
+        </p:nvSpPr>
+        <p:spPr>
+          <a:xfrm>
+            <a:off x="6400800" y="1450170"/>
+            <a:ext cx="449162" cy="369332"/>
+          </a:xfrm>
+          <a:prstGeom prst="rect">
+            <a:avLst/>
+          </a:prstGeom>
+          <a:noFill/>
+        </p:spPr>
+        <p:txBody>
+          <a:bodyPr wrap="none" rtlCol="0">
+            <a:spAutoFit/>
+          </a:bodyPr>
+          <a:lstStyle/>
+          <a:p>
+            <a:r>
+              <a:rPr lang="en-US" b="1" dirty="0" smtClean="0">
+                <a:solidFill>
+                  <a:srgbClr val="00B050"/>
+                </a:solidFill>
+              </a:rPr>
+              <a:t>R2</a:t>
+            </a:r>
+            <a:endParaRPr lang="en-US" b="1" dirty="0">
+              <a:solidFill>
+                <a:srgbClr val="00B050"/>
+              </a:solidFill>
+            </a:endParaRPr>
+          </a:p>
+        </p:txBody>
+      </p:sp>
+      <p:sp>
+        <p:nvSpPr>
+          <p:cNvPr id="148" name="TextBox 147"/>
+          <p:cNvSpPr txBox="1"/>
+          <p:nvPr/>
+        </p:nvSpPr>
+        <p:spPr>
+          <a:xfrm>
+            <a:off x="6934200" y="1450170"/>
+            <a:ext cx="461986" cy="369332"/>
+          </a:xfrm>
+          <a:prstGeom prst="rect">
+            <a:avLst/>
+          </a:prstGeom>
+          <a:noFill/>
+        </p:spPr>
+        <p:txBody>
+          <a:bodyPr wrap="none" rtlCol="0">
+            <a:spAutoFit/>
+          </a:bodyPr>
+          <a:lstStyle/>
+          <a:p>
+            <a:r>
+              <a:rPr lang="en-US" b="1" dirty="0" smtClean="0">
+                <a:solidFill>
+                  <a:srgbClr val="FFC000"/>
+                </a:solidFill>
+              </a:rPr>
+              <a:t>U2</a:t>
+            </a:r>
+            <a:endParaRPr lang="en-US" b="1" dirty="0">
+              <a:solidFill>
+                <a:srgbClr val="FFC000"/>
+              </a:solidFill>
+            </a:endParaRPr>
+          </a:p>
+        </p:txBody>
+      </p:sp>
+      <p:sp>
+        <p:nvSpPr>
+          <p:cNvPr id="149" name="TextBox 148"/>
+          <p:cNvSpPr txBox="1"/>
+          <p:nvPr/>
+        </p:nvSpPr>
+        <p:spPr>
+          <a:xfrm>
+            <a:off x="7972134" y="1445612"/>
+            <a:ext cx="415498" cy="369332"/>
+          </a:xfrm>
+          <a:prstGeom prst="rect">
+            <a:avLst/>
+          </a:prstGeom>
+          <a:noFill/>
+        </p:spPr>
+        <p:txBody>
+          <a:bodyPr wrap="none" rtlCol="0">
+            <a:spAutoFit/>
+          </a:bodyPr>
+          <a:lstStyle/>
+          <a:p>
+            <a:r>
+              <a:rPr lang="en-US" b="1" dirty="0" smtClean="0">
+                <a:solidFill>
+                  <a:srgbClr val="0070C0"/>
+                </a:solidFill>
+              </a:rPr>
+              <a:t>L2</a:t>
+            </a:r>
+            <a:endParaRPr lang="en-US" b="1" dirty="0">
+              <a:solidFill>
+                <a:srgbClr val="0070C0"/>
+              </a:solidFill>
+            </a:endParaRPr>
+          </a:p>
+        </p:txBody>
+      </p:sp>
+      <p:sp>
+        <p:nvSpPr>
+          <p:cNvPr id="150" name="TextBox 149"/>
+          <p:cNvSpPr txBox="1"/>
+          <p:nvPr/>
+        </p:nvSpPr>
+        <p:spPr>
+          <a:xfrm>
+            <a:off x="8382000" y="1450170"/>
+            <a:ext cx="476412" cy="369332"/>
+          </a:xfrm>
+          <a:prstGeom prst="rect">
+            <a:avLst/>
+          </a:prstGeom>
+          <a:noFill/>
+        </p:spPr>
+        <p:txBody>
+          <a:bodyPr wrap="none" rtlCol="0">
+            <a:spAutoFit/>
+          </a:bodyPr>
+          <a:lstStyle/>
+          <a:p>
+            <a:r>
+              <a:rPr lang="en-US" b="1" dirty="0" smtClean="0">
+                <a:solidFill>
+                  <a:srgbClr val="FF0000"/>
+                </a:solidFill>
+              </a:rPr>
+              <a:t>D2</a:t>
+            </a:r>
+            <a:endParaRPr lang="en-US" b="1" dirty="0">
+              <a:solidFill>
+                <a:srgbClr val="FF0000"/>
+              </a:solidFill>
+            </a:endParaRPr>
+          </a:p>
+        </p:txBody>
+      </p:sp>
+      <p:cxnSp>
+        <p:nvCxnSpPr>
+          <p:cNvPr id="151" name="Straight Arrow Connector 150"/>
+          <p:cNvCxnSpPr>
+            <a:endCxn id="135" idx="0"/>
+          </p:cNvCxnSpPr>
+          <p:nvPr/>
+        </p:nvCxnSpPr>
+        <p:spPr>
+          <a:xfrm flipH="1">
+            <a:off x="1584916" y="838200"/>
+            <a:ext cx="2148884" cy="611970"/>
+          </a:xfrm>
+          <a:prstGeom prst="straightConnector1">
+            <a:avLst/>
+          </a:prstGeom>
+          <a:ln>
+            <a:tailEnd type="arrow"/>
+          </a:ln>
+        </p:spPr>
+        <p:style>
+          <a:lnRef idx="1">
+            <a:schemeClr val="accent1"/>
+          </a:lnRef>
+          <a:fillRef idx="0">
+            <a:schemeClr val="accent1"/>
+          </a:fillRef>
+          <a:effectRef idx="0">
+            <a:schemeClr val="accent1"/>
+          </a:effectRef>
+          <a:fontRef idx="minor">
+            <a:schemeClr val="tx1"/>
+          </a:fontRef>
+        </p:style>
+      </p:cxnSp>
+      <p:cxnSp>
+        <p:nvCxnSpPr>
+          <p:cNvPr id="152" name="Straight Arrow Connector 151"/>
+          <p:cNvCxnSpPr>
+            <a:endCxn id="134" idx="0"/>
+          </p:cNvCxnSpPr>
+          <p:nvPr/>
+        </p:nvCxnSpPr>
+        <p:spPr>
+          <a:xfrm flipH="1">
+            <a:off x="1191263" y="838200"/>
+            <a:ext cx="2542537" cy="611970"/>
+          </a:xfrm>
+          <a:prstGeom prst="straightConnector1">
+            <a:avLst/>
+          </a:prstGeom>
+          <a:ln>
+            <a:tailEnd type="arrow"/>
+          </a:ln>
+        </p:spPr>
+        <p:style>
+          <a:lnRef idx="1">
+            <a:schemeClr val="accent1"/>
+          </a:lnRef>
+          <a:fillRef idx="0">
+            <a:schemeClr val="accent1"/>
+          </a:fillRef>
+          <a:effectRef idx="0">
+            <a:schemeClr val="accent1"/>
+          </a:effectRef>
+          <a:fontRef idx="minor">
+            <a:schemeClr val="tx1"/>
+          </a:fontRef>
+        </p:style>
+      </p:cxnSp>
+      <p:cxnSp>
+        <p:nvCxnSpPr>
+          <p:cNvPr id="153" name="Straight Arrow Connector 152"/>
+          <p:cNvCxnSpPr>
+            <a:endCxn id="136" idx="0"/>
+          </p:cNvCxnSpPr>
+          <p:nvPr/>
+        </p:nvCxnSpPr>
+        <p:spPr>
+          <a:xfrm flipH="1">
+            <a:off x="1993978" y="838200"/>
+            <a:ext cx="1739823" cy="611970"/>
+          </a:xfrm>
+          <a:prstGeom prst="straightConnector1">
+            <a:avLst/>
+          </a:prstGeom>
+          <a:ln>
+            <a:tailEnd type="arrow"/>
+          </a:ln>
+        </p:spPr>
+        <p:style>
+          <a:lnRef idx="1">
+            <a:schemeClr val="accent1"/>
+          </a:lnRef>
+          <a:fillRef idx="0">
+            <a:schemeClr val="accent1"/>
+          </a:fillRef>
+          <a:effectRef idx="0">
+            <a:schemeClr val="accent1"/>
+          </a:effectRef>
+          <a:fontRef idx="minor">
+            <a:schemeClr val="tx1"/>
+          </a:fontRef>
+        </p:style>
+      </p:cxnSp>
+      <p:cxnSp>
+        <p:nvCxnSpPr>
+          <p:cNvPr id="154" name="Straight Arrow Connector 153"/>
+          <p:cNvCxnSpPr>
+            <a:endCxn id="137" idx="0"/>
+          </p:cNvCxnSpPr>
+          <p:nvPr/>
+        </p:nvCxnSpPr>
+        <p:spPr>
+          <a:xfrm flipH="1">
+            <a:off x="2368508" y="838200"/>
+            <a:ext cx="1365293" cy="611970"/>
+          </a:xfrm>
+          <a:prstGeom prst="straightConnector1">
+            <a:avLst/>
+          </a:prstGeom>
+          <a:ln>
+            <a:tailEnd type="arrow"/>
+          </a:ln>
+        </p:spPr>
+        <p:style>
+          <a:lnRef idx="1">
+            <a:schemeClr val="accent1"/>
+          </a:lnRef>
+          <a:fillRef idx="0">
+            <a:schemeClr val="accent1"/>
+          </a:fillRef>
+          <a:effectRef idx="0">
+            <a:schemeClr val="accent1"/>
+          </a:effectRef>
+          <a:fontRef idx="minor">
+            <a:schemeClr val="tx1"/>
+          </a:fontRef>
+        </p:style>
+      </p:cxnSp>
+      <p:cxnSp>
+        <p:nvCxnSpPr>
+          <p:cNvPr id="155" name="Straight Arrow Connector 154"/>
+          <p:cNvCxnSpPr>
+            <a:endCxn id="138" idx="0"/>
+          </p:cNvCxnSpPr>
+          <p:nvPr/>
+        </p:nvCxnSpPr>
+        <p:spPr>
+          <a:xfrm flipH="1">
+            <a:off x="2922897" y="838200"/>
+            <a:ext cx="810904" cy="611970"/>
+          </a:xfrm>
+          <a:prstGeom prst="straightConnector1">
+            <a:avLst/>
+          </a:prstGeom>
+          <a:ln>
+            <a:tailEnd type="arrow"/>
+          </a:ln>
+        </p:spPr>
+        <p:style>
+          <a:lnRef idx="1">
+            <a:schemeClr val="accent1"/>
+          </a:lnRef>
+          <a:fillRef idx="0">
+            <a:schemeClr val="accent1"/>
+          </a:fillRef>
+          <a:effectRef idx="0">
+            <a:schemeClr val="accent1"/>
+          </a:effectRef>
+          <a:fontRef idx="minor">
+            <a:schemeClr val="tx1"/>
+          </a:fontRef>
+        </p:style>
+      </p:cxnSp>
+      <p:cxnSp>
+        <p:nvCxnSpPr>
+          <p:cNvPr id="156" name="Straight Arrow Connector 155"/>
+          <p:cNvCxnSpPr>
+            <a:endCxn id="139" idx="0"/>
+          </p:cNvCxnSpPr>
+          <p:nvPr/>
+        </p:nvCxnSpPr>
+        <p:spPr>
+          <a:xfrm flipH="1">
+            <a:off x="3392119" y="838200"/>
+            <a:ext cx="341681" cy="611970"/>
+          </a:xfrm>
+          <a:prstGeom prst="straightConnector1">
+            <a:avLst/>
+          </a:prstGeom>
+          <a:ln>
+            <a:tailEnd type="arrow"/>
+          </a:ln>
+        </p:spPr>
+        <p:style>
+          <a:lnRef idx="1">
+            <a:schemeClr val="accent1"/>
+          </a:lnRef>
+          <a:fillRef idx="0">
+            <a:schemeClr val="accent1"/>
+          </a:fillRef>
+          <a:effectRef idx="0">
+            <a:schemeClr val="accent1"/>
+          </a:effectRef>
+          <a:fontRef idx="minor">
+            <a:schemeClr val="tx1"/>
+          </a:fontRef>
+        </p:style>
+      </p:cxnSp>
+      <p:cxnSp>
+        <p:nvCxnSpPr>
+          <p:cNvPr id="157" name="Straight Arrow Connector 156"/>
+          <p:cNvCxnSpPr>
+            <a:endCxn id="140" idx="0"/>
+          </p:cNvCxnSpPr>
+          <p:nvPr/>
+        </p:nvCxnSpPr>
+        <p:spPr>
+          <a:xfrm>
+            <a:off x="3733800" y="838200"/>
+            <a:ext cx="273530" cy="607412"/>
+          </a:xfrm>
+          <a:prstGeom prst="straightConnector1">
+            <a:avLst/>
+          </a:prstGeom>
+          <a:ln>
+            <a:tailEnd type="arrow"/>
+          </a:ln>
+        </p:spPr>
+        <p:style>
+          <a:lnRef idx="1">
+            <a:schemeClr val="accent1"/>
+          </a:lnRef>
+          <a:fillRef idx="0">
+            <a:schemeClr val="accent1"/>
+          </a:fillRef>
+          <a:effectRef idx="0">
+            <a:schemeClr val="accent1"/>
+          </a:effectRef>
+          <a:fontRef idx="minor">
+            <a:schemeClr val="tx1"/>
+          </a:fontRef>
+        </p:style>
+      </p:cxnSp>
+      <p:cxnSp>
+        <p:nvCxnSpPr>
+          <p:cNvPr id="158" name="Straight Arrow Connector 157"/>
+          <p:cNvCxnSpPr>
+            <a:endCxn id="142" idx="0"/>
+          </p:cNvCxnSpPr>
+          <p:nvPr/>
+        </p:nvCxnSpPr>
+        <p:spPr>
+          <a:xfrm flipH="1">
+            <a:off x="4535119" y="838200"/>
+            <a:ext cx="182101" cy="611970"/>
+          </a:xfrm>
+          <a:prstGeom prst="straightConnector1">
+            <a:avLst/>
+          </a:prstGeom>
+          <a:ln>
+            <a:tailEnd type="arrow"/>
+          </a:ln>
+        </p:spPr>
+        <p:style>
+          <a:lnRef idx="1">
+            <a:schemeClr val="accent1"/>
+          </a:lnRef>
+          <a:fillRef idx="0">
+            <a:schemeClr val="accent1"/>
+          </a:fillRef>
+          <a:effectRef idx="0">
+            <a:schemeClr val="accent1"/>
+          </a:effectRef>
+          <a:fontRef idx="minor">
+            <a:schemeClr val="tx1"/>
+          </a:fontRef>
+        </p:style>
+      </p:cxnSp>
+      <p:cxnSp>
+        <p:nvCxnSpPr>
+          <p:cNvPr id="159" name="Straight Arrow Connector 158"/>
+          <p:cNvCxnSpPr>
+            <a:endCxn id="143" idx="0"/>
+          </p:cNvCxnSpPr>
+          <p:nvPr/>
+        </p:nvCxnSpPr>
+        <p:spPr>
+          <a:xfrm>
+            <a:off x="4717220" y="838200"/>
+            <a:ext cx="386177" cy="611970"/>
+          </a:xfrm>
+          <a:prstGeom prst="straightConnector1">
+            <a:avLst/>
+          </a:prstGeom>
+          <a:ln>
+            <a:tailEnd type="arrow"/>
+          </a:ln>
+        </p:spPr>
+        <p:style>
+          <a:lnRef idx="1">
+            <a:schemeClr val="accent1"/>
+          </a:lnRef>
+          <a:fillRef idx="0">
+            <a:schemeClr val="accent1"/>
+          </a:fillRef>
+          <a:effectRef idx="0">
+            <a:schemeClr val="accent1"/>
+          </a:effectRef>
+          <a:fontRef idx="minor">
+            <a:schemeClr val="tx1"/>
+          </a:fontRef>
+        </p:style>
+      </p:cxnSp>
+      <p:cxnSp>
+        <p:nvCxnSpPr>
+          <p:cNvPr id="160" name="Straight Arrow Connector 159"/>
+          <p:cNvCxnSpPr>
+            <a:endCxn id="144" idx="0"/>
+          </p:cNvCxnSpPr>
+          <p:nvPr/>
+        </p:nvCxnSpPr>
+        <p:spPr>
+          <a:xfrm>
+            <a:off x="4717220" y="838200"/>
+            <a:ext cx="822125" cy="611970"/>
+          </a:xfrm>
+          <a:prstGeom prst="straightConnector1">
+            <a:avLst/>
+          </a:prstGeom>
+          <a:ln>
+            <a:tailEnd type="arrow"/>
+          </a:ln>
+        </p:spPr>
+        <p:style>
+          <a:lnRef idx="1">
+            <a:schemeClr val="accent1"/>
+          </a:lnRef>
+          <a:fillRef idx="0">
+            <a:schemeClr val="accent1"/>
+          </a:fillRef>
+          <a:effectRef idx="0">
+            <a:schemeClr val="accent1"/>
+          </a:effectRef>
+          <a:fontRef idx="minor">
+            <a:schemeClr val="tx1"/>
+          </a:fontRef>
+        </p:style>
+      </p:cxnSp>
+      <p:cxnSp>
+        <p:nvCxnSpPr>
+          <p:cNvPr id="161" name="Straight Arrow Connector 160"/>
+          <p:cNvCxnSpPr>
+            <a:endCxn id="146" idx="0"/>
+          </p:cNvCxnSpPr>
+          <p:nvPr/>
+        </p:nvCxnSpPr>
+        <p:spPr>
+          <a:xfrm>
+            <a:off x="4717220" y="838200"/>
+            <a:ext cx="1362738" cy="611970"/>
+          </a:xfrm>
+          <a:prstGeom prst="straightConnector1">
+            <a:avLst/>
+          </a:prstGeom>
+          <a:ln>
+            <a:tailEnd type="arrow"/>
+          </a:ln>
+        </p:spPr>
+        <p:style>
+          <a:lnRef idx="1">
+            <a:schemeClr val="accent1"/>
+          </a:lnRef>
+          <a:fillRef idx="0">
+            <a:schemeClr val="accent1"/>
+          </a:fillRef>
+          <a:effectRef idx="0">
+            <a:schemeClr val="accent1"/>
+          </a:effectRef>
+          <a:fontRef idx="minor">
+            <a:schemeClr val="tx1"/>
+          </a:fontRef>
+        </p:style>
+      </p:cxnSp>
+      <p:cxnSp>
+        <p:nvCxnSpPr>
+          <p:cNvPr id="162" name="Straight Arrow Connector 161"/>
+          <p:cNvCxnSpPr>
+            <a:endCxn id="147" idx="0"/>
+          </p:cNvCxnSpPr>
+          <p:nvPr/>
+        </p:nvCxnSpPr>
+        <p:spPr>
+          <a:xfrm>
+            <a:off x="4717220" y="838200"/>
+            <a:ext cx="1908161" cy="611970"/>
+          </a:xfrm>
+          <a:prstGeom prst="straightConnector1">
+            <a:avLst/>
+          </a:prstGeom>
+          <a:ln>
+            <a:tailEnd type="arrow"/>
+          </a:ln>
+        </p:spPr>
+        <p:style>
+          <a:lnRef idx="1">
+            <a:schemeClr val="accent1"/>
+          </a:lnRef>
+          <a:fillRef idx="0">
+            <a:schemeClr val="accent1"/>
+          </a:fillRef>
+          <a:effectRef idx="0">
+            <a:schemeClr val="accent1"/>
+          </a:effectRef>
+          <a:fontRef idx="minor">
+            <a:schemeClr val="tx1"/>
+          </a:fontRef>
+        </p:style>
+      </p:cxnSp>
+      <p:cxnSp>
+        <p:nvCxnSpPr>
+          <p:cNvPr id="163" name="Straight Arrow Connector 162"/>
+          <p:cNvCxnSpPr>
+            <a:endCxn id="148" idx="0"/>
+          </p:cNvCxnSpPr>
+          <p:nvPr/>
+        </p:nvCxnSpPr>
+        <p:spPr>
+          <a:xfrm>
+            <a:off x="4717220" y="838200"/>
+            <a:ext cx="2447973" cy="611970"/>
+          </a:xfrm>
+          <a:prstGeom prst="straightConnector1">
+            <a:avLst/>
+          </a:prstGeom>
+          <a:ln>
+            <a:tailEnd type="arrow"/>
+          </a:ln>
+        </p:spPr>
+        <p:style>
+          <a:lnRef idx="1">
+            <a:schemeClr val="accent1"/>
+          </a:lnRef>
+          <a:fillRef idx="0">
+            <a:schemeClr val="accent1"/>
+          </a:fillRef>
+          <a:effectRef idx="0">
+            <a:schemeClr val="accent1"/>
+          </a:effectRef>
+          <a:fontRef idx="minor">
+            <a:schemeClr val="tx1"/>
+          </a:fontRef>
+        </p:style>
+      </p:cxnSp>
+      <p:cxnSp>
+        <p:nvCxnSpPr>
+          <p:cNvPr id="164" name="Straight Arrow Connector 163"/>
+          <p:cNvCxnSpPr>
+            <a:endCxn id="145" idx="0"/>
+          </p:cNvCxnSpPr>
+          <p:nvPr/>
+        </p:nvCxnSpPr>
+        <p:spPr>
+          <a:xfrm>
+            <a:off x="4717220" y="838200"/>
+            <a:ext cx="3025489" cy="607412"/>
+          </a:xfrm>
+          <a:prstGeom prst="straightConnector1">
+            <a:avLst/>
+          </a:prstGeom>
+          <a:ln>
+            <a:tailEnd type="arrow"/>
+          </a:ln>
+        </p:spPr>
+        <p:style>
+          <a:lnRef idx="1">
+            <a:schemeClr val="accent1"/>
+          </a:lnRef>
+          <a:fillRef idx="0">
+            <a:schemeClr val="accent1"/>
+          </a:fillRef>
+          <a:effectRef idx="0">
+            <a:schemeClr val="accent1"/>
+          </a:effectRef>
+          <a:fontRef idx="minor">
+            <a:schemeClr val="tx1"/>
+          </a:fontRef>
+        </p:style>
+      </p:cxnSp>
+      <p:cxnSp>
+        <p:nvCxnSpPr>
+          <p:cNvPr id="165" name="Straight Arrow Connector 164"/>
+          <p:cNvCxnSpPr>
+            <a:endCxn id="149" idx="0"/>
+          </p:cNvCxnSpPr>
+          <p:nvPr/>
+        </p:nvCxnSpPr>
+        <p:spPr>
+          <a:xfrm>
+            <a:off x="4717220" y="838200"/>
+            <a:ext cx="3462663" cy="607412"/>
+          </a:xfrm>
+          <a:prstGeom prst="straightConnector1">
+            <a:avLst/>
+          </a:prstGeom>
+          <a:ln>
+            <a:tailEnd type="arrow"/>
+          </a:ln>
+        </p:spPr>
+        <p:style>
+          <a:lnRef idx="1">
+            <a:schemeClr val="accent1"/>
+          </a:lnRef>
+          <a:fillRef idx="0">
+            <a:schemeClr val="accent1"/>
+          </a:fillRef>
+          <a:effectRef idx="0">
+            <a:schemeClr val="accent1"/>
+          </a:effectRef>
+          <a:fontRef idx="minor">
+            <a:schemeClr val="tx1"/>
+          </a:fontRef>
+        </p:style>
+      </p:cxnSp>
+      <p:cxnSp>
+        <p:nvCxnSpPr>
+          <p:cNvPr id="166" name="Straight Arrow Connector 165"/>
+          <p:cNvCxnSpPr>
+            <a:endCxn id="150" idx="0"/>
+          </p:cNvCxnSpPr>
+          <p:nvPr/>
+        </p:nvCxnSpPr>
+        <p:spPr>
+          <a:xfrm>
+            <a:off x="4717220" y="838200"/>
+            <a:ext cx="3902986" cy="611970"/>
+          </a:xfrm>
+          <a:prstGeom prst="straightConnector1">
+            <a:avLst/>
+          </a:prstGeom>
+          <a:ln>
+            <a:tailEnd type="arrow"/>
+          </a:ln>
+        </p:spPr>
+        <p:style>
+          <a:lnRef idx="1">
+            <a:schemeClr val="accent1"/>
+          </a:lnRef>
+          <a:fillRef idx="0">
+            <a:schemeClr val="accent1"/>
+          </a:fillRef>
+          <a:effectRef idx="0">
+            <a:schemeClr val="accent1"/>
+          </a:effectRef>
+          <a:fontRef idx="minor">
+            <a:schemeClr val="tx1"/>
+          </a:fontRef>
+        </p:style>
+      </p:cxnSp>
+      <p:sp>
+        <p:nvSpPr>
+          <p:cNvPr id="168" name="TextBox 167"/>
+          <p:cNvSpPr txBox="1"/>
+          <p:nvPr/>
+        </p:nvSpPr>
+        <p:spPr>
+          <a:xfrm>
+            <a:off x="1056944" y="1889986"/>
+            <a:ext cx="268638" cy="400110"/>
+          </a:xfrm>
+          <a:prstGeom prst="rect">
+            <a:avLst/>
+          </a:prstGeom>
+          <a:noFill/>
+        </p:spPr>
+        <p:txBody>
+          <a:bodyPr wrap="square" rtlCol="0">
+            <a:spAutoFit/>
+          </a:bodyPr>
+          <a:lstStyle/>
+          <a:p>
+            <a:r>
+              <a:rPr lang="en-US" sz="2000" b="1" dirty="0" smtClean="0"/>
+              <a:t>.</a:t>
+            </a:r>
+            <a:endParaRPr lang="en-US" sz="2000" b="1" dirty="0"/>
+          </a:p>
+        </p:txBody>
+      </p:sp>
+      <p:sp>
+        <p:nvSpPr>
+          <p:cNvPr id="169" name="TextBox 168"/>
+          <p:cNvSpPr txBox="1"/>
+          <p:nvPr/>
+        </p:nvSpPr>
+        <p:spPr>
+          <a:xfrm>
+            <a:off x="1448193" y="1889986"/>
+            <a:ext cx="268638" cy="400110"/>
+          </a:xfrm>
+          <a:prstGeom prst="rect">
+            <a:avLst/>
+          </a:prstGeom>
+          <a:noFill/>
+        </p:spPr>
+        <p:txBody>
+          <a:bodyPr wrap="square" rtlCol="0">
+            <a:spAutoFit/>
+          </a:bodyPr>
+          <a:lstStyle/>
+          <a:p>
+            <a:r>
+              <a:rPr lang="en-US" sz="2000" b="1" dirty="0" smtClean="0"/>
+              <a:t>.</a:t>
+            </a:r>
+            <a:endParaRPr lang="en-US" sz="2000" b="1" dirty="0"/>
+          </a:p>
+        </p:txBody>
+      </p:sp>
+      <p:sp>
+        <p:nvSpPr>
+          <p:cNvPr id="170" name="TextBox 169"/>
+          <p:cNvSpPr txBox="1"/>
+          <p:nvPr/>
+        </p:nvSpPr>
+        <p:spPr>
+          <a:xfrm>
+            <a:off x="1872571" y="1889986"/>
+            <a:ext cx="268638" cy="400110"/>
+          </a:xfrm>
+          <a:prstGeom prst="rect">
+            <a:avLst/>
+          </a:prstGeom>
+          <a:noFill/>
+        </p:spPr>
+        <p:txBody>
+          <a:bodyPr wrap="square" rtlCol="0">
+            <a:spAutoFit/>
+          </a:bodyPr>
+          <a:lstStyle/>
+          <a:p>
+            <a:r>
+              <a:rPr lang="en-US" sz="2000" b="1" dirty="0" smtClean="0"/>
+              <a:t>.</a:t>
+            </a:r>
+            <a:endParaRPr lang="en-US" sz="2000" b="1" dirty="0"/>
+          </a:p>
+        </p:txBody>
+      </p:sp>
+      <p:sp>
+        <p:nvSpPr>
+          <p:cNvPr id="171" name="TextBox 170"/>
+          <p:cNvSpPr txBox="1"/>
+          <p:nvPr/>
+        </p:nvSpPr>
+        <p:spPr>
+          <a:xfrm>
+            <a:off x="2760825" y="1889986"/>
+            <a:ext cx="268638" cy="400110"/>
+          </a:xfrm>
+          <a:prstGeom prst="rect">
+            <a:avLst/>
+          </a:prstGeom>
+          <a:noFill/>
+        </p:spPr>
+        <p:txBody>
+          <a:bodyPr wrap="square" rtlCol="0">
+            <a:spAutoFit/>
+          </a:bodyPr>
+          <a:lstStyle/>
+          <a:p>
+            <a:r>
+              <a:rPr lang="en-US" sz="2000" b="1" dirty="0" smtClean="0"/>
+              <a:t>.</a:t>
+            </a:r>
+            <a:endParaRPr lang="en-US" sz="2000" b="1" dirty="0"/>
+          </a:p>
+        </p:txBody>
+      </p:sp>
+      <p:sp>
+        <p:nvSpPr>
+          <p:cNvPr id="172" name="TextBox 171"/>
+          <p:cNvSpPr txBox="1"/>
+          <p:nvPr/>
+        </p:nvSpPr>
+        <p:spPr>
+          <a:xfrm>
+            <a:off x="2226174" y="1889986"/>
+            <a:ext cx="268638" cy="400110"/>
+          </a:xfrm>
+          <a:prstGeom prst="rect">
+            <a:avLst/>
+          </a:prstGeom>
+          <a:noFill/>
+        </p:spPr>
+        <p:txBody>
+          <a:bodyPr wrap="square" rtlCol="0">
+            <a:spAutoFit/>
+          </a:bodyPr>
+          <a:lstStyle/>
+          <a:p>
+            <a:r>
+              <a:rPr lang="en-US" sz="2000" b="1" dirty="0" smtClean="0"/>
+              <a:t>.</a:t>
+            </a:r>
+            <a:endParaRPr lang="en-US" sz="2000" b="1" dirty="0"/>
+          </a:p>
+        </p:txBody>
+      </p:sp>
+      <p:sp>
+        <p:nvSpPr>
+          <p:cNvPr id="173" name="TextBox 172"/>
+          <p:cNvSpPr txBox="1"/>
+          <p:nvPr/>
+        </p:nvSpPr>
+        <p:spPr>
+          <a:xfrm>
+            <a:off x="3837253" y="1889986"/>
+            <a:ext cx="268638" cy="400110"/>
+          </a:xfrm>
+          <a:prstGeom prst="rect">
+            <a:avLst/>
+          </a:prstGeom>
+          <a:noFill/>
+        </p:spPr>
+        <p:txBody>
+          <a:bodyPr wrap="square" rtlCol="0">
+            <a:spAutoFit/>
+          </a:bodyPr>
+          <a:lstStyle/>
+          <a:p>
+            <a:r>
+              <a:rPr lang="en-US" sz="2000" b="1" dirty="0" smtClean="0"/>
+              <a:t>.</a:t>
+            </a:r>
+            <a:endParaRPr lang="en-US" sz="2000" b="1" dirty="0"/>
+          </a:p>
+        </p:txBody>
+      </p:sp>
+      <p:sp>
+        <p:nvSpPr>
+          <p:cNvPr id="174" name="TextBox 173"/>
+          <p:cNvSpPr txBox="1"/>
+          <p:nvPr/>
+        </p:nvSpPr>
+        <p:spPr>
+          <a:xfrm>
+            <a:off x="3236153" y="1896207"/>
+            <a:ext cx="268638" cy="400110"/>
+          </a:xfrm>
+          <a:prstGeom prst="rect">
+            <a:avLst/>
+          </a:prstGeom>
+          <a:noFill/>
+        </p:spPr>
+        <p:txBody>
+          <a:bodyPr wrap="square" rtlCol="0">
+            <a:spAutoFit/>
+          </a:bodyPr>
+          <a:lstStyle/>
+          <a:p>
+            <a:r>
+              <a:rPr lang="en-US" sz="2000" b="1" dirty="0" smtClean="0"/>
+              <a:t>.</a:t>
+            </a:r>
+            <a:endParaRPr lang="en-US" sz="2000" b="1" dirty="0"/>
+          </a:p>
+        </p:txBody>
+      </p:sp>
+      <p:sp>
+        <p:nvSpPr>
+          <p:cNvPr id="175" name="TextBox 174"/>
+          <p:cNvSpPr txBox="1"/>
+          <p:nvPr/>
+        </p:nvSpPr>
+        <p:spPr>
+          <a:xfrm>
+            <a:off x="4395991" y="1889986"/>
+            <a:ext cx="268638" cy="400110"/>
+          </a:xfrm>
+          <a:prstGeom prst="rect">
+            <a:avLst/>
+          </a:prstGeom>
+          <a:noFill/>
+        </p:spPr>
+        <p:txBody>
+          <a:bodyPr wrap="square" rtlCol="0">
+            <a:spAutoFit/>
+          </a:bodyPr>
+          <a:lstStyle/>
+          <a:p>
+            <a:r>
+              <a:rPr lang="en-US" sz="2000" b="1" dirty="0" smtClean="0"/>
+              <a:t>.</a:t>
+            </a:r>
+            <a:endParaRPr lang="en-US" sz="2000" b="1" dirty="0"/>
+          </a:p>
+        </p:txBody>
+      </p:sp>
+      <p:sp>
+        <p:nvSpPr>
+          <p:cNvPr id="176" name="TextBox 175"/>
+          <p:cNvSpPr txBox="1"/>
+          <p:nvPr/>
+        </p:nvSpPr>
+        <p:spPr>
+          <a:xfrm>
+            <a:off x="4989042" y="1889986"/>
+            <a:ext cx="268638" cy="400110"/>
+          </a:xfrm>
+          <a:prstGeom prst="rect">
+            <a:avLst/>
+          </a:prstGeom>
+          <a:noFill/>
+        </p:spPr>
+        <p:txBody>
+          <a:bodyPr wrap="square" rtlCol="0">
+            <a:spAutoFit/>
+          </a:bodyPr>
+          <a:lstStyle/>
+          <a:p>
+            <a:r>
+              <a:rPr lang="en-US" sz="2000" b="1" dirty="0" smtClean="0"/>
+              <a:t>.</a:t>
+            </a:r>
+            <a:endParaRPr lang="en-US" sz="2000" b="1" dirty="0"/>
+          </a:p>
+        </p:txBody>
+      </p:sp>
+      <p:sp>
+        <p:nvSpPr>
+          <p:cNvPr id="177" name="TextBox 176"/>
+          <p:cNvSpPr txBox="1"/>
+          <p:nvPr/>
+        </p:nvSpPr>
+        <p:spPr>
+          <a:xfrm>
+            <a:off x="5393953" y="1889985"/>
+            <a:ext cx="268638" cy="400110"/>
+          </a:xfrm>
+          <a:prstGeom prst="rect">
+            <a:avLst/>
+          </a:prstGeom>
+          <a:noFill/>
+        </p:spPr>
+        <p:txBody>
+          <a:bodyPr wrap="square" rtlCol="0">
+            <a:spAutoFit/>
+          </a:bodyPr>
+          <a:lstStyle/>
+          <a:p>
+            <a:r>
+              <a:rPr lang="en-US" sz="2000" b="1" dirty="0" smtClean="0"/>
+              <a:t>.</a:t>
+            </a:r>
+            <a:endParaRPr lang="en-US" sz="2000" b="1" dirty="0"/>
+          </a:p>
+        </p:txBody>
+      </p:sp>
+      <p:sp>
+        <p:nvSpPr>
+          <p:cNvPr id="178" name="TextBox 177"/>
+          <p:cNvSpPr txBox="1"/>
+          <p:nvPr/>
+        </p:nvSpPr>
+        <p:spPr>
+          <a:xfrm>
+            <a:off x="6482245" y="1889986"/>
+            <a:ext cx="268638" cy="400110"/>
+          </a:xfrm>
+          <a:prstGeom prst="rect">
+            <a:avLst/>
+          </a:prstGeom>
+          <a:noFill/>
+        </p:spPr>
+        <p:txBody>
+          <a:bodyPr wrap="square" rtlCol="0">
+            <a:spAutoFit/>
+          </a:bodyPr>
+          <a:lstStyle/>
+          <a:p>
+            <a:r>
+              <a:rPr lang="en-US" sz="2000" b="1" dirty="0" smtClean="0"/>
+              <a:t>.</a:t>
+            </a:r>
+            <a:endParaRPr lang="en-US" sz="2000" b="1" dirty="0"/>
+          </a:p>
+        </p:txBody>
+      </p:sp>
+      <p:sp>
+        <p:nvSpPr>
+          <p:cNvPr id="179" name="TextBox 178"/>
+          <p:cNvSpPr txBox="1"/>
+          <p:nvPr/>
+        </p:nvSpPr>
+        <p:spPr>
+          <a:xfrm>
+            <a:off x="5936823" y="1889986"/>
+            <a:ext cx="268638" cy="400110"/>
+          </a:xfrm>
+          <a:prstGeom prst="rect">
+            <a:avLst/>
+          </a:prstGeom>
+          <a:noFill/>
+        </p:spPr>
+        <p:txBody>
+          <a:bodyPr wrap="square" rtlCol="0">
+            <a:spAutoFit/>
+          </a:bodyPr>
+          <a:lstStyle/>
+          <a:p>
+            <a:r>
+              <a:rPr lang="en-US" sz="2000" b="1" dirty="0" smtClean="0"/>
+              <a:t>.</a:t>
+            </a:r>
+            <a:endParaRPr lang="en-US" sz="2000" b="1" dirty="0"/>
+          </a:p>
+        </p:txBody>
+      </p:sp>
+      <p:sp>
+        <p:nvSpPr>
+          <p:cNvPr id="180" name="TextBox 179"/>
+          <p:cNvSpPr txBox="1"/>
+          <p:nvPr/>
+        </p:nvSpPr>
+        <p:spPr>
+          <a:xfrm>
+            <a:off x="7026065" y="1896966"/>
+            <a:ext cx="268638" cy="400110"/>
+          </a:xfrm>
+          <a:prstGeom prst="rect">
+            <a:avLst/>
+          </a:prstGeom>
+          <a:noFill/>
+        </p:spPr>
+        <p:txBody>
+          <a:bodyPr wrap="square" rtlCol="0">
+            <a:spAutoFit/>
+          </a:bodyPr>
+          <a:lstStyle/>
+          <a:p>
+            <a:r>
+              <a:rPr lang="en-US" sz="2000" b="1" dirty="0" smtClean="0"/>
+              <a:t>.</a:t>
+            </a:r>
+            <a:endParaRPr lang="en-US" sz="2000" b="1" dirty="0"/>
+          </a:p>
+        </p:txBody>
+      </p:sp>
+      <p:sp>
+        <p:nvSpPr>
+          <p:cNvPr id="181" name="TextBox 180"/>
+          <p:cNvSpPr txBox="1"/>
+          <p:nvPr/>
+        </p:nvSpPr>
+        <p:spPr>
+          <a:xfrm>
+            <a:off x="7599573" y="1889985"/>
+            <a:ext cx="268638" cy="400110"/>
+          </a:xfrm>
+          <a:prstGeom prst="rect">
+            <a:avLst/>
+          </a:prstGeom>
+          <a:noFill/>
+        </p:spPr>
+        <p:txBody>
+          <a:bodyPr wrap="square" rtlCol="0">
+            <a:spAutoFit/>
+          </a:bodyPr>
+          <a:lstStyle/>
+          <a:p>
+            <a:r>
+              <a:rPr lang="en-US" sz="2000" b="1" dirty="0" smtClean="0"/>
+              <a:t>.</a:t>
+            </a:r>
+            <a:endParaRPr lang="en-US" sz="2000" b="1" dirty="0"/>
+          </a:p>
+        </p:txBody>
+      </p:sp>
+      <p:cxnSp>
+        <p:nvCxnSpPr>
+          <p:cNvPr id="183" name="Straight Arrow Connector 182"/>
+          <p:cNvCxnSpPr/>
+          <p:nvPr/>
+        </p:nvCxnSpPr>
+        <p:spPr>
+          <a:xfrm>
+            <a:off x="8680821" y="2423786"/>
+            <a:ext cx="0" cy="243214"/>
+          </a:xfrm>
+          <a:prstGeom prst="straightConnector1">
+            <a:avLst/>
+          </a:prstGeom>
+          <a:ln>
+            <a:tailEnd type="arrow"/>
+          </a:ln>
+        </p:spPr>
+        <p:style>
+          <a:lnRef idx="1">
+            <a:schemeClr val="accent1"/>
+          </a:lnRef>
+          <a:fillRef idx="0">
+            <a:schemeClr val="accent1"/>
+          </a:fillRef>
+          <a:effectRef idx="0">
+            <a:schemeClr val="accent1"/>
+          </a:effectRef>
+          <a:fontRef idx="minor">
+            <a:schemeClr val="tx1"/>
+          </a:fontRef>
+        </p:style>
+      </p:cxnSp>
+      <p:sp>
+        <p:nvSpPr>
+          <p:cNvPr id="185" name="TextBox 184"/>
+          <p:cNvSpPr txBox="1"/>
+          <p:nvPr/>
+        </p:nvSpPr>
+        <p:spPr>
+          <a:xfrm>
+            <a:off x="8457042" y="2667000"/>
+            <a:ext cx="476412" cy="369332"/>
+          </a:xfrm>
+          <a:prstGeom prst="rect">
+            <a:avLst/>
+          </a:prstGeom>
+          <a:noFill/>
+        </p:spPr>
+        <p:txBody>
+          <a:bodyPr wrap="none" rtlCol="0">
+            <a:spAutoFit/>
+          </a:bodyPr>
+          <a:lstStyle/>
+          <a:p>
+            <a:r>
+              <a:rPr lang="en-US" b="1" dirty="0" smtClean="0">
+                <a:solidFill>
+                  <a:srgbClr val="FF0000"/>
+                </a:solidFill>
+              </a:rPr>
+              <a:t>D2</a:t>
+            </a:r>
+            <a:endParaRPr lang="en-US" b="1" dirty="0">
+              <a:solidFill>
+                <a:srgbClr val="FF0000"/>
+              </a:solidFill>
+            </a:endParaRPr>
+          </a:p>
+        </p:txBody>
+      </p:sp>
+      <p:cxnSp>
+        <p:nvCxnSpPr>
+          <p:cNvPr id="186" name="Straight Connector 185"/>
+          <p:cNvCxnSpPr/>
+          <p:nvPr/>
+        </p:nvCxnSpPr>
+        <p:spPr>
+          <a:xfrm>
+            <a:off x="8371602" y="3011800"/>
+            <a:ext cx="652541" cy="544179"/>
+          </a:xfrm>
+          <a:prstGeom prst="line">
+            <a:avLst/>
+          </a:prstGeom>
+          <a:ln w="76200">
+            <a:solidFill>
+              <a:srgbClr val="FF0000"/>
+            </a:solidFill>
+          </a:ln>
+        </p:spPr>
+        <p:style>
+          <a:lnRef idx="1">
+            <a:schemeClr val="accent1"/>
+          </a:lnRef>
+          <a:fillRef idx="0">
+            <a:schemeClr val="accent1"/>
+          </a:fillRef>
+          <a:effectRef idx="0">
+            <a:schemeClr val="accent1"/>
+          </a:effectRef>
+          <a:fontRef idx="minor">
+            <a:schemeClr val="tx1"/>
+          </a:fontRef>
+        </p:style>
+      </p:cxnSp>
+      <p:cxnSp>
+        <p:nvCxnSpPr>
+          <p:cNvPr id="187" name="Straight Connector 186"/>
+          <p:cNvCxnSpPr/>
+          <p:nvPr/>
+        </p:nvCxnSpPr>
+        <p:spPr>
+          <a:xfrm flipV="1">
+            <a:off x="8411730" y="3036333"/>
+            <a:ext cx="612413" cy="519646"/>
+          </a:xfrm>
+          <a:prstGeom prst="line">
+            <a:avLst/>
+          </a:prstGeom>
+          <a:ln w="76200">
+            <a:solidFill>
+              <a:srgbClr val="FF0000"/>
+            </a:solidFill>
+          </a:ln>
+        </p:spPr>
+        <p:style>
+          <a:lnRef idx="1">
+            <a:schemeClr val="accent1"/>
+          </a:lnRef>
+          <a:fillRef idx="0">
+            <a:schemeClr val="accent1"/>
+          </a:fillRef>
+          <a:effectRef idx="0">
+            <a:schemeClr val="accent1"/>
+          </a:effectRef>
+          <a:fontRef idx="minor">
+            <a:schemeClr val="tx1"/>
+          </a:fontRef>
+        </p:style>
+      </p:cxnSp>
+      <p:cxnSp>
+        <p:nvCxnSpPr>
+          <p:cNvPr id="188" name="Straight Arrow Connector 187"/>
+          <p:cNvCxnSpPr/>
+          <p:nvPr/>
+        </p:nvCxnSpPr>
+        <p:spPr>
+          <a:xfrm flipH="1">
+            <a:off x="279980" y="2360581"/>
+            <a:ext cx="10623" cy="306419"/>
+          </a:xfrm>
+          <a:prstGeom prst="straightConnector1">
+            <a:avLst/>
+          </a:prstGeom>
+          <a:ln>
+            <a:tailEnd type="arrow"/>
+          </a:ln>
+        </p:spPr>
+        <p:style>
+          <a:lnRef idx="1">
+            <a:schemeClr val="accent1"/>
+          </a:lnRef>
+          <a:fillRef idx="0">
+            <a:schemeClr val="accent1"/>
+          </a:fillRef>
+          <a:effectRef idx="0">
+            <a:schemeClr val="accent1"/>
+          </a:effectRef>
+          <a:fontRef idx="minor">
+            <a:schemeClr val="tx1"/>
+          </a:fontRef>
+        </p:style>
+      </p:cxnSp>
+      <p:sp>
+        <p:nvSpPr>
+          <p:cNvPr id="189" name="TextBox 188"/>
+          <p:cNvSpPr txBox="1"/>
+          <p:nvPr/>
+        </p:nvSpPr>
+        <p:spPr>
+          <a:xfrm>
+            <a:off x="134748" y="2700826"/>
+            <a:ext cx="295274" cy="369332"/>
+          </a:xfrm>
+          <a:prstGeom prst="rect">
+            <a:avLst/>
+          </a:prstGeom>
+          <a:noFill/>
+        </p:spPr>
+        <p:txBody>
+          <a:bodyPr wrap="none" rtlCol="0">
+            <a:spAutoFit/>
+          </a:bodyPr>
+          <a:lstStyle/>
+          <a:p>
+            <a:r>
+              <a:rPr lang="en-US" b="1" dirty="0" smtClean="0">
+                <a:solidFill>
+                  <a:srgbClr val="FFFF00"/>
+                </a:solidFill>
+              </a:rPr>
+              <a:t>F</a:t>
+            </a:r>
+            <a:endParaRPr lang="en-US" b="1" dirty="0">
+              <a:solidFill>
+                <a:srgbClr val="FFFF00"/>
+              </a:solidFill>
+            </a:endParaRPr>
+          </a:p>
+        </p:txBody>
+      </p:sp>
+      <p:cxnSp>
+        <p:nvCxnSpPr>
+          <p:cNvPr id="190" name="Straight Arrow Connector 189"/>
+          <p:cNvCxnSpPr/>
+          <p:nvPr/>
+        </p:nvCxnSpPr>
+        <p:spPr>
+          <a:xfrm flipH="1">
+            <a:off x="269357" y="3070158"/>
+            <a:ext cx="10623" cy="306419"/>
+          </a:xfrm>
+          <a:prstGeom prst="straightConnector1">
+            <a:avLst/>
+          </a:prstGeom>
+          <a:ln>
+            <a:tailEnd type="arrow"/>
+          </a:ln>
+        </p:spPr>
+        <p:style>
+          <a:lnRef idx="1">
+            <a:schemeClr val="accent1"/>
+          </a:lnRef>
+          <a:fillRef idx="0">
+            <a:schemeClr val="accent1"/>
+          </a:fillRef>
+          <a:effectRef idx="0">
+            <a:schemeClr val="accent1"/>
+          </a:effectRef>
+          <a:fontRef idx="minor">
+            <a:schemeClr val="tx1"/>
+          </a:fontRef>
+        </p:style>
+      </p:cxnSp>
+      <p:cxnSp>
+        <p:nvCxnSpPr>
+          <p:cNvPr id="191" name="Straight Arrow Connector 190"/>
+          <p:cNvCxnSpPr/>
+          <p:nvPr/>
+        </p:nvCxnSpPr>
+        <p:spPr>
+          <a:xfrm flipH="1">
+            <a:off x="274668" y="3745909"/>
+            <a:ext cx="10623" cy="306419"/>
+          </a:xfrm>
+          <a:prstGeom prst="straightConnector1">
+            <a:avLst/>
+          </a:prstGeom>
+          <a:ln>
+            <a:tailEnd type="arrow"/>
+          </a:ln>
+        </p:spPr>
+        <p:style>
+          <a:lnRef idx="1">
+            <a:schemeClr val="accent1"/>
+          </a:lnRef>
+          <a:fillRef idx="0">
+            <a:schemeClr val="accent1"/>
+          </a:fillRef>
+          <a:effectRef idx="0">
+            <a:schemeClr val="accent1"/>
+          </a:effectRef>
+          <a:fontRef idx="minor">
+            <a:schemeClr val="tx1"/>
+          </a:fontRef>
+        </p:style>
+      </p:cxnSp>
+      <p:sp>
+        <p:nvSpPr>
+          <p:cNvPr id="192" name="TextBox 191"/>
+          <p:cNvSpPr txBox="1"/>
+          <p:nvPr/>
+        </p:nvSpPr>
+        <p:spPr>
+          <a:xfrm>
+            <a:off x="134748" y="3376577"/>
+            <a:ext cx="295274" cy="369332"/>
+          </a:xfrm>
+          <a:prstGeom prst="rect">
+            <a:avLst/>
+          </a:prstGeom>
+          <a:noFill/>
+        </p:spPr>
+        <p:txBody>
+          <a:bodyPr wrap="none" rtlCol="0">
+            <a:spAutoFit/>
+          </a:bodyPr>
+          <a:lstStyle/>
+          <a:p>
+            <a:r>
+              <a:rPr lang="en-US" b="1" dirty="0" smtClean="0">
+                <a:solidFill>
+                  <a:srgbClr val="FFFF00"/>
+                </a:solidFill>
+              </a:rPr>
+              <a:t>F</a:t>
+            </a:r>
+            <a:endParaRPr lang="en-US" b="1" dirty="0">
+              <a:solidFill>
+                <a:srgbClr val="FFFF00"/>
+              </a:solidFill>
+            </a:endParaRPr>
+          </a:p>
+        </p:txBody>
+      </p:sp>
+      <p:sp>
+        <p:nvSpPr>
+          <p:cNvPr id="193" name="TextBox 192"/>
+          <p:cNvSpPr txBox="1"/>
+          <p:nvPr/>
+        </p:nvSpPr>
+        <p:spPr>
+          <a:xfrm>
+            <a:off x="134748" y="4052328"/>
+            <a:ext cx="295274" cy="369332"/>
+          </a:xfrm>
+          <a:prstGeom prst="rect">
+            <a:avLst/>
+          </a:prstGeom>
+          <a:noFill/>
+        </p:spPr>
+        <p:txBody>
+          <a:bodyPr wrap="none" rtlCol="0">
+            <a:spAutoFit/>
+          </a:bodyPr>
+          <a:lstStyle/>
+          <a:p>
+            <a:r>
+              <a:rPr lang="en-US" b="1" dirty="0" smtClean="0">
+                <a:solidFill>
+                  <a:srgbClr val="FFFF00"/>
+                </a:solidFill>
+              </a:rPr>
+              <a:t>F</a:t>
+            </a:r>
+            <a:endParaRPr lang="en-US" b="1" dirty="0">
+              <a:solidFill>
+                <a:srgbClr val="FFFF00"/>
+              </a:solidFill>
+            </a:endParaRPr>
+          </a:p>
+        </p:txBody>
+      </p:sp>
+      <p:cxnSp>
+        <p:nvCxnSpPr>
+          <p:cNvPr id="194" name="Straight Arrow Connector 193"/>
+          <p:cNvCxnSpPr/>
+          <p:nvPr/>
+        </p:nvCxnSpPr>
+        <p:spPr>
+          <a:xfrm flipH="1">
+            <a:off x="269357" y="4421659"/>
+            <a:ext cx="10623" cy="306419"/>
+          </a:xfrm>
+          <a:prstGeom prst="straightConnector1">
+            <a:avLst/>
+          </a:prstGeom>
+          <a:ln>
+            <a:tailEnd type="arrow"/>
+          </a:ln>
+        </p:spPr>
+        <p:style>
+          <a:lnRef idx="1">
+            <a:schemeClr val="accent1"/>
+          </a:lnRef>
+          <a:fillRef idx="0">
+            <a:schemeClr val="accent1"/>
+          </a:fillRef>
+          <a:effectRef idx="0">
+            <a:schemeClr val="accent1"/>
+          </a:effectRef>
+          <a:fontRef idx="minor">
+            <a:schemeClr val="tx1"/>
+          </a:fontRef>
+        </p:style>
+      </p:cxnSp>
+      <p:cxnSp>
+        <p:nvCxnSpPr>
+          <p:cNvPr id="196" name="Straight Connector 195"/>
+          <p:cNvCxnSpPr/>
+          <p:nvPr/>
+        </p:nvCxnSpPr>
+        <p:spPr>
+          <a:xfrm flipV="1">
+            <a:off x="45776" y="4752611"/>
+            <a:ext cx="612413" cy="519646"/>
+          </a:xfrm>
+          <a:prstGeom prst="line">
+            <a:avLst/>
+          </a:prstGeom>
+          <a:ln w="76200">
+            <a:solidFill>
+              <a:srgbClr val="FF0000"/>
+            </a:solidFill>
+          </a:ln>
+        </p:spPr>
+        <p:style>
+          <a:lnRef idx="1">
+            <a:schemeClr val="accent1"/>
+          </a:lnRef>
+          <a:fillRef idx="0">
+            <a:schemeClr val="accent1"/>
+          </a:fillRef>
+          <a:effectRef idx="0">
+            <a:schemeClr val="accent1"/>
+          </a:effectRef>
+          <a:fontRef idx="minor">
+            <a:schemeClr val="tx1"/>
+          </a:fontRef>
+        </p:style>
+      </p:cxnSp>
+      <p:cxnSp>
+        <p:nvCxnSpPr>
+          <p:cNvPr id="197" name="Straight Connector 196"/>
+          <p:cNvCxnSpPr/>
+          <p:nvPr/>
+        </p:nvCxnSpPr>
+        <p:spPr>
+          <a:xfrm>
+            <a:off x="14194" y="4728078"/>
+            <a:ext cx="652541" cy="544179"/>
+          </a:xfrm>
+          <a:prstGeom prst="line">
+            <a:avLst/>
+          </a:prstGeom>
+          <a:ln w="76200">
+            <a:solidFill>
+              <a:srgbClr val="FF0000"/>
+            </a:solidFill>
+          </a:ln>
+        </p:spPr>
+        <p:style>
+          <a:lnRef idx="1">
+            <a:schemeClr val="accent1"/>
+          </a:lnRef>
+          <a:fillRef idx="0">
+            <a:schemeClr val="accent1"/>
+          </a:fillRef>
+          <a:effectRef idx="0">
+            <a:schemeClr val="accent1"/>
+          </a:effectRef>
+          <a:fontRef idx="minor">
+            <a:schemeClr val="tx1"/>
+          </a:fontRef>
+        </p:style>
+      </p:cxnSp>
+      <p:cxnSp>
+        <p:nvCxnSpPr>
+          <p:cNvPr id="198" name="Straight Arrow Connector 197"/>
+          <p:cNvCxnSpPr/>
+          <p:nvPr/>
+        </p:nvCxnSpPr>
+        <p:spPr>
+          <a:xfrm>
+            <a:off x="290603" y="2360581"/>
+            <a:ext cx="375093" cy="306419"/>
+          </a:xfrm>
+          <a:prstGeom prst="straightConnector1">
+            <a:avLst/>
+          </a:prstGeom>
+          <a:ln>
+            <a:tailEnd type="arrow"/>
+          </a:ln>
+        </p:spPr>
+        <p:style>
+          <a:lnRef idx="1">
+            <a:schemeClr val="accent1"/>
+          </a:lnRef>
+          <a:fillRef idx="0">
+            <a:schemeClr val="accent1"/>
+          </a:fillRef>
+          <a:effectRef idx="0">
+            <a:schemeClr val="accent1"/>
+          </a:effectRef>
+          <a:fontRef idx="minor">
+            <a:schemeClr val="tx1"/>
+          </a:fontRef>
+        </p:style>
+      </p:cxnSp>
+      <p:sp>
+        <p:nvSpPr>
+          <p:cNvPr id="199" name="TextBox 198"/>
+          <p:cNvSpPr txBox="1"/>
+          <p:nvPr/>
+        </p:nvSpPr>
+        <p:spPr>
+          <a:xfrm>
+            <a:off x="780823" y="2667114"/>
+            <a:ext cx="335348" cy="369332"/>
+          </a:xfrm>
+          <a:prstGeom prst="rect">
+            <a:avLst/>
+          </a:prstGeom>
+          <a:noFill/>
+        </p:spPr>
+        <p:txBody>
+          <a:bodyPr wrap="none" rtlCol="0">
+            <a:spAutoFit/>
+          </a:bodyPr>
+          <a:lstStyle/>
+          <a:p>
+            <a:r>
+              <a:rPr lang="en-US" b="1" dirty="0">
+                <a:solidFill>
+                  <a:srgbClr val="FFC000"/>
+                </a:solidFill>
+              </a:rPr>
+              <a:t>U</a:t>
+            </a:r>
+          </a:p>
+        </p:txBody>
+      </p:sp>
+      <p:sp>
+        <p:nvSpPr>
+          <p:cNvPr id="200" name="TextBox 199"/>
+          <p:cNvSpPr txBox="1"/>
+          <p:nvPr/>
+        </p:nvSpPr>
+        <p:spPr>
+          <a:xfrm>
+            <a:off x="1395250" y="3038701"/>
+            <a:ext cx="425116" cy="369332"/>
+          </a:xfrm>
+          <a:prstGeom prst="rect">
+            <a:avLst/>
+          </a:prstGeom>
+          <a:noFill/>
+        </p:spPr>
+        <p:txBody>
+          <a:bodyPr wrap="none" rtlCol="0">
+            <a:spAutoFit/>
+          </a:bodyPr>
+          <a:lstStyle/>
+          <a:p>
+            <a:r>
+              <a:rPr lang="en-US" b="1" dirty="0" smtClean="0">
+                <a:solidFill>
+                  <a:srgbClr val="FFFF00"/>
+                </a:solidFill>
+              </a:rPr>
+              <a:t>F2</a:t>
+            </a:r>
+            <a:endParaRPr lang="en-US" b="1" dirty="0">
+              <a:solidFill>
+                <a:srgbClr val="FFFF00"/>
+              </a:solidFill>
+            </a:endParaRPr>
+          </a:p>
+        </p:txBody>
+      </p:sp>
+      <p:sp>
+        <p:nvSpPr>
+          <p:cNvPr id="201" name="TextBox 200"/>
+          <p:cNvSpPr txBox="1"/>
+          <p:nvPr/>
+        </p:nvSpPr>
+        <p:spPr>
+          <a:xfrm>
+            <a:off x="748763" y="3414590"/>
+            <a:ext cx="415498" cy="369332"/>
+          </a:xfrm>
+          <a:prstGeom prst="rect">
+            <a:avLst/>
+          </a:prstGeom>
+          <a:noFill/>
+        </p:spPr>
+        <p:txBody>
+          <a:bodyPr wrap="none" rtlCol="0">
+            <a:spAutoFit/>
+          </a:bodyPr>
+          <a:lstStyle/>
+          <a:p>
+            <a:r>
+              <a:rPr lang="en-US" b="1" dirty="0" smtClean="0">
+                <a:solidFill>
+                  <a:srgbClr val="0070C0"/>
+                </a:solidFill>
+              </a:rPr>
+              <a:t>L2</a:t>
+            </a:r>
+            <a:endParaRPr lang="en-US" b="1" dirty="0">
+              <a:solidFill>
+                <a:srgbClr val="0070C0"/>
+              </a:solidFill>
+            </a:endParaRPr>
+          </a:p>
+        </p:txBody>
+      </p:sp>
+      <p:sp>
+        <p:nvSpPr>
+          <p:cNvPr id="202" name="TextBox 201"/>
+          <p:cNvSpPr txBox="1"/>
+          <p:nvPr/>
+        </p:nvSpPr>
+        <p:spPr>
+          <a:xfrm>
+            <a:off x="1348529" y="3714452"/>
+            <a:ext cx="461986" cy="369332"/>
+          </a:xfrm>
+          <a:prstGeom prst="rect">
+            <a:avLst/>
+          </a:prstGeom>
+          <a:noFill/>
+        </p:spPr>
+        <p:txBody>
+          <a:bodyPr wrap="none" rtlCol="0">
+            <a:spAutoFit/>
+          </a:bodyPr>
+          <a:lstStyle/>
+          <a:p>
+            <a:r>
+              <a:rPr lang="en-US" b="1" dirty="0" smtClean="0">
+                <a:solidFill>
+                  <a:srgbClr val="FFC000"/>
+                </a:solidFill>
+              </a:rPr>
+              <a:t>U2</a:t>
+            </a:r>
+            <a:endParaRPr lang="en-US" b="1" dirty="0">
+              <a:solidFill>
+                <a:srgbClr val="FFC000"/>
+              </a:solidFill>
+            </a:endParaRPr>
+          </a:p>
+        </p:txBody>
+      </p:sp>
+      <p:sp>
+        <p:nvSpPr>
+          <p:cNvPr id="203" name="TextBox 202"/>
+          <p:cNvSpPr txBox="1"/>
+          <p:nvPr/>
+        </p:nvSpPr>
+        <p:spPr>
+          <a:xfrm>
+            <a:off x="732733" y="4107001"/>
+            <a:ext cx="449162" cy="369332"/>
+          </a:xfrm>
+          <a:prstGeom prst="rect">
+            <a:avLst/>
+          </a:prstGeom>
+          <a:noFill/>
+        </p:spPr>
+        <p:txBody>
+          <a:bodyPr wrap="none" rtlCol="0">
+            <a:spAutoFit/>
+          </a:bodyPr>
+          <a:lstStyle/>
+          <a:p>
+            <a:r>
+              <a:rPr lang="en-US" b="1" dirty="0" smtClean="0">
+                <a:solidFill>
+                  <a:schemeClr val="bg1"/>
+                </a:solidFill>
+              </a:rPr>
+              <a:t>B2</a:t>
+            </a:r>
+            <a:endParaRPr lang="en-US" b="1" dirty="0">
+              <a:solidFill>
+                <a:schemeClr val="bg1"/>
+              </a:solidFill>
+            </a:endParaRPr>
+          </a:p>
+        </p:txBody>
+      </p:sp>
+      <p:sp>
+        <p:nvSpPr>
+          <p:cNvPr id="204" name="TextBox 203"/>
+          <p:cNvSpPr txBox="1"/>
+          <p:nvPr/>
+        </p:nvSpPr>
+        <p:spPr>
+          <a:xfrm>
+            <a:off x="1414036" y="4391676"/>
+            <a:ext cx="349776" cy="369332"/>
+          </a:xfrm>
+          <a:prstGeom prst="rect">
+            <a:avLst/>
+          </a:prstGeom>
+          <a:noFill/>
+        </p:spPr>
+        <p:txBody>
+          <a:bodyPr wrap="none" rtlCol="0">
+            <a:spAutoFit/>
+          </a:bodyPr>
+          <a:lstStyle/>
+          <a:p>
+            <a:r>
+              <a:rPr lang="en-US" b="1" dirty="0" smtClean="0">
+                <a:solidFill>
+                  <a:srgbClr val="0070C0"/>
+                </a:solidFill>
+              </a:rPr>
+              <a:t>L’</a:t>
+            </a:r>
+            <a:endParaRPr lang="en-US" b="1" dirty="0">
+              <a:solidFill>
+                <a:srgbClr val="0070C0"/>
+              </a:solidFill>
+            </a:endParaRPr>
+          </a:p>
+        </p:txBody>
+      </p:sp>
+      <p:sp>
+        <p:nvSpPr>
+          <p:cNvPr id="205" name="TextBox 204"/>
+          <p:cNvSpPr txBox="1"/>
+          <p:nvPr/>
+        </p:nvSpPr>
+        <p:spPr>
+          <a:xfrm>
+            <a:off x="780823" y="4808944"/>
+            <a:ext cx="335348" cy="369332"/>
+          </a:xfrm>
+          <a:prstGeom prst="rect">
+            <a:avLst/>
+          </a:prstGeom>
+          <a:noFill/>
+        </p:spPr>
+        <p:txBody>
+          <a:bodyPr wrap="none" rtlCol="0">
+            <a:spAutoFit/>
+          </a:bodyPr>
+          <a:lstStyle/>
+          <a:p>
+            <a:r>
+              <a:rPr lang="en-US" b="1" dirty="0">
+                <a:solidFill>
+                  <a:srgbClr val="FFC000"/>
+                </a:solidFill>
+              </a:rPr>
+              <a:t>U</a:t>
+            </a:r>
+          </a:p>
+        </p:txBody>
+      </p:sp>
+      <p:sp>
+        <p:nvSpPr>
+          <p:cNvPr id="206" name="TextBox 205"/>
+          <p:cNvSpPr txBox="1"/>
+          <p:nvPr/>
+        </p:nvSpPr>
+        <p:spPr>
+          <a:xfrm>
+            <a:off x="1358937" y="5074800"/>
+            <a:ext cx="449162" cy="369332"/>
+          </a:xfrm>
+          <a:prstGeom prst="rect">
+            <a:avLst/>
+          </a:prstGeom>
+          <a:noFill/>
+        </p:spPr>
+        <p:txBody>
+          <a:bodyPr wrap="none" rtlCol="0">
+            <a:spAutoFit/>
+          </a:bodyPr>
+          <a:lstStyle/>
+          <a:p>
+            <a:r>
+              <a:rPr lang="en-US" b="1" dirty="0" smtClean="0">
+                <a:solidFill>
+                  <a:srgbClr val="00B050"/>
+                </a:solidFill>
+              </a:rPr>
+              <a:t>R2</a:t>
+            </a:r>
+            <a:endParaRPr lang="en-US" b="1" dirty="0">
+              <a:solidFill>
+                <a:srgbClr val="00B050"/>
+              </a:solidFill>
+            </a:endParaRPr>
+          </a:p>
+        </p:txBody>
+      </p:sp>
+      <p:sp>
+        <p:nvSpPr>
+          <p:cNvPr id="207" name="TextBox 206"/>
+          <p:cNvSpPr txBox="1"/>
+          <p:nvPr/>
+        </p:nvSpPr>
+        <p:spPr>
+          <a:xfrm>
+            <a:off x="813400" y="5467016"/>
+            <a:ext cx="295274" cy="369332"/>
+          </a:xfrm>
+          <a:prstGeom prst="rect">
+            <a:avLst/>
+          </a:prstGeom>
+          <a:noFill/>
+        </p:spPr>
+        <p:txBody>
+          <a:bodyPr wrap="none" rtlCol="0">
+            <a:spAutoFit/>
+          </a:bodyPr>
+          <a:lstStyle/>
+          <a:p>
+            <a:r>
+              <a:rPr lang="en-US" b="1" dirty="0" smtClean="0">
+                <a:solidFill>
+                  <a:srgbClr val="FFFF00"/>
+                </a:solidFill>
+              </a:rPr>
+              <a:t>F</a:t>
+            </a:r>
+            <a:endParaRPr lang="en-US" b="1" dirty="0">
+              <a:solidFill>
+                <a:srgbClr val="FFFF00"/>
+              </a:solidFill>
+            </a:endParaRPr>
+          </a:p>
+        </p:txBody>
+      </p:sp>
+      <p:sp>
+        <p:nvSpPr>
+          <p:cNvPr id="208" name="TextBox 207"/>
+          <p:cNvSpPr txBox="1"/>
+          <p:nvPr/>
+        </p:nvSpPr>
+        <p:spPr>
+          <a:xfrm>
+            <a:off x="1387791" y="5884705"/>
+            <a:ext cx="383438" cy="369332"/>
+          </a:xfrm>
+          <a:prstGeom prst="rect">
+            <a:avLst/>
+          </a:prstGeom>
+          <a:noFill/>
+        </p:spPr>
+        <p:txBody>
+          <a:bodyPr wrap="none" rtlCol="0">
+            <a:spAutoFit/>
+          </a:bodyPr>
+          <a:lstStyle/>
+          <a:p>
+            <a:r>
+              <a:rPr lang="en-US" b="1" dirty="0" smtClean="0">
+                <a:solidFill>
+                  <a:schemeClr val="bg1"/>
+                </a:solidFill>
+              </a:rPr>
+              <a:t>B’</a:t>
+            </a:r>
+            <a:endParaRPr lang="en-US" b="1" dirty="0">
+              <a:solidFill>
+                <a:schemeClr val="bg1"/>
+              </a:solidFill>
+            </a:endParaRPr>
+          </a:p>
+        </p:txBody>
+      </p:sp>
+      <p:cxnSp>
+        <p:nvCxnSpPr>
+          <p:cNvPr id="209" name="Straight Arrow Connector 208"/>
+          <p:cNvCxnSpPr>
+            <a:stCxn id="199" idx="2"/>
+            <a:endCxn id="200" idx="1"/>
+          </p:cNvCxnSpPr>
+          <p:nvPr/>
+        </p:nvCxnSpPr>
+        <p:spPr>
+          <a:xfrm>
+            <a:off x="948497" y="3036446"/>
+            <a:ext cx="446753" cy="186921"/>
+          </a:xfrm>
+          <a:prstGeom prst="straightConnector1">
+            <a:avLst/>
+          </a:prstGeom>
+          <a:ln>
+            <a:tailEnd type="arrow"/>
+          </a:ln>
+        </p:spPr>
+        <p:style>
+          <a:lnRef idx="1">
+            <a:schemeClr val="accent1"/>
+          </a:lnRef>
+          <a:fillRef idx="0">
+            <a:schemeClr val="accent1"/>
+          </a:fillRef>
+          <a:effectRef idx="0">
+            <a:schemeClr val="accent1"/>
+          </a:effectRef>
+          <a:fontRef idx="minor">
+            <a:schemeClr val="tx1"/>
+          </a:fontRef>
+        </p:style>
+      </p:cxnSp>
+      <p:cxnSp>
+        <p:nvCxnSpPr>
+          <p:cNvPr id="210" name="Straight Arrow Connector 209"/>
+          <p:cNvCxnSpPr>
+            <a:stCxn id="200" idx="2"/>
+            <a:endCxn id="201" idx="3"/>
+          </p:cNvCxnSpPr>
+          <p:nvPr/>
+        </p:nvCxnSpPr>
+        <p:spPr>
+          <a:xfrm flipH="1">
+            <a:off x="1164261" y="3408033"/>
+            <a:ext cx="443547" cy="191223"/>
+          </a:xfrm>
+          <a:prstGeom prst="straightConnector1">
+            <a:avLst/>
+          </a:prstGeom>
+          <a:ln>
+            <a:tailEnd type="arrow"/>
+          </a:ln>
+        </p:spPr>
+        <p:style>
+          <a:lnRef idx="1">
+            <a:schemeClr val="accent1"/>
+          </a:lnRef>
+          <a:fillRef idx="0">
+            <a:schemeClr val="accent1"/>
+          </a:fillRef>
+          <a:effectRef idx="0">
+            <a:schemeClr val="accent1"/>
+          </a:effectRef>
+          <a:fontRef idx="minor">
+            <a:schemeClr val="tx1"/>
+          </a:fontRef>
+        </p:style>
+      </p:cxnSp>
+      <p:cxnSp>
+        <p:nvCxnSpPr>
+          <p:cNvPr id="211" name="Straight Arrow Connector 210"/>
+          <p:cNvCxnSpPr>
+            <a:stCxn id="201" idx="2"/>
+            <a:endCxn id="202" idx="1"/>
+          </p:cNvCxnSpPr>
+          <p:nvPr/>
+        </p:nvCxnSpPr>
+        <p:spPr>
+          <a:xfrm>
+            <a:off x="956512" y="3783922"/>
+            <a:ext cx="392017" cy="115196"/>
+          </a:xfrm>
+          <a:prstGeom prst="straightConnector1">
+            <a:avLst/>
+          </a:prstGeom>
+          <a:ln>
+            <a:tailEnd type="arrow"/>
+          </a:ln>
+        </p:spPr>
+        <p:style>
+          <a:lnRef idx="1">
+            <a:schemeClr val="accent1"/>
+          </a:lnRef>
+          <a:fillRef idx="0">
+            <a:schemeClr val="accent1"/>
+          </a:fillRef>
+          <a:effectRef idx="0">
+            <a:schemeClr val="accent1"/>
+          </a:effectRef>
+          <a:fontRef idx="minor">
+            <a:schemeClr val="tx1"/>
+          </a:fontRef>
+        </p:style>
+      </p:cxnSp>
+      <p:cxnSp>
+        <p:nvCxnSpPr>
+          <p:cNvPr id="212" name="Straight Arrow Connector 211"/>
+          <p:cNvCxnSpPr>
+            <a:stCxn id="202" idx="2"/>
+            <a:endCxn id="203" idx="3"/>
+          </p:cNvCxnSpPr>
+          <p:nvPr/>
+        </p:nvCxnSpPr>
+        <p:spPr>
+          <a:xfrm flipH="1">
+            <a:off x="1181895" y="4083784"/>
+            <a:ext cx="397627" cy="207883"/>
+          </a:xfrm>
+          <a:prstGeom prst="straightConnector1">
+            <a:avLst/>
+          </a:prstGeom>
+          <a:ln>
+            <a:tailEnd type="arrow"/>
+          </a:ln>
+        </p:spPr>
+        <p:style>
+          <a:lnRef idx="1">
+            <a:schemeClr val="accent1"/>
+          </a:lnRef>
+          <a:fillRef idx="0">
+            <a:schemeClr val="accent1"/>
+          </a:fillRef>
+          <a:effectRef idx="0">
+            <a:schemeClr val="accent1"/>
+          </a:effectRef>
+          <a:fontRef idx="minor">
+            <a:schemeClr val="tx1"/>
+          </a:fontRef>
+        </p:style>
+      </p:cxnSp>
+      <p:cxnSp>
+        <p:nvCxnSpPr>
+          <p:cNvPr id="213" name="Straight Arrow Connector 212"/>
+          <p:cNvCxnSpPr>
+            <a:stCxn id="203" idx="2"/>
+            <a:endCxn id="204" idx="1"/>
+          </p:cNvCxnSpPr>
+          <p:nvPr/>
+        </p:nvCxnSpPr>
+        <p:spPr>
+          <a:xfrm>
+            <a:off x="957314" y="4476333"/>
+            <a:ext cx="456722" cy="100009"/>
+          </a:xfrm>
+          <a:prstGeom prst="straightConnector1">
+            <a:avLst/>
+          </a:prstGeom>
+          <a:ln>
+            <a:tailEnd type="arrow"/>
+          </a:ln>
+        </p:spPr>
+        <p:style>
+          <a:lnRef idx="1">
+            <a:schemeClr val="accent1"/>
+          </a:lnRef>
+          <a:fillRef idx="0">
+            <a:schemeClr val="accent1"/>
+          </a:fillRef>
+          <a:effectRef idx="0">
+            <a:schemeClr val="accent1"/>
+          </a:effectRef>
+          <a:fontRef idx="minor">
+            <a:schemeClr val="tx1"/>
+          </a:fontRef>
+        </p:style>
+      </p:cxnSp>
+      <p:cxnSp>
+        <p:nvCxnSpPr>
+          <p:cNvPr id="214" name="Straight Arrow Connector 213"/>
+          <p:cNvCxnSpPr>
+            <a:stCxn id="204" idx="2"/>
+            <a:endCxn id="205" idx="3"/>
+          </p:cNvCxnSpPr>
+          <p:nvPr/>
+        </p:nvCxnSpPr>
+        <p:spPr>
+          <a:xfrm flipH="1">
+            <a:off x="1116171" y="4761008"/>
+            <a:ext cx="472753" cy="232602"/>
+          </a:xfrm>
+          <a:prstGeom prst="straightConnector1">
+            <a:avLst/>
+          </a:prstGeom>
+          <a:ln>
+            <a:tailEnd type="arrow"/>
+          </a:ln>
+        </p:spPr>
+        <p:style>
+          <a:lnRef idx="1">
+            <a:schemeClr val="accent1"/>
+          </a:lnRef>
+          <a:fillRef idx="0">
+            <a:schemeClr val="accent1"/>
+          </a:fillRef>
+          <a:effectRef idx="0">
+            <a:schemeClr val="accent1"/>
+          </a:effectRef>
+          <a:fontRef idx="minor">
+            <a:schemeClr val="tx1"/>
+          </a:fontRef>
+        </p:style>
+      </p:cxnSp>
+      <p:cxnSp>
+        <p:nvCxnSpPr>
+          <p:cNvPr id="215" name="Straight Arrow Connector 214"/>
+          <p:cNvCxnSpPr>
+            <a:stCxn id="205" idx="2"/>
+            <a:endCxn id="206" idx="1"/>
+          </p:cNvCxnSpPr>
+          <p:nvPr/>
+        </p:nvCxnSpPr>
+        <p:spPr>
+          <a:xfrm>
+            <a:off x="948497" y="5178276"/>
+            <a:ext cx="410440" cy="81190"/>
+          </a:xfrm>
+          <a:prstGeom prst="straightConnector1">
+            <a:avLst/>
+          </a:prstGeom>
+          <a:ln>
+            <a:tailEnd type="arrow"/>
+          </a:ln>
+        </p:spPr>
+        <p:style>
+          <a:lnRef idx="1">
+            <a:schemeClr val="accent1"/>
+          </a:lnRef>
+          <a:fillRef idx="0">
+            <a:schemeClr val="accent1"/>
+          </a:fillRef>
+          <a:effectRef idx="0">
+            <a:schemeClr val="accent1"/>
+          </a:effectRef>
+          <a:fontRef idx="minor">
+            <a:schemeClr val="tx1"/>
+          </a:fontRef>
+        </p:style>
+      </p:cxnSp>
+      <p:cxnSp>
+        <p:nvCxnSpPr>
+          <p:cNvPr id="216" name="Straight Arrow Connector 215"/>
+          <p:cNvCxnSpPr>
+            <a:stCxn id="206" idx="2"/>
+            <a:endCxn id="207" idx="3"/>
+          </p:cNvCxnSpPr>
+          <p:nvPr/>
+        </p:nvCxnSpPr>
+        <p:spPr>
+          <a:xfrm flipH="1">
+            <a:off x="1108674" y="5444132"/>
+            <a:ext cx="474844" cy="207550"/>
+          </a:xfrm>
+          <a:prstGeom prst="straightConnector1">
+            <a:avLst/>
+          </a:prstGeom>
+          <a:ln>
+            <a:tailEnd type="arrow"/>
+          </a:ln>
+        </p:spPr>
+        <p:style>
+          <a:lnRef idx="1">
+            <a:schemeClr val="accent1"/>
+          </a:lnRef>
+          <a:fillRef idx="0">
+            <a:schemeClr val="accent1"/>
+          </a:fillRef>
+          <a:effectRef idx="0">
+            <a:schemeClr val="accent1"/>
+          </a:effectRef>
+          <a:fontRef idx="minor">
+            <a:schemeClr val="tx1"/>
+          </a:fontRef>
+        </p:style>
+      </p:cxnSp>
+      <p:cxnSp>
+        <p:nvCxnSpPr>
+          <p:cNvPr id="217" name="Straight Arrow Connector 216"/>
+          <p:cNvCxnSpPr>
+            <a:stCxn id="207" idx="2"/>
+            <a:endCxn id="208" idx="1"/>
+          </p:cNvCxnSpPr>
+          <p:nvPr/>
+        </p:nvCxnSpPr>
+        <p:spPr>
+          <a:xfrm>
+            <a:off x="961037" y="5836348"/>
+            <a:ext cx="426754" cy="233023"/>
+          </a:xfrm>
+          <a:prstGeom prst="straightConnector1">
+            <a:avLst/>
+          </a:prstGeom>
+          <a:ln>
+            <a:tailEnd type="arrow"/>
+          </a:ln>
+        </p:spPr>
+        <p:style>
+          <a:lnRef idx="1">
+            <a:schemeClr val="accent1"/>
+          </a:lnRef>
+          <a:fillRef idx="0">
+            <a:schemeClr val="accent1"/>
+          </a:fillRef>
+          <a:effectRef idx="0">
+            <a:schemeClr val="accent1"/>
+          </a:effectRef>
+          <a:fontRef idx="minor">
+            <a:schemeClr val="tx1"/>
+          </a:fontRef>
+        </p:style>
+      </p:cxnSp>
+      <p:sp>
+        <p:nvSpPr>
+          <p:cNvPr id="219" name="Oval 218"/>
+          <p:cNvSpPr/>
+          <p:nvPr/>
+        </p:nvSpPr>
+        <p:spPr>
+          <a:xfrm>
+            <a:off x="1811305" y="5621434"/>
+            <a:ext cx="1083839" cy="1168492"/>
+          </a:xfrm>
+          <a:prstGeom prst="ellipse">
+            <a:avLst/>
+          </a:prstGeom>
+          <a:noFill/>
+          <a:ln w="57150">
+            <a:solidFill>
+              <a:srgbClr val="00B050"/>
+            </a:solidFill>
+          </a:ln>
+        </p:spPr>
+        <p:style>
+          <a:lnRef idx="2">
+            <a:schemeClr val="accent1">
+              <a:shade val="50000"/>
+            </a:schemeClr>
+          </a:lnRef>
+          <a:fillRef idx="1">
+            <a:schemeClr val="accent1"/>
+          </a:fillRef>
+          <a:effectRef idx="0">
+            <a:schemeClr val="accent1"/>
+          </a:effectRef>
+          <a:fontRef idx="minor">
+            <a:schemeClr val="lt1"/>
+          </a:fontRef>
+        </p:style>
+        <p:txBody>
+          <a:bodyPr rtlCol="0" anchor="ctr"/>
+          <a:lstStyle/>
+          <a:p>
+            <a:pPr algn="ctr"/>
+            <a:endParaRPr lang="en-US"/>
+          </a:p>
+        </p:txBody>
+      </p:sp>
+      <p:sp>
+        <p:nvSpPr>
+          <p:cNvPr id="223" name="TextBox 222"/>
+          <p:cNvSpPr txBox="1"/>
+          <p:nvPr/>
+        </p:nvSpPr>
+        <p:spPr>
+          <a:xfrm>
+            <a:off x="666735" y="1889986"/>
+            <a:ext cx="268638" cy="400110"/>
+          </a:xfrm>
+          <a:prstGeom prst="rect">
+            <a:avLst/>
+          </a:prstGeom>
+          <a:noFill/>
+        </p:spPr>
+        <p:txBody>
+          <a:bodyPr wrap="square" rtlCol="0">
+            <a:spAutoFit/>
+          </a:bodyPr>
+          <a:lstStyle/>
+          <a:p>
+            <a:r>
+              <a:rPr lang="en-US" sz="2000" b="1" dirty="0" smtClean="0"/>
+              <a:t>.</a:t>
+            </a:r>
+            <a:endParaRPr lang="en-US" sz="2000" b="1" dirty="0"/>
+          </a:p>
+        </p:txBody>
+      </p:sp>
+      <p:sp>
+        <p:nvSpPr>
+          <p:cNvPr id="224" name="TextBox 223"/>
+          <p:cNvSpPr txBox="1"/>
+          <p:nvPr/>
+        </p:nvSpPr>
+        <p:spPr>
+          <a:xfrm>
+            <a:off x="8037549" y="1888937"/>
+            <a:ext cx="268638" cy="400110"/>
+          </a:xfrm>
+          <a:prstGeom prst="rect">
+            <a:avLst/>
+          </a:prstGeom>
+          <a:noFill/>
+        </p:spPr>
+        <p:txBody>
+          <a:bodyPr wrap="square" rtlCol="0">
+            <a:spAutoFit/>
+          </a:bodyPr>
+          <a:lstStyle/>
+          <a:p>
+            <a:r>
+              <a:rPr lang="en-US" sz="2000" b="1" dirty="0" smtClean="0"/>
+              <a:t>.</a:t>
+            </a:r>
+            <a:endParaRPr lang="en-US" sz="2000" b="1" dirty="0"/>
+          </a:p>
+        </p:txBody>
+      </p:sp>
+      <p:sp>
+        <p:nvSpPr>
+          <p:cNvPr id="225" name="TextBox 224"/>
+          <p:cNvSpPr txBox="1"/>
+          <p:nvPr/>
+        </p:nvSpPr>
+        <p:spPr>
+          <a:xfrm>
+            <a:off x="290748" y="218623"/>
+            <a:ext cx="2898037" cy="830997"/>
+          </a:xfrm>
+          <a:prstGeom prst="rect">
+            <a:avLst/>
+          </a:prstGeom>
+          <a:noFill/>
+        </p:spPr>
+        <p:txBody>
+          <a:bodyPr wrap="none" rtlCol="0">
+            <a:spAutoFit/>
+          </a:bodyPr>
+          <a:lstStyle/>
+          <a:p>
+            <a:r>
+              <a:rPr lang="en-US" sz="2400" b="1" dirty="0" smtClean="0"/>
+              <a:t>Kociemba Two-Phase</a:t>
+            </a:r>
+          </a:p>
+          <a:p>
+            <a:r>
+              <a:rPr lang="en-US" sz="2400" b="1" dirty="0" smtClean="0"/>
+              <a:t> Algorithm</a:t>
+            </a:r>
+            <a:endParaRPr lang="en-US" sz="2400" b="1" dirty="0"/>
+          </a:p>
+        </p:txBody>
+      </p:sp>
+      <p:sp>
+        <p:nvSpPr>
+          <p:cNvPr id="226" name="TextBox 225"/>
+          <p:cNvSpPr txBox="1"/>
+          <p:nvPr/>
+        </p:nvSpPr>
+        <p:spPr>
+          <a:xfrm>
+            <a:off x="6285168" y="309828"/>
+            <a:ext cx="1168910" cy="461665"/>
+          </a:xfrm>
+          <a:prstGeom prst="rect">
+            <a:avLst/>
+          </a:prstGeom>
+          <a:noFill/>
+        </p:spPr>
+        <p:txBody>
+          <a:bodyPr wrap="none" rtlCol="0">
+            <a:spAutoFit/>
+          </a:bodyPr>
+          <a:lstStyle/>
+          <a:p>
+            <a:r>
+              <a:rPr lang="en-US" sz="2400" b="1" dirty="0" smtClean="0"/>
+              <a:t>Phase 1</a:t>
+            </a:r>
+            <a:endParaRPr lang="en-US" sz="2400" b="1" dirty="0"/>
+          </a:p>
+        </p:txBody>
+      </p:sp>
+      <p:sp>
+        <p:nvSpPr>
+          <p:cNvPr id="227" name="TextBox 226"/>
+          <p:cNvSpPr txBox="1"/>
+          <p:nvPr/>
+        </p:nvSpPr>
+        <p:spPr>
+          <a:xfrm>
+            <a:off x="3715188" y="3801456"/>
+            <a:ext cx="5034035" cy="1754326"/>
+          </a:xfrm>
+          <a:prstGeom prst="rect">
+            <a:avLst/>
+          </a:prstGeom>
+          <a:noFill/>
+        </p:spPr>
+        <p:txBody>
+          <a:bodyPr wrap="square" rtlCol="0">
+            <a:spAutoFit/>
+          </a:bodyPr>
+          <a:lstStyle/>
+          <a:p>
+            <a:r>
+              <a:rPr lang="en-US" dirty="0" smtClean="0"/>
+              <a:t>Phase 1</a:t>
+            </a:r>
+          </a:p>
+          <a:p>
+            <a:pPr marL="285750" indent="-285750">
+              <a:buFont typeface="Arial" panose="020B0604020202020204" pitchFamily="34" charset="0"/>
+              <a:buChar char="•"/>
+            </a:pPr>
+            <a:r>
+              <a:rPr lang="en-US" dirty="0" smtClean="0"/>
+              <a:t>43,252,003,274,489,856,000 possible starting orientations</a:t>
+            </a:r>
+          </a:p>
+          <a:p>
+            <a:pPr marL="285750" indent="-285750">
+              <a:buFont typeface="Arial" panose="020B0604020202020204" pitchFamily="34" charset="0"/>
+              <a:buChar char="•"/>
+            </a:pPr>
+            <a:r>
+              <a:rPr lang="en-US" dirty="0" smtClean="0"/>
+              <a:t>All 18 possible moves are used</a:t>
+            </a:r>
+          </a:p>
+          <a:p>
+            <a:pPr marL="285750" indent="-285750">
+              <a:buFont typeface="Arial" panose="020B0604020202020204" pitchFamily="34" charset="0"/>
+              <a:buChar char="•"/>
+            </a:pPr>
+            <a:r>
+              <a:rPr lang="en-US" dirty="0" smtClean="0"/>
+              <a:t>Uses pruning and symmetries</a:t>
+            </a:r>
+          </a:p>
+          <a:p>
+            <a:pPr marL="285750" indent="-285750">
+              <a:buFont typeface="Arial" panose="020B0604020202020204" pitchFamily="34" charset="0"/>
+              <a:buChar char="•"/>
+            </a:pPr>
+            <a:r>
+              <a:rPr lang="en-US" dirty="0" smtClean="0"/>
+              <a:t>2,217,093,120 possible phase 1 solutions</a:t>
+            </a:r>
+          </a:p>
+        </p:txBody>
+      </p:sp>
+      <p:sp>
+        <p:nvSpPr>
+          <p:cNvPr id="234" name="TextBox 233"/>
+          <p:cNvSpPr txBox="1"/>
+          <p:nvPr/>
+        </p:nvSpPr>
+        <p:spPr>
+          <a:xfrm>
+            <a:off x="3094130" y="6400800"/>
+            <a:ext cx="6112571" cy="338554"/>
+          </a:xfrm>
+          <a:prstGeom prst="rect">
+            <a:avLst/>
+          </a:prstGeom>
+          <a:noFill/>
+        </p:spPr>
+        <p:txBody>
+          <a:bodyPr wrap="none" rtlCol="0">
+            <a:spAutoFit/>
+          </a:bodyPr>
+          <a:lstStyle/>
+          <a:p>
+            <a:r>
+              <a:rPr lang="en-US" sz="1600" dirty="0" smtClean="0"/>
+              <a:t>Phase 1 Solution: </a:t>
+            </a:r>
+            <a:r>
+              <a:rPr lang="en-US" sz="1600" b="1" dirty="0" smtClean="0"/>
+              <a:t>F, U, F2, L2, U2, B2, L’, U, R2, F, B’ </a:t>
+            </a:r>
+            <a:r>
+              <a:rPr lang="en-US" sz="1600" dirty="0" smtClean="0"/>
+              <a:t>(11 moves)</a:t>
+            </a:r>
+            <a:endParaRPr lang="en-US" sz="1600" dirty="0"/>
+          </a:p>
+        </p:txBody>
+      </p:sp>
+      <p:pic>
+        <p:nvPicPr>
+          <p:cNvPr id="238" name="Picture 237"/>
+          <p:cNvPicPr>
+            <a:picLocks noChangeAspect="1"/>
+          </p:cNvPicPr>
+          <p:nvPr/>
+        </p:nvPicPr>
+        <p:blipFill>
+          <a:blip r:embed="rId3" cstate="print">
+            <a:extLst>
+              <a:ext uri="{28A0092B-C50C-407E-A947-70E740481C1C}">
+                <a14:useLocalDpi xmlns:a14="http://schemas.microsoft.com/office/drawing/2010/main" val="0"/>
+              </a:ext>
+            </a:extLst>
+          </a:blip>
+          <a:stretch>
+            <a:fillRect/>
+          </a:stretch>
+        </p:blipFill>
+        <p:spPr>
+          <a:xfrm>
+            <a:off x="3601951" y="81995"/>
+            <a:ext cx="1326558" cy="1107550"/>
+          </a:xfrm>
+          <a:prstGeom prst="rect">
+            <a:avLst/>
+          </a:prstGeom>
+        </p:spPr>
+      </p:pic>
+      <p:pic>
+        <p:nvPicPr>
+          <p:cNvPr id="239" name="Picture 238"/>
+          <p:cNvPicPr>
+            <a:picLocks noChangeAspect="1"/>
+          </p:cNvPicPr>
+          <p:nvPr/>
+        </p:nvPicPr>
+        <p:blipFill>
+          <a:blip r:embed="rId4" cstate="print">
+            <a:extLst>
+              <a:ext uri="{28A0092B-C50C-407E-A947-70E740481C1C}">
+                <a14:useLocalDpi xmlns:a14="http://schemas.microsoft.com/office/drawing/2010/main" val="0"/>
+              </a:ext>
+            </a:extLst>
+          </a:blip>
+          <a:stretch>
+            <a:fillRect/>
+          </a:stretch>
+        </p:blipFill>
+        <p:spPr>
+          <a:xfrm>
+            <a:off x="48986" y="1772599"/>
+            <a:ext cx="611860" cy="587982"/>
+          </a:xfrm>
+          <a:prstGeom prst="rect">
+            <a:avLst/>
+          </a:prstGeom>
+        </p:spPr>
+      </p:pic>
+      <p:pic>
+        <p:nvPicPr>
+          <p:cNvPr id="240" name="Picture 239"/>
+          <p:cNvPicPr>
+            <a:picLocks noChangeAspect="1"/>
+          </p:cNvPicPr>
+          <p:nvPr/>
+        </p:nvPicPr>
+        <p:blipFill>
+          <a:blip r:embed="rId5" cstate="print">
+            <a:extLst>
+              <a:ext uri="{28A0092B-C50C-407E-A947-70E740481C1C}">
+                <a14:useLocalDpi xmlns:a14="http://schemas.microsoft.com/office/drawing/2010/main" val="0"/>
+              </a:ext>
+            </a:extLst>
+          </a:blip>
+          <a:stretch>
+            <a:fillRect/>
+          </a:stretch>
+        </p:blipFill>
+        <p:spPr>
+          <a:xfrm>
+            <a:off x="8378030" y="1836039"/>
+            <a:ext cx="634435" cy="602949"/>
+          </a:xfrm>
+          <a:prstGeom prst="rect">
+            <a:avLst/>
+          </a:prstGeom>
+        </p:spPr>
+      </p:pic>
+      <p:pic>
+        <p:nvPicPr>
+          <p:cNvPr id="241" name="Picture 240"/>
+          <p:cNvPicPr>
+            <a:picLocks noChangeAspect="1"/>
+          </p:cNvPicPr>
+          <p:nvPr/>
+        </p:nvPicPr>
+        <p:blipFill>
+          <a:blip r:embed="rId6" cstate="print">
+            <a:extLst>
+              <a:ext uri="{28A0092B-C50C-407E-A947-70E740481C1C}">
+                <a14:useLocalDpi xmlns:a14="http://schemas.microsoft.com/office/drawing/2010/main" val="0"/>
+              </a:ext>
+            </a:extLst>
+          </a:blip>
+          <a:stretch>
+            <a:fillRect/>
+          </a:stretch>
+        </p:blipFill>
+        <p:spPr>
+          <a:xfrm>
+            <a:off x="1889202" y="5753069"/>
+            <a:ext cx="958612" cy="905221"/>
+          </a:xfrm>
+          <a:prstGeom prst="rect">
+            <a:avLst/>
+          </a:prstGeom>
+        </p:spPr>
+      </p:pic>
+    </p:spTree>
+    <p:extLst>
+      <p:ext uri="{BB962C8B-B14F-4D97-AF65-F5344CB8AC3E}">
+        <p14:creationId xmlns:p14="http://schemas.microsoft.com/office/powerpoint/2010/main" val="4216591346"/>
+      </p:ext>
+    </p:extLst>
+  </p:cSld>
+  <p:clrMapOvr>
+    <a:masterClrMapping/>
+  </p:clrMapOvr>
+</p:sld>
+</file>
+
+<file path=ppt/slides/slide5.xml><?xml version="1.0" encoding="utf-8"?>
+<p:sld xmlns:a="http://schemas.openxmlformats.org/drawingml/2006/main" xmlns:r="http://schemas.openxmlformats.org/officeDocument/2006/relationships" xmlns:p="http://schemas.openxmlformats.org/presentationml/2006/main">
+  <p:cSld>
+    <p:spTree>
+      <p:nvGrpSpPr>
+        <p:cNvPr id="1" name=""/>
+        <p:cNvGrpSpPr/>
+        <p:nvPr/>
+      </p:nvGrpSpPr>
+      <p:grpSpPr>
+        <a:xfrm>
+          <a:off x="0" y="0"/>
+          <a:ext cx="0" cy="0"/>
+          <a:chOff x="0" y="0"/>
+          <a:chExt cx="0" cy="0"/>
+        </a:xfrm>
+      </p:grpSpPr>
+      <p:pic>
+        <p:nvPicPr>
+          <p:cNvPr id="169" name="Picture 168"/>
+          <p:cNvPicPr>
+            <a:picLocks noChangeAspect="1"/>
+          </p:cNvPicPr>
+          <p:nvPr/>
+        </p:nvPicPr>
+        <p:blipFill>
+          <a:blip r:embed="rId2" cstate="print">
+            <a:extLst>
+              <a:ext uri="{28A0092B-C50C-407E-A947-70E740481C1C}">
+                <a14:useLocalDpi xmlns:a14="http://schemas.microsoft.com/office/drawing/2010/main" val="0"/>
+              </a:ext>
+            </a:extLst>
+          </a:blip>
+          <a:stretch>
+            <a:fillRect/>
+          </a:stretch>
+        </p:blipFill>
+        <p:spPr>
+          <a:xfrm>
+            <a:off x="53283" y="4756659"/>
+            <a:ext cx="651793" cy="615491"/>
+          </a:xfrm>
+          <a:prstGeom prst="rect">
+            <a:avLst/>
+          </a:prstGeom>
+        </p:spPr>
+      </p:pic>
+      <p:pic>
+        <p:nvPicPr>
+          <p:cNvPr id="168" name="Picture 167"/>
+          <p:cNvPicPr>
+            <a:picLocks noChangeAspect="1"/>
+          </p:cNvPicPr>
+          <p:nvPr/>
+        </p:nvPicPr>
+        <p:blipFill>
+          <a:blip r:embed="rId2" cstate="print">
+            <a:extLst>
+              <a:ext uri="{28A0092B-C50C-407E-A947-70E740481C1C}">
+                <a14:useLocalDpi xmlns:a14="http://schemas.microsoft.com/office/drawing/2010/main" val="0"/>
+              </a:ext>
+            </a:extLst>
+          </a:blip>
+          <a:stretch>
+            <a:fillRect/>
+          </a:stretch>
+        </p:blipFill>
+        <p:spPr>
+          <a:xfrm>
             <a:off x="8369351" y="2996151"/>
             <a:ext cx="651793" cy="615491"/>
           </a:xfrm>
@@ -9614,11 +10862,6 @@
               </a:rPr>
               <a:t>U</a:t>
             </a:r>
-            <a:endParaRPr lang="en-US" b="1" dirty="0">
-              <a:solidFill>
-                <a:srgbClr val="FFC000"/>
-              </a:solidFill>
-            </a:endParaRPr>
           </a:p>
         </p:txBody>
       </p:sp>
@@ -9652,11 +10895,6 @@
               </a:rPr>
               <a:t>D</a:t>
             </a:r>
-            <a:endParaRPr lang="en-US" b="1" dirty="0">
-              <a:solidFill>
-                <a:srgbClr val="FF0000"/>
-              </a:solidFill>
-            </a:endParaRPr>
           </a:p>
         </p:txBody>
       </p:sp>
@@ -10781,7 +12019,6 @@
               <a:rPr lang="en-US" sz="1600" dirty="0"/>
               <a:t>moves)</a:t>
             </a:r>
-            <a:endParaRPr lang="en-US" sz="1600" dirty="0"/>
           </a:p>
         </p:txBody>
       </p:sp>
@@ -10842,7 +12079,6 @@
               <a:rPr lang="en-US" sz="1600" dirty="0"/>
               <a:t>moves)</a:t>
             </a:r>
-            <a:endParaRPr lang="en-US" sz="1600" dirty="0"/>
           </a:p>
         </p:txBody>
       </p:sp>

--- a/Documents/Presentations/KociembaAlgorithmPresentation.pptx
+++ b/Documents/Presentations/KociembaAlgorithmPresentation.pptx
@@ -236,7 +236,7 @@
           <a:p>
             <a:fld id="{81500037-82B5-4E16-9195-0357D731FF76}" type="datetimeFigureOut">
               <a:rPr lang="en-US" smtClean="0"/>
-              <a:t>4/12/2015</a:t>
+              <a:t>4/13/2015</a:t>
             </a:fld>
             <a:endParaRPr lang="en-US"/>
           </a:p>
@@ -869,7 +869,7 @@
           <a:p>
             <a:fld id="{81500037-82B5-4E16-9195-0357D731FF76}" type="datetimeFigureOut">
               <a:rPr lang="en-US" smtClean="0"/>
-              <a:t>4/12/2015</a:t>
+              <a:t>4/13/2015</a:t>
             </a:fld>
             <a:endParaRPr lang="en-US"/>
           </a:p>
@@ -1146,7 +1146,7 @@
           <a:p>
             <a:fld id="{81500037-82B5-4E16-9195-0357D731FF76}" type="datetimeFigureOut">
               <a:rPr lang="en-US" smtClean="0"/>
-              <a:t>4/12/2015</a:t>
+              <a:t>4/13/2015</a:t>
             </a:fld>
             <a:endParaRPr lang="en-US"/>
           </a:p>
@@ -1311,7 +1311,7 @@
           <a:p>
             <a:fld id="{81500037-82B5-4E16-9195-0357D731FF76}" type="datetimeFigureOut">
               <a:rPr lang="en-US" smtClean="0"/>
-              <a:t>4/12/2015</a:t>
+              <a:t>4/13/2015</a:t>
             </a:fld>
             <a:endParaRPr lang="en-US"/>
           </a:p>
@@ -1492,7 +1492,7 @@
           <a:p>
             <a:fld id="{81500037-82B5-4E16-9195-0357D731FF76}" type="datetimeFigureOut">
               <a:rPr lang="en-US" smtClean="0"/>
-              <a:t>4/12/2015</a:t>
+              <a:t>4/13/2015</a:t>
             </a:fld>
             <a:endParaRPr lang="en-US"/>
           </a:p>
@@ -2137,7 +2137,7 @@
           <a:p>
             <a:fld id="{81500037-82B5-4E16-9195-0357D731FF76}" type="datetimeFigureOut">
               <a:rPr lang="en-US" smtClean="0"/>
-              <a:t>4/12/2015</a:t>
+              <a:t>4/13/2015</a:t>
             </a:fld>
             <a:endParaRPr lang="en-US"/>
           </a:p>
@@ -2563,7 +2563,7 @@
           <a:p>
             <a:fld id="{81500037-82B5-4E16-9195-0357D731FF76}" type="datetimeFigureOut">
               <a:rPr lang="en-US" smtClean="0"/>
-              <a:t>4/12/2015</a:t>
+              <a:t>4/13/2015</a:t>
             </a:fld>
             <a:endParaRPr lang="en-US"/>
           </a:p>
@@ -2676,7 +2676,7 @@
           <a:p>
             <a:fld id="{81500037-82B5-4E16-9195-0357D731FF76}" type="datetimeFigureOut">
               <a:rPr lang="en-US" smtClean="0"/>
-              <a:t>4/12/2015</a:t>
+              <a:t>4/13/2015</a:t>
             </a:fld>
             <a:endParaRPr lang="en-US"/>
           </a:p>
@@ -2857,7 +2857,7 @@
           <a:p>
             <a:fld id="{81500037-82B5-4E16-9195-0357D731FF76}" type="datetimeFigureOut">
               <a:rPr lang="en-US" smtClean="0"/>
-              <a:t>4/12/2015</a:t>
+              <a:t>4/13/2015</a:t>
             </a:fld>
             <a:endParaRPr lang="en-US"/>
           </a:p>
@@ -3123,7 +3123,7 @@
           <a:p>
             <a:fld id="{81500037-82B5-4E16-9195-0357D731FF76}" type="datetimeFigureOut">
               <a:rPr lang="en-US" smtClean="0"/>
-              <a:t>4/12/2015</a:t>
+              <a:t>4/13/2015</a:t>
             </a:fld>
             <a:endParaRPr lang="en-US"/>
           </a:p>
@@ -3593,7 +3593,7 @@
           <a:p>
             <a:fld id="{81500037-82B5-4E16-9195-0357D731FF76}" type="datetimeFigureOut">
               <a:rPr lang="en-US" smtClean="0"/>
-              <a:t>4/12/2015</a:t>
+              <a:t>4/13/2015</a:t>
             </a:fld>
             <a:endParaRPr lang="en-US"/>
           </a:p>
@@ -4153,7 +4153,7 @@
           <a:p>
             <a:fld id="{81500037-82B5-4E16-9195-0357D731FF76}" type="datetimeFigureOut">
               <a:rPr lang="en-US" smtClean="0"/>
-              <a:t>4/12/2015</a:t>
+              <a:t>4/13/2015</a:t>
             </a:fld>
             <a:endParaRPr lang="en-US"/>
           </a:p>
@@ -5174,7 +5174,6 @@
               <a:rPr lang="en-US" b="1" dirty="0"/>
               <a:t>R</a:t>
             </a:r>
-            <a:endParaRPr lang="en-US" b="1" dirty="0"/>
           </a:p>
         </p:txBody>
       </p:sp>
@@ -5204,7 +5203,6 @@
               <a:rPr lang="en-US" b="1" dirty="0"/>
               <a:t>U</a:t>
             </a:r>
-            <a:endParaRPr lang="en-US" b="1" dirty="0"/>
           </a:p>
         </p:txBody>
       </p:sp>
@@ -5234,7 +5232,6 @@
               <a:rPr lang="en-US" b="1" dirty="0"/>
               <a:t>B</a:t>
             </a:r>
-            <a:endParaRPr lang="en-US" b="1" dirty="0"/>
           </a:p>
         </p:txBody>
       </p:sp>
@@ -5264,7 +5261,6 @@
               <a:rPr lang="en-US" b="1" dirty="0"/>
               <a:t>D</a:t>
             </a:r>
-            <a:endParaRPr lang="en-US" b="1" dirty="0"/>
           </a:p>
         </p:txBody>
       </p:sp>
@@ -5294,7 +5290,6 @@
               <a:rPr lang="en-US" b="1" dirty="0"/>
               <a:t>L</a:t>
             </a:r>
-            <a:endParaRPr lang="en-US" b="1" dirty="0"/>
           </a:p>
         </p:txBody>
       </p:sp>
@@ -5924,12 +5919,16 @@
               <a:t>8 Corner </a:t>
             </a:r>
             <a:r>
-              <a:rPr lang="en-US" sz="1600" dirty="0" err="1" smtClean="0"/>
-              <a:t>Cubies</a:t>
-            </a:r>
-            <a:r>
               <a:rPr lang="en-US" sz="1600" dirty="0" smtClean="0"/>
-              <a:t> Location and Orientation</a:t>
+              <a:t>Cubie Locations </a:t>
+            </a:r>
+            <a:r>
+              <a:rPr lang="en-US" sz="1600" dirty="0" smtClean="0"/>
+              <a:t>and </a:t>
+            </a:r>
+            <a:r>
+              <a:rPr lang="en-US" sz="1600" dirty="0" smtClean="0"/>
+              <a:t>Orientations</a:t>
             </a:r>
             <a:endParaRPr lang="en-US" sz="1600" dirty="0"/>
           </a:p>
@@ -5960,15 +5959,19 @@
             <a:pPr algn="ctr"/>
             <a:r>
               <a:rPr lang="en-US" sz="1600" dirty="0" smtClean="0"/>
-              <a:t>12 Corner </a:t>
-            </a:r>
-            <a:r>
-              <a:rPr lang="en-US" sz="1600" dirty="0" err="1" smtClean="0"/>
-              <a:t>Cubies</a:t>
+              <a:t>12 </a:t>
             </a:r>
             <a:r>
               <a:rPr lang="en-US" sz="1600" dirty="0" smtClean="0"/>
-              <a:t> Location and Orientation</a:t>
+              <a:t>Edge Cubie Locations </a:t>
+            </a:r>
+            <a:r>
+              <a:rPr lang="en-US" sz="1600" dirty="0" smtClean="0"/>
+              <a:t>and </a:t>
+            </a:r>
+            <a:r>
+              <a:rPr lang="en-US" sz="1600" dirty="0" smtClean="0"/>
+              <a:t>Orientations</a:t>
             </a:r>
             <a:endParaRPr lang="en-US" sz="1600" dirty="0"/>
           </a:p>
